--- a/RGBMusicPresentation - Oran.pptx
+++ b/RGBMusicPresentation - Oran.pptx
@@ -5,20 +5,15 @@
     <p:sldMasterId id="2147483660" r:id="rId1"/>
   </p:sldMasterIdLst>
   <p:notesMasterIdLst>
-    <p:notesMasterId r:id="rId13"/>
+    <p:notesMasterId r:id="rId8"/>
   </p:notesMasterIdLst>
   <p:sldIdLst>
     <p:sldId id="256" r:id="rId2"/>
-    <p:sldId id="257" r:id="rId3"/>
-    <p:sldId id="258" r:id="rId4"/>
-    <p:sldId id="260" r:id="rId5"/>
-    <p:sldId id="261" r:id="rId6"/>
-    <p:sldId id="262" r:id="rId7"/>
-    <p:sldId id="263" r:id="rId8"/>
-    <p:sldId id="264" r:id="rId9"/>
-    <p:sldId id="265" r:id="rId10"/>
-    <p:sldId id="259" r:id="rId11"/>
-    <p:sldId id="266" r:id="rId12"/>
+    <p:sldId id="258" r:id="rId3"/>
+    <p:sldId id="268" r:id="rId4"/>
+    <p:sldId id="267" r:id="rId5"/>
+    <p:sldId id="262" r:id="rId6"/>
+    <p:sldId id="264" r:id="rId7"/>
   </p:sldIdLst>
   <p:sldSz cx="12192000" cy="6858000"/>
   <p:notesSz cx="6858000" cy="9144000"/>
@@ -544,85 +539,6 @@
             </a:r>
           </a:p>
           <a:p>
-            <a:endParaRPr lang="he-IL" sz="1200" b="0" i="0" u="none" strike="noStrike" kern="1200" baseline="0" dirty="0">
-              <a:solidFill>
-                <a:schemeClr val="tx1"/>
-              </a:solidFill>
-              <a:latin typeface="+mn-lt"/>
-              <a:ea typeface="+mn-ea"/>
-              <a:cs typeface="+mn-cs"/>
-            </a:endParaRPr>
-          </a:p>
-          <a:p>
-            <a:r>
-              <a:rPr lang="en-US" dirty="0"/>
-              <a:t>http://www.kenjikojima.com/rgbmusic/</a:t>
-            </a:r>
-          </a:p>
-          <a:p>
-            <a:r>
-              <a:rPr lang="en-US" dirty="0"/>
-              <a:t>Pros:</a:t>
-            </a:r>
-          </a:p>
-          <a:p>
-            <a:pPr marL="171450" indent="-171450">
-              <a:buFont typeface="Arial" panose="020B0604020202020204" pitchFamily="34" charset="0"/>
-              <a:buChar char="•"/>
-            </a:pPr>
-            <a:r>
-              <a:rPr lang="en-US" dirty="0"/>
-              <a:t>A lot of options</a:t>
-            </a:r>
-          </a:p>
-          <a:p>
-            <a:pPr marL="171450" indent="-171450">
-              <a:buFont typeface="Arial" panose="020B0604020202020204" pitchFamily="34" charset="0"/>
-              <a:buChar char="•"/>
-            </a:pPr>
-            <a:r>
-              <a:rPr lang="en-US" dirty="0"/>
-              <a:t>Very advanced</a:t>
-            </a:r>
-          </a:p>
-          <a:p>
-            <a:r>
-              <a:rPr lang="en-US" dirty="0"/>
-              <a:t>Cons:</a:t>
-            </a:r>
-            <a:endParaRPr lang="he-IL" dirty="0"/>
-          </a:p>
-          <a:p>
-            <a:pPr marL="171450" indent="-171450">
-              <a:buFont typeface="Arial" panose="020B0604020202020204" pitchFamily="34" charset="0"/>
-              <a:buChar char="•"/>
-            </a:pPr>
-            <a:r>
-              <a:rPr lang="en-US" dirty="0"/>
-              <a:t>Not free</a:t>
-            </a:r>
-          </a:p>
-          <a:p>
-            <a:pPr marL="171450" indent="-171450">
-              <a:buFont typeface="Arial" panose="020B0604020202020204" pitchFamily="34" charset="0"/>
-              <a:buChar char="•"/>
-            </a:pPr>
-            <a:r>
-              <a:rPr lang="en-US" dirty="0"/>
-              <a:t>Out dated</a:t>
-            </a:r>
-          </a:p>
-          <a:p>
-            <a:pPr marL="171450" indent="-171450">
-              <a:buFont typeface="Arial" panose="020B0604020202020204" pitchFamily="34" charset="0"/>
-              <a:buChar char="•"/>
-            </a:pPr>
-            <a:r>
-              <a:rPr lang="en-US" dirty="0"/>
-              <a:t>Very complicated</a:t>
-            </a:r>
-          </a:p>
-          <a:p>
             <a:pPr marL="171450" indent="-171450">
               <a:buFont typeface="Arial" panose="020B0604020202020204" pitchFamily="34" charset="0"/>
               <a:buChar char="•"/>
@@ -648,7 +564,7 @@
           <a:p>
             <a:fld id="{AA9BED1A-8388-4503-8515-6BC02580799D}" type="slidenum">
               <a:rPr lang="en-US" smtClean="0"/>
-              <a:t>3</a:t>
+              <a:t>2</a:t>
             </a:fld>
             <a:endParaRPr lang="en-US"/>
           </a:p>
@@ -711,6 +627,10 @@
           <a:bodyPr/>
           <a:lstStyle/>
           <a:p>
+            <a:pPr marL="171450" indent="-171450">
+              <a:buFont typeface="Arial" panose="020B0604020202020204" pitchFamily="34" charset="0"/>
+              <a:buChar char="•"/>
+            </a:pPr>
             <a:endParaRPr lang="he-IL" dirty="0"/>
           </a:p>
         </p:txBody>
@@ -732,7 +652,7 @@
           <a:p>
             <a:fld id="{AA9BED1A-8388-4503-8515-6BC02580799D}" type="slidenum">
               <a:rPr lang="en-US" smtClean="0"/>
-              <a:t>9</a:t>
+              <a:t>4</a:t>
             </a:fld>
             <a:endParaRPr lang="en-US"/>
           </a:p>
@@ -741,7 +661,102 @@
     </p:spTree>
     <p:extLst>
       <p:ext uri="{BB962C8B-B14F-4D97-AF65-F5344CB8AC3E}">
-        <p14:creationId xmlns:p14="http://schemas.microsoft.com/office/powerpoint/2010/main" val="2953944922"/>
+        <p14:creationId xmlns:p14="http://schemas.microsoft.com/office/powerpoint/2010/main" val="351772789"/>
+      </p:ext>
+    </p:extLst>
+  </p:cSld>
+  <p:clrMapOvr>
+    <a:masterClrMapping/>
+  </p:clrMapOvr>
+</p:notes>
+</file>
+
+<file path=ppt/notesSlides/notesSlide3.xml><?xml version="1.0" encoding="utf-8"?>
+<p:notes xmlns:a="http://schemas.openxmlformats.org/drawingml/2006/main" xmlns:r="http://schemas.openxmlformats.org/officeDocument/2006/relationships" xmlns:p="http://schemas.openxmlformats.org/presentationml/2006/main">
+  <p:cSld>
+    <p:spTree>
+      <p:nvGrpSpPr>
+        <p:cNvPr id="1" name=""/>
+        <p:cNvGrpSpPr/>
+        <p:nvPr/>
+      </p:nvGrpSpPr>
+      <p:grpSpPr>
+        <a:xfrm>
+          <a:off x="0" y="0"/>
+          <a:ext cx="0" cy="0"/>
+          <a:chOff x="0" y="0"/>
+          <a:chExt cx="0" cy="0"/>
+        </a:xfrm>
+      </p:grpSpPr>
+      <p:sp>
+        <p:nvSpPr>
+          <p:cNvPr id="2" name="Slide Image Placeholder 1"/>
+          <p:cNvSpPr>
+            <a:spLocks noGrp="1" noRot="1" noChangeAspect="1"/>
+          </p:cNvSpPr>
+          <p:nvPr>
+            <p:ph type="sldImg"/>
+          </p:nvPr>
+        </p:nvSpPr>
+        <p:spPr/>
+      </p:sp>
+      <p:sp>
+        <p:nvSpPr>
+          <p:cNvPr id="3" name="Notes Placeholder 2"/>
+          <p:cNvSpPr>
+            <a:spLocks noGrp="1"/>
+          </p:cNvSpPr>
+          <p:nvPr>
+            <p:ph type="body" idx="1"/>
+          </p:nvPr>
+        </p:nvSpPr>
+        <p:spPr/>
+        <p:txBody>
+          <a:bodyPr/>
+          <a:lstStyle/>
+          <a:p>
+            <a:r>
+              <a:rPr lang="he-IL" sz="1200" b="0" i="0" u="none" strike="noStrike" kern="1200" baseline="0" dirty="0">
+                <a:solidFill>
+                  <a:schemeClr val="tx1"/>
+                </a:solidFill>
+                <a:latin typeface="+mn-lt"/>
+                <a:ea typeface="+mn-ea"/>
+                <a:cs typeface="+mn-cs"/>
+              </a:rPr>
+              <a:t>יתרונות הפתרון על פני פתרונות אחרים, או הבדלים עיקריים.</a:t>
+            </a:r>
+            <a:endParaRPr lang="en-US" dirty="0"/>
+          </a:p>
+        </p:txBody>
+      </p:sp>
+      <p:sp>
+        <p:nvSpPr>
+          <p:cNvPr id="4" name="Slide Number Placeholder 3"/>
+          <p:cNvSpPr>
+            <a:spLocks noGrp="1"/>
+          </p:cNvSpPr>
+          <p:nvPr>
+            <p:ph type="sldNum" sz="quarter" idx="10"/>
+          </p:nvPr>
+        </p:nvSpPr>
+        <p:spPr/>
+        <p:txBody>
+          <a:bodyPr/>
+          <a:lstStyle/>
+          <a:p>
+            <a:fld id="{AA9BED1A-8388-4503-8515-6BC02580799D}" type="slidenum">
+              <a:rPr lang="en-US" smtClean="0"/>
+              <a:t>5</a:t>
+            </a:fld>
+            <a:endParaRPr lang="en-US"/>
+          </a:p>
+        </p:txBody>
+      </p:sp>
+    </p:spTree>
+    <p:extLst>
+      <p:ext uri="{BB962C8B-B14F-4D97-AF65-F5344CB8AC3E}">
+        <p14:creationId xmlns:p14="http://schemas.microsoft.com/office/powerpoint/2010/main" val="3944614741"/>
       </p:ext>
     </p:extLst>
   </p:cSld>
@@ -4675,7 +4690,7 @@
         </p:nvSpPr>
         <p:spPr>
           <a:xfrm>
-            <a:off x="970383" y="1559386"/>
+            <a:off x="1561813" y="1856963"/>
             <a:ext cx="10105053" cy="1446550"/>
           </a:xfrm>
           <a:prstGeom prst="rect">
@@ -4747,8 +4762,8 @@
         </p:nvSpPr>
         <p:spPr>
           <a:xfrm>
-            <a:off x="1287624" y="2845837"/>
-            <a:ext cx="9358605" cy="1015663"/>
+            <a:off x="1416697" y="2828835"/>
+            <a:ext cx="9358605" cy="1200329"/>
           </a:xfrm>
           <a:prstGeom prst="rect">
             <a:avLst/>
@@ -4763,57 +4778,32 @@
           <a:p>
             <a:pPr algn="ctr"/>
             <a:r>
-              <a:rPr lang="en-US" sz="4000" cap="all" dirty="0" err="1">
-                <a:blipFill>
-                  <a:blip r:embed="rId2">
-                    <a:extLst>
-                      <a:ext uri="{28A0092B-C50C-407E-A947-70E740481C1C}">
-                        <a14:useLocalDpi xmlns:a14="http://schemas.microsoft.com/office/drawing/2010/main" val="0"/>
-                      </a:ext>
-                    </a:extLst>
-                  </a:blip>
-                  <a:tile tx="6350" ty="-127000" sx="65000" sy="64000" flip="none" algn="tl"/>
-                </a:blipFill>
+              <a:rPr lang="en-US" sz="4000" cap="all" dirty="0">
+                <a:solidFill>
+                  <a:srgbClr val="002060"/>
+                </a:solidFill>
                 <a:latin typeface="+mj-lt"/>
                 <a:ea typeface="+mj-ea"/>
                 <a:cs typeface="+mj-cs"/>
               </a:rPr>
-              <a:t>Zehavit</a:t>
-            </a:r>
-            <a:r>
-              <a:rPr lang="en-US" dirty="0"/>
-              <a:t> </a:t>
+              <a:t>Oran </a:t>
             </a:r>
             <a:r>
               <a:rPr lang="en-US" sz="4000" cap="all" dirty="0" err="1">
-                <a:blipFill>
-                  <a:blip r:embed="rId2">
-                    <a:extLst>
-                      <a:ext uri="{28A0092B-C50C-407E-A947-70E740481C1C}">
-                        <a14:useLocalDpi xmlns:a14="http://schemas.microsoft.com/office/drawing/2010/main" val="0"/>
-                      </a:ext>
-                    </a:extLst>
-                  </a:blip>
-                  <a:tile tx="6350" ty="-127000" sx="65000" sy="64000" flip="none" algn="tl"/>
-                </a:blipFill>
+                <a:solidFill>
+                  <a:srgbClr val="002060"/>
+                </a:solidFill>
                 <a:latin typeface="+mj-lt"/>
                 <a:ea typeface="+mj-ea"/>
                 <a:cs typeface="+mj-cs"/>
               </a:rPr>
-              <a:t>Leibovich</a:t>
+              <a:t>Gilboa</a:t>
             </a:r>
             <a:r>
               <a:rPr lang="en-US" sz="4000" cap="all" dirty="0">
-                <a:blipFill>
-                  <a:blip r:embed="rId2">
-                    <a:extLst>
-                      <a:ext uri="{28A0092B-C50C-407E-A947-70E740481C1C}">
-                        <a14:useLocalDpi xmlns:a14="http://schemas.microsoft.com/office/drawing/2010/main" val="0"/>
-                      </a:ext>
-                    </a:extLst>
-                  </a:blip>
-                  <a:tile tx="6350" ty="-127000" sx="65000" sy="64000" flip="none" algn="tl"/>
-                </a:blipFill>
+                <a:solidFill>
+                  <a:srgbClr val="002060"/>
+                </a:solidFill>
                 <a:latin typeface="+mj-lt"/>
                 <a:ea typeface="+mj-ea"/>
                 <a:cs typeface="+mj-cs"/>
@@ -4821,7 +4811,7 @@
               <a:t> </a:t>
             </a:r>
             <a:r>
-              <a:rPr lang="en-US" sz="6000" cap="all" dirty="0">
+              <a:rPr lang="en-US" sz="7200" cap="all" dirty="0">
                 <a:blipFill>
                   <a:blip r:embed="rId2">
                     <a:extLst>
@@ -4840,55 +4830,52 @@
             </a:r>
             <a:r>
               <a:rPr lang="en-US" sz="4000" cap="all" dirty="0">
-                <a:blipFill>
-                  <a:blip r:embed="rId2">
-                    <a:extLst>
-                      <a:ext uri="{28A0092B-C50C-407E-A947-70E740481C1C}">
-                        <a14:useLocalDpi xmlns:a14="http://schemas.microsoft.com/office/drawing/2010/main" val="0"/>
-                      </a:ext>
-                    </a:extLst>
-                  </a:blip>
-                  <a:tile tx="6350" ty="-127000" sx="65000" sy="64000" flip="none" algn="tl"/>
-                </a:blipFill>
+                <a:solidFill>
+                  <a:srgbClr val="002060"/>
+                </a:solidFill>
                 <a:latin typeface="+mj-lt"/>
                 <a:ea typeface="+mj-ea"/>
                 <a:cs typeface="+mj-cs"/>
               </a:rPr>
-              <a:t> Oran</a:t>
-            </a:r>
-            <a:r>
-              <a:rPr lang="en-US" dirty="0"/>
               <a:t> </a:t>
             </a:r>
             <a:r>
               <a:rPr lang="en-US" sz="4000" cap="all" dirty="0" err="1">
-                <a:blipFill>
-                  <a:blip r:embed="rId2">
-                    <a:extLst>
-                      <a:ext uri="{28A0092B-C50C-407E-A947-70E740481C1C}">
-                        <a14:useLocalDpi xmlns:a14="http://schemas.microsoft.com/office/drawing/2010/main" val="0"/>
-                      </a:ext>
-                    </a:extLst>
-                  </a:blip>
-                  <a:tile tx="6350" ty="-127000" sx="65000" sy="64000" flip="none" algn="tl"/>
-                </a:blipFill>
+                <a:solidFill>
+                  <a:srgbClr val="002060"/>
+                </a:solidFill>
                 <a:latin typeface="+mj-lt"/>
                 <a:ea typeface="+mj-ea"/>
                 <a:cs typeface="+mj-cs"/>
               </a:rPr>
-              <a:t>Gilboa</a:t>
+              <a:t>Zehavit</a:t>
+            </a:r>
+            <a:r>
+              <a:rPr lang="en-US" sz="4000" cap="all" dirty="0">
+                <a:solidFill>
+                  <a:srgbClr val="002060"/>
+                </a:solidFill>
+                <a:latin typeface="+mj-lt"/>
+                <a:ea typeface="+mj-ea"/>
+                <a:cs typeface="+mj-cs"/>
+              </a:rPr>
+              <a:t> </a:t>
+            </a:r>
+            <a:r>
+              <a:rPr lang="en-US" sz="4000" cap="all" dirty="0" err="1">
+                <a:solidFill>
+                  <a:srgbClr val="002060"/>
+                </a:solidFill>
+                <a:latin typeface="+mj-lt"/>
+                <a:ea typeface="+mj-ea"/>
+                <a:cs typeface="+mj-cs"/>
+              </a:rPr>
+              <a:t>Leibovich</a:t>
             </a:r>
             <a:endParaRPr lang="en-US" sz="4000" cap="all" dirty="0">
-              <a:blipFill>
-                <a:blip r:embed="rId2">
-                  <a:extLst>
-                    <a:ext uri="{28A0092B-C50C-407E-A947-70E740481C1C}">
-                      <a14:useLocalDpi xmlns:a14="http://schemas.microsoft.com/office/drawing/2010/main" val="0"/>
-                    </a:ext>
-                  </a:extLst>
-                </a:blip>
-                <a:tile tx="6350" ty="-127000" sx="65000" sy="64000" flip="none" algn="tl"/>
-              </a:blipFill>
+              <a:solidFill>
+                <a:srgbClr val="002060"/>
+              </a:solidFill>
               <a:latin typeface="+mj-lt"/>
               <a:ea typeface="+mj-ea"/>
               <a:cs typeface="+mj-cs"/>
@@ -4956,262 +4943,6 @@
 </p:sld>
 </file>
 
-<file path=ppt/slides/slide10.xml><?xml version="1.0" encoding="utf-8"?>
-<p:sld xmlns:a="http://schemas.openxmlformats.org/drawingml/2006/main" xmlns:r="http://schemas.openxmlformats.org/officeDocument/2006/relationships" xmlns:p="http://schemas.openxmlformats.org/presentationml/2006/main">
-  <p:cSld>
-    <p:spTree>
-      <p:nvGrpSpPr>
-        <p:cNvPr id="1" name=""/>
-        <p:cNvGrpSpPr/>
-        <p:nvPr/>
-      </p:nvGrpSpPr>
-      <p:grpSpPr>
-        <a:xfrm>
-          <a:off x="0" y="0"/>
-          <a:ext cx="0" cy="0"/>
-          <a:chOff x="0" y="0"/>
-          <a:chExt cx="0" cy="0"/>
-        </a:xfrm>
-      </p:grpSpPr>
-      <p:sp>
-        <p:nvSpPr>
-          <p:cNvPr id="2" name="Title 1"/>
-          <p:cNvSpPr>
-            <a:spLocks noGrp="1"/>
-          </p:cNvSpPr>
-          <p:nvPr>
-            <p:ph type="title"/>
-          </p:nvPr>
-        </p:nvSpPr>
-        <p:spPr/>
-        <p:txBody>
-          <a:bodyPr/>
-          <a:lstStyle/>
-          <a:p>
-            <a:r>
-              <a:rPr lang="en-US" dirty="0" smtClean="0"/>
-              <a:t>Bibliography </a:t>
-            </a:r>
-            <a:endParaRPr lang="he-IL" dirty="0"/>
-          </a:p>
-        </p:txBody>
-      </p:sp>
-      <p:sp>
-        <p:nvSpPr>
-          <p:cNvPr id="3" name="Content Placeholder 2"/>
-          <p:cNvSpPr>
-            <a:spLocks noGrp="1"/>
-          </p:cNvSpPr>
-          <p:nvPr>
-            <p:ph idx="1"/>
-          </p:nvPr>
-        </p:nvSpPr>
-        <p:spPr/>
-        <p:txBody>
-          <a:bodyPr/>
-          <a:lstStyle/>
-          <a:p>
-            <a:endParaRPr lang="en-US" dirty="0" smtClean="0"/>
-          </a:p>
-          <a:p>
-            <a:r>
-              <a:rPr lang="en-US" dirty="0" smtClean="0"/>
-              <a:t>We </a:t>
-            </a:r>
-            <a:r>
-              <a:rPr lang="en-US" dirty="0"/>
-              <a:t>were inspired by the video presented in class of “Geo shred preview”</a:t>
-            </a:r>
-          </a:p>
-          <a:p>
-            <a:pPr marL="0" indent="0">
-              <a:buNone/>
-            </a:pPr>
-            <a:r>
-              <a:rPr lang="en-US" dirty="0">
-                <a:hlinkClick r:id="rId2"/>
-              </a:rPr>
-              <a:t>https://www.youtube.com/watch?v=CDLA8B8BkbQ</a:t>
-            </a:r>
-            <a:r>
-              <a:rPr lang="en-US" dirty="0"/>
-              <a:t> </a:t>
-            </a:r>
-          </a:p>
-          <a:p>
-            <a:pPr marL="0" indent="0">
-              <a:buNone/>
-            </a:pPr>
-            <a:r>
-              <a:rPr lang="en-US" dirty="0"/>
-              <a:t>Were you can see a musician play using a touch screen</a:t>
-            </a:r>
-          </a:p>
-          <a:p>
-            <a:endParaRPr lang="he-IL" dirty="0"/>
-          </a:p>
-        </p:txBody>
-      </p:sp>
-    </p:spTree>
-    <p:extLst>
-      <p:ext uri="{BB962C8B-B14F-4D97-AF65-F5344CB8AC3E}">
-        <p14:creationId xmlns:p14="http://schemas.microsoft.com/office/powerpoint/2010/main" val="1051116822"/>
-      </p:ext>
-    </p:extLst>
-  </p:cSld>
-  <p:clrMapOvr>
-    <a:masterClrMapping/>
-  </p:clrMapOvr>
-</p:sld>
-</file>
-
-<file path=ppt/slides/slide11.xml><?xml version="1.0" encoding="utf-8"?>
-<p:sld xmlns:a="http://schemas.openxmlformats.org/drawingml/2006/main" xmlns:r="http://schemas.openxmlformats.org/officeDocument/2006/relationships" xmlns:p="http://schemas.openxmlformats.org/presentationml/2006/main">
-  <p:cSld>
-    <p:spTree>
-      <p:nvGrpSpPr>
-        <p:cNvPr id="1" name=""/>
-        <p:cNvGrpSpPr/>
-        <p:nvPr/>
-      </p:nvGrpSpPr>
-      <p:grpSpPr>
-        <a:xfrm>
-          <a:off x="0" y="0"/>
-          <a:ext cx="0" cy="0"/>
-          <a:chOff x="0" y="0"/>
-          <a:chExt cx="0" cy="0"/>
-        </a:xfrm>
-      </p:grpSpPr>
-      <p:sp>
-        <p:nvSpPr>
-          <p:cNvPr id="2" name="Title 1"/>
-          <p:cNvSpPr>
-            <a:spLocks noGrp="1"/>
-          </p:cNvSpPr>
-          <p:nvPr>
-            <p:ph type="title"/>
-          </p:nvPr>
-        </p:nvSpPr>
-        <p:spPr/>
-        <p:txBody>
-          <a:bodyPr/>
-          <a:lstStyle/>
-          <a:p>
-            <a:r>
-              <a:rPr lang="he-IL" dirty="0" smtClean="0"/>
-              <a:t>חלוקת עבודה</a:t>
-            </a:r>
-            <a:endParaRPr lang="he-IL" dirty="0"/>
-          </a:p>
-        </p:txBody>
-      </p:sp>
-      <p:sp>
-        <p:nvSpPr>
-          <p:cNvPr id="3" name="Content Placeholder 2"/>
-          <p:cNvSpPr>
-            <a:spLocks noGrp="1"/>
-          </p:cNvSpPr>
-          <p:nvPr>
-            <p:ph idx="1"/>
-          </p:nvPr>
-        </p:nvSpPr>
-        <p:spPr/>
-        <p:txBody>
-          <a:bodyPr/>
-          <a:lstStyle/>
-          <a:p>
-            <a:pPr marL="0" indent="0">
-              <a:buNone/>
-            </a:pPr>
-            <a:r>
-              <a:rPr lang="en-US" dirty="0" smtClean="0"/>
-              <a:t>Related work  - Oran</a:t>
-            </a:r>
-          </a:p>
-          <a:p>
-            <a:pPr marL="0" indent="0">
-              <a:buNone/>
-            </a:pPr>
-            <a:r>
-              <a:rPr lang="en-US" dirty="0" smtClean="0"/>
-              <a:t>Articles – Zehavit</a:t>
-            </a:r>
-          </a:p>
-          <a:p>
-            <a:pPr marL="0" indent="0">
-              <a:buNone/>
-            </a:pPr>
-            <a:r>
-              <a:rPr lang="en-US" dirty="0" smtClean="0"/>
-              <a:t>The project – Zehavit</a:t>
-            </a:r>
-          </a:p>
-          <a:p>
-            <a:pPr marL="0" indent="0">
-              <a:buNone/>
-            </a:pPr>
-            <a:r>
-              <a:rPr lang="en-US" dirty="0" smtClean="0"/>
-              <a:t>Use case – Zehavit</a:t>
-            </a:r>
-          </a:p>
-          <a:p>
-            <a:pPr marL="0" indent="0">
-              <a:buNone/>
-            </a:pPr>
-            <a:r>
-              <a:rPr lang="en-US" dirty="0" smtClean="0"/>
-              <a:t>Cons – Oran </a:t>
-            </a:r>
-          </a:p>
-          <a:p>
-            <a:pPr marL="0" indent="0">
-              <a:buNone/>
-            </a:pPr>
-            <a:r>
-              <a:rPr lang="en-US" dirty="0" smtClean="0"/>
-              <a:t>Technical summary - Zehavit</a:t>
-            </a:r>
-          </a:p>
-          <a:p>
-            <a:pPr marL="0" indent="0">
-              <a:buNone/>
-            </a:pPr>
-            <a:r>
-              <a:rPr lang="en-US" dirty="0" smtClean="0"/>
-              <a:t>UI scheme – Oran </a:t>
-            </a:r>
-          </a:p>
-          <a:p>
-            <a:pPr marL="0" indent="0">
-              <a:buNone/>
-            </a:pPr>
-            <a:r>
-              <a:rPr lang="en-US" dirty="0" smtClean="0"/>
-              <a:t>Videos – Zehavit </a:t>
-            </a:r>
-          </a:p>
-          <a:p>
-            <a:pPr marL="0" indent="0">
-              <a:buNone/>
-            </a:pPr>
-            <a:endParaRPr lang="he-IL" dirty="0"/>
-          </a:p>
-        </p:txBody>
-      </p:sp>
-    </p:spTree>
-    <p:extLst>
-      <p:ext uri="{BB962C8B-B14F-4D97-AF65-F5344CB8AC3E}">
-        <p14:creationId xmlns:p14="http://schemas.microsoft.com/office/powerpoint/2010/main" val="3375786538"/>
-      </p:ext>
-    </p:extLst>
-  </p:cSld>
-  <p:clrMapOvr>
-    <a:masterClrMapping/>
-  </p:clrMapOvr>
-</p:sld>
-</file>
-
 <file path=ppt/slides/slide2.xml><?xml version="1.0" encoding="utf-8"?>
 <p:sld xmlns:a="http://schemas.openxmlformats.org/drawingml/2006/main" xmlns:r="http://schemas.openxmlformats.org/officeDocument/2006/relationships" xmlns:p="http://schemas.openxmlformats.org/presentationml/2006/main">
   <p:cSld>
@@ -5231,155 +4962,129 @@
       </p:grpSpPr>
       <p:sp>
         <p:nvSpPr>
-          <p:cNvPr id="4" name="TextBox 3">
+          <p:cNvPr id="2" name="Title 1">
             <a:extLst>
               <a:ext uri="{FF2B5EF4-FFF2-40B4-BE49-F238E27FC236}">
-                <a16:creationId xmlns:a16="http://schemas.microsoft.com/office/drawing/2014/main" id="{EA82BB0B-F4FE-4E3A-950F-688B5F349888}"/>
+                <a16:creationId xmlns:a16="http://schemas.microsoft.com/office/drawing/2014/main" id="{49A14EDF-60EC-4ADD-BDED-53DD249324D2}"/>
               </a:ext>
             </a:extLst>
           </p:cNvPr>
-          <p:cNvSpPr txBox="1"/>
-          <p:nvPr/>
-        </p:nvSpPr>
-        <p:spPr>
-          <a:xfrm>
-            <a:off x="970383" y="1559386"/>
-            <a:ext cx="10105053" cy="1200329"/>
-          </a:xfrm>
-          <a:prstGeom prst="rect">
-            <a:avLst/>
-          </a:prstGeom>
-          <a:noFill/>
-        </p:spPr>
-        <p:txBody>
-          <a:bodyPr wrap="square" rtlCol="0">
-            <a:spAutoFit/>
-          </a:bodyPr>
+          <p:cNvSpPr>
+            <a:spLocks noGrp="1"/>
+          </p:cNvSpPr>
+          <p:nvPr>
+            <p:ph type="title"/>
+          </p:nvPr>
+        </p:nvSpPr>
+        <p:spPr/>
+        <p:txBody>
+          <a:bodyPr/>
           <a:lstStyle/>
           <a:p>
-            <a:pPr algn="ctr"/>
-            <a:r>
-              <a:rPr lang="en-US" sz="7200" cap="all" dirty="0">
-                <a:blipFill>
-                  <a:blip r:embed="rId2">
-                    <a:extLst>
-                      <a:ext uri="{28A0092B-C50C-407E-A947-70E740481C1C}">
-                        <a14:useLocalDpi xmlns:a14="http://schemas.microsoft.com/office/drawing/2010/main" val="0"/>
-                      </a:ext>
-                    </a:extLst>
-                  </a:blip>
-                  <a:tile tx="6350" ty="-127000" sx="65000" sy="64000" flip="none" algn="tl"/>
-                </a:blipFill>
-                <a:latin typeface="+mj-lt"/>
-                <a:ea typeface="+mj-ea"/>
-                <a:cs typeface="+mj-cs"/>
-              </a:rPr>
-              <a:t>Basic Idea</a:t>
-            </a:r>
-          </a:p>
-        </p:txBody>
-      </p:sp>
-      <p:sp>
-        <p:nvSpPr>
-          <p:cNvPr id="5" name="TextBox 4">
+            <a:r>
+              <a:rPr lang="en-US" dirty="0"/>
+              <a:t>Related Work (1) - RGB Music Lab</a:t>
+            </a:r>
+          </a:p>
+        </p:txBody>
+      </p:sp>
+      <p:sp>
+        <p:nvSpPr>
+          <p:cNvPr id="3" name="Content Placeholder 2">
             <a:extLst>
               <a:ext uri="{FF2B5EF4-FFF2-40B4-BE49-F238E27FC236}">
-                <a16:creationId xmlns:a16="http://schemas.microsoft.com/office/drawing/2014/main" id="{7024FD29-95EA-46C4-8545-505173B21007}"/>
+                <a16:creationId xmlns:a16="http://schemas.microsoft.com/office/drawing/2014/main" id="{951EFB61-8E51-4B75-B6AB-6D8F6CA4978A}"/>
               </a:ext>
             </a:extLst>
           </p:cNvPr>
-          <p:cNvSpPr txBox="1"/>
-          <p:nvPr/>
-        </p:nvSpPr>
-        <p:spPr>
-          <a:xfrm>
-            <a:off x="1343606" y="2667382"/>
-            <a:ext cx="9358605" cy="1384995"/>
-          </a:xfrm>
-          <a:prstGeom prst="rect">
-            <a:avLst/>
-          </a:prstGeom>
-          <a:noFill/>
-        </p:spPr>
-        <p:txBody>
-          <a:bodyPr wrap="square" rtlCol="0">
-            <a:spAutoFit/>
-          </a:bodyPr>
+          <p:cNvSpPr>
+            <a:spLocks noGrp="1"/>
+          </p:cNvSpPr>
+          <p:nvPr>
+            <p:ph idx="1"/>
+          </p:nvPr>
+        </p:nvSpPr>
+        <p:spPr/>
+        <p:txBody>
+          <a:bodyPr/>
           <a:lstStyle/>
           <a:p>
-            <a:pPr algn="ctr"/>
-            <a:r>
-              <a:rPr lang="en-US" sz="2800" dirty="0"/>
-              <a:t>Let the user “hear” an image</a:t>
-            </a:r>
-          </a:p>
-          <a:p>
-            <a:pPr algn="ctr"/>
-            <a:r>
-              <a:rPr lang="en-US" sz="2800" dirty="0"/>
-              <a:t>OR</a:t>
-            </a:r>
-          </a:p>
-          <a:p>
-            <a:pPr algn="ctr"/>
-            <a:r>
-              <a:rPr lang="en-US" sz="2800" dirty="0"/>
-              <a:t>Create music from an image</a:t>
-            </a:r>
-          </a:p>
-        </p:txBody>
-      </p:sp>
-      <p:pic>
-        <p:nvPicPr>
-          <p:cNvPr id="1026" name="Picture 2" descr="×ª××¦××ª ×ª××× × ×¢×××¨ âªmusic pixelâ¬â">
-            <a:extLst>
-              <a:ext uri="{FF2B5EF4-FFF2-40B4-BE49-F238E27FC236}">
-                <a16:creationId xmlns:a16="http://schemas.microsoft.com/office/drawing/2014/main" id="{6E043A9D-8C6E-412B-9610-EA3C9C02E538}"/>
-              </a:ext>
-            </a:extLst>
-          </p:cNvPr>
-          <p:cNvPicPr>
-            <a:picLocks noChangeAspect="1" noChangeArrowheads="1"/>
-          </p:cNvPicPr>
-          <p:nvPr/>
-        </p:nvPicPr>
-        <p:blipFill>
-          <a:blip r:embed="rId3" cstate="hqprint">
-            <a:extLst>
-              <a:ext uri="{28A0092B-C50C-407E-A947-70E740481C1C}">
-                <a14:useLocalDpi xmlns:a14="http://schemas.microsoft.com/office/drawing/2010/main" val="0"/>
-              </a:ext>
-            </a:extLst>
-          </a:blip>
-          <a:srcRect/>
-          <a:stretch>
-            <a:fillRect/>
-          </a:stretch>
-        </p:blipFill>
-        <p:spPr bwMode="auto">
-          <a:xfrm>
-            <a:off x="0" y="3938271"/>
-            <a:ext cx="1574469" cy="2478755"/>
-          </a:xfrm>
-          <a:prstGeom prst="rect">
-            <a:avLst/>
-          </a:prstGeom>
-          <a:noFill/>
-          <a:extLst>
-            <a:ext uri="{909E8E84-426E-40DD-AFC4-6F175D3DCCD1}">
-              <a14:hiddenFill xmlns:a14="http://schemas.microsoft.com/office/drawing/2010/main">
-                <a:solidFill>
-                  <a:srgbClr val="FFFFFF"/>
-                </a:solidFill>
-              </a14:hiddenFill>
-            </a:ext>
-          </a:extLst>
-        </p:spPr>
-      </p:pic>
+            <a:r>
+              <a:rPr lang="en-US" dirty="0"/>
+              <a:t>Created by Kenji Kojima, a Japanese visual artist.</a:t>
+            </a:r>
+          </a:p>
+          <a:p>
+            <a:r>
+              <a:rPr lang="en-US" dirty="0">
+                <a:hlinkClick r:id="rId3"/>
+              </a:rPr>
+              <a:t>http://www.kenjikojima.com/rgbmusic</a:t>
+            </a:r>
+            <a:endParaRPr lang="en-US" dirty="0"/>
+          </a:p>
+          <a:p>
+            <a:r>
+              <a:rPr lang="en-US" dirty="0"/>
+              <a:t>Create a music from an image</a:t>
+            </a:r>
+          </a:p>
+          <a:p>
+            <a:pPr lvl="1"/>
+            <a:r>
+              <a:rPr lang="en-US" dirty="0"/>
+              <a:t>Reads RGB value of pixels from the top left to the bottom right of an image, then composes an music</a:t>
+            </a:r>
+          </a:p>
+          <a:p>
+            <a:r>
+              <a:rPr lang="en-US" dirty="0"/>
+              <a:t>Pros:</a:t>
+            </a:r>
+          </a:p>
+          <a:p>
+            <a:pPr lvl="1"/>
+            <a:r>
+              <a:rPr lang="en-US" dirty="0"/>
+              <a:t>Contains a lot of options for user input</a:t>
+            </a:r>
+          </a:p>
+          <a:p>
+            <a:pPr lvl="1"/>
+            <a:r>
+              <a:rPr lang="en-US" dirty="0"/>
+              <a:t>Very advanced</a:t>
+            </a:r>
+          </a:p>
+          <a:p>
+            <a:r>
+              <a:rPr lang="en-US" dirty="0"/>
+              <a:t>Cons:</a:t>
+            </a:r>
+          </a:p>
+          <a:p>
+            <a:pPr lvl="1"/>
+            <a:r>
+              <a:rPr lang="en-US" dirty="0"/>
+              <a:t>Not free</a:t>
+            </a:r>
+          </a:p>
+          <a:p>
+            <a:pPr lvl="1"/>
+            <a:r>
+              <a:rPr lang="en-US" dirty="0"/>
+              <a:t>Out dated - no support</a:t>
+            </a:r>
+          </a:p>
+          <a:p>
+            <a:endParaRPr lang="en-US" dirty="0"/>
+          </a:p>
+        </p:txBody>
+      </p:sp>
     </p:spTree>
     <p:extLst>
       <p:ext uri="{BB962C8B-B14F-4D97-AF65-F5344CB8AC3E}">
-        <p14:creationId xmlns:p14="http://schemas.microsoft.com/office/powerpoint/2010/main" val="4020522809"/>
+        <p14:creationId xmlns:p14="http://schemas.microsoft.com/office/powerpoint/2010/main" val="2901248084"/>
       </p:ext>
     </p:extLst>
   </p:cSld>
@@ -5406,45 +5111,59 @@
           <a:chExt cx="0" cy="0"/>
         </a:xfrm>
       </p:grpSpPr>
-      <p:sp>
-        <p:nvSpPr>
-          <p:cNvPr id="2" name="Title 1">
+      <p:pic>
+        <p:nvPicPr>
+          <p:cNvPr id="1026" name="Picture 2" descr="http://kenjikojima.com/indexTechno/rgbMusicImages/RGBMusicLab1.jpg">
             <a:extLst>
               <a:ext uri="{FF2B5EF4-FFF2-40B4-BE49-F238E27FC236}">
-                <a16:creationId xmlns:a16="http://schemas.microsoft.com/office/drawing/2014/main" id="{49A14EDF-60EC-4ADD-BDED-53DD249324D2}"/>
+                <a16:creationId xmlns:a16="http://schemas.microsoft.com/office/drawing/2014/main" id="{39B7EFA7-6BBC-4514-A0CD-961CC5B2CDF0}"/>
               </a:ext>
             </a:extLst>
           </p:cNvPr>
-          <p:cNvSpPr>
-            <a:spLocks noGrp="1"/>
-          </p:cNvSpPr>
-          <p:nvPr>
-            <p:ph type="title"/>
-          </p:nvPr>
-        </p:nvSpPr>
-        <p:spPr/>
-        <p:txBody>
-          <a:bodyPr/>
-          <a:lstStyle/>
-          <a:p>
-            <a:r>
-              <a:rPr lang="en-US" dirty="0"/>
-              <a:t>Related </a:t>
-            </a:r>
-            <a:r>
-              <a:rPr lang="en-US" dirty="0" smtClean="0"/>
-              <a:t>Work</a:t>
-            </a:r>
-            <a:endParaRPr lang="en-US" dirty="0"/>
-          </a:p>
-        </p:txBody>
-      </p:sp>
-      <p:sp>
-        <p:nvSpPr>
-          <p:cNvPr id="3" name="Content Placeholder 2">
+          <p:cNvPicPr>
+            <a:picLocks noChangeAspect="1" noChangeArrowheads="1"/>
+          </p:cNvPicPr>
+          <p:nvPr/>
+        </p:nvPicPr>
+        <p:blipFill>
+          <a:blip r:embed="rId2">
+            <a:extLst>
+              <a:ext uri="{28A0092B-C50C-407E-A947-70E740481C1C}">
+                <a14:useLocalDpi xmlns:a14="http://schemas.microsoft.com/office/drawing/2010/main" val="0"/>
+              </a:ext>
+            </a:extLst>
+          </a:blip>
+          <a:srcRect/>
+          <a:stretch>
+            <a:fillRect/>
+          </a:stretch>
+        </p:blipFill>
+        <p:spPr bwMode="auto">
+          <a:xfrm>
+            <a:off x="1708484" y="1955131"/>
+            <a:ext cx="6745705" cy="4216066"/>
+          </a:xfrm>
+          <a:prstGeom prst="rect">
+            <a:avLst/>
+          </a:prstGeom>
+          <a:noFill/>
+          <a:extLst>
+            <a:ext uri="{909E8E84-426E-40DD-AFC4-6F175D3DCCD1}">
+              <a14:hiddenFill xmlns:a14="http://schemas.microsoft.com/office/drawing/2010/main">
+                <a:solidFill>
+                  <a:srgbClr val="FFFFFF"/>
+                </a:solidFill>
+              </a14:hiddenFill>
+            </a:ext>
+          </a:extLst>
+        </p:spPr>
+      </p:pic>
+      <p:sp>
+        <p:nvSpPr>
+          <p:cNvPr id="5" name="Title 1">
             <a:extLst>
               <a:ext uri="{FF2B5EF4-FFF2-40B4-BE49-F238E27FC236}">
-                <a16:creationId xmlns:a16="http://schemas.microsoft.com/office/drawing/2014/main" id="{951EFB61-8E51-4B75-B6AB-6D8F6CA4978A}"/>
+                <a16:creationId xmlns:a16="http://schemas.microsoft.com/office/drawing/2014/main" id="{21CFD2F0-6B15-4A12-8AA1-B11FF81A7B46}"/>
               </a:ext>
             </a:extLst>
           </p:cNvPr>
@@ -5452,22 +5171,30 @@
             <a:spLocks noGrp="1"/>
           </p:cNvSpPr>
           <p:nvPr>
-            <p:ph idx="1"/>
-          </p:nvPr>
-        </p:nvSpPr>
-        <p:spPr/>
+            <p:ph type="title"/>
+          </p:nvPr>
+        </p:nvSpPr>
+        <p:spPr>
+          <a:xfrm>
+            <a:off x="1069848" y="484632"/>
+            <a:ext cx="10058400" cy="1609344"/>
+          </a:xfrm>
+        </p:spPr>
         <p:txBody>
           <a:bodyPr/>
           <a:lstStyle/>
           <a:p>
-            <a:endParaRPr lang="en-US" dirty="0"/>
+            <a:r>
+              <a:rPr lang="en-US" dirty="0"/>
+              <a:t>Related Work (1) - RGB Music Lab</a:t>
+            </a:r>
           </a:p>
         </p:txBody>
       </p:sp>
     </p:spTree>
     <p:extLst>
       <p:ext uri="{BB962C8B-B14F-4D97-AF65-F5344CB8AC3E}">
-        <p14:creationId xmlns:p14="http://schemas.microsoft.com/office/powerpoint/2010/main" val="2901248084"/>
+        <p14:creationId xmlns:p14="http://schemas.microsoft.com/office/powerpoint/2010/main" val="1857921384"/>
       </p:ext>
     </p:extLst>
   </p:cSld>
@@ -5496,7 +5223,13 @@
       </p:grpSpPr>
       <p:sp>
         <p:nvSpPr>
-          <p:cNvPr id="2" name="Title 1"/>
+          <p:cNvPr id="2" name="Title 1">
+            <a:extLst>
+              <a:ext uri="{FF2B5EF4-FFF2-40B4-BE49-F238E27FC236}">
+                <a16:creationId xmlns:a16="http://schemas.microsoft.com/office/drawing/2014/main" id="{49A14EDF-60EC-4ADD-BDED-53DD249324D2}"/>
+              </a:ext>
+            </a:extLst>
+          </p:cNvPr>
           <p:cNvSpPr>
             <a:spLocks noGrp="1"/>
           </p:cNvSpPr>
@@ -5510,16 +5243,21 @@
           <a:lstStyle/>
           <a:p>
             <a:r>
-              <a:rPr lang="en-US" dirty="0" smtClean="0"/>
-              <a:t>The project </a:t>
-            </a:r>
-            <a:endParaRPr lang="he-IL" dirty="0"/>
-          </a:p>
-        </p:txBody>
-      </p:sp>
-      <p:sp>
-        <p:nvSpPr>
-          <p:cNvPr id="3" name="Content Placeholder 2"/>
+              <a:rPr lang="en-US" dirty="0"/>
+              <a:t>Related Work (2)</a:t>
+            </a:r>
+          </a:p>
+        </p:txBody>
+      </p:sp>
+      <p:sp>
+        <p:nvSpPr>
+          <p:cNvPr id="3" name="Content Placeholder 2">
+            <a:extLst>
+              <a:ext uri="{FF2B5EF4-FFF2-40B4-BE49-F238E27FC236}">
+                <a16:creationId xmlns:a16="http://schemas.microsoft.com/office/drawing/2014/main" id="{951EFB61-8E51-4B75-B6AB-6D8F6CA4978A}"/>
+              </a:ext>
+            </a:extLst>
+          </p:cNvPr>
           <p:cNvSpPr>
             <a:spLocks noGrp="1"/>
           </p:cNvSpPr>
@@ -5532,14 +5270,14 @@
           <a:bodyPr/>
           <a:lstStyle/>
           <a:p>
-            <a:endParaRPr lang="he-IL"/>
+            <a:endParaRPr lang="en-US" dirty="0"/>
           </a:p>
         </p:txBody>
       </p:sp>
     </p:spTree>
     <p:extLst>
       <p:ext uri="{BB962C8B-B14F-4D97-AF65-F5344CB8AC3E}">
-        <p14:creationId xmlns:p14="http://schemas.microsoft.com/office/powerpoint/2010/main" val="3145902105"/>
+        <p14:creationId xmlns:p14="http://schemas.microsoft.com/office/powerpoint/2010/main" val="763428750"/>
       </p:ext>
     </p:extLst>
   </p:cSld>
@@ -5582,8 +5320,8 @@
           <a:lstStyle/>
           <a:p>
             <a:r>
-              <a:rPr lang="en-US" dirty="0" smtClean="0"/>
-              <a:t>Implementation notes &amp; use case</a:t>
+              <a:rPr lang="en-US" dirty="0"/>
+              <a:t>PROS over other products </a:t>
             </a:r>
             <a:endParaRPr lang="he-IL" dirty="0"/>
           </a:p>
@@ -5604,14 +5342,14 @@
           <a:bodyPr/>
           <a:lstStyle/>
           <a:p>
-            <a:endParaRPr lang="he-IL"/>
+            <a:endParaRPr lang="he-IL" dirty="0"/>
           </a:p>
         </p:txBody>
       </p:sp>
     </p:spTree>
     <p:extLst>
       <p:ext uri="{BB962C8B-B14F-4D97-AF65-F5344CB8AC3E}">
-        <p14:creationId xmlns:p14="http://schemas.microsoft.com/office/powerpoint/2010/main" val="158362669"/>
+        <p14:creationId xmlns:p14="http://schemas.microsoft.com/office/powerpoint/2010/main" val="3544669634"/>
       </p:ext>
     </p:extLst>
   </p:cSld>
@@ -5654,151 +5392,7 @@
           <a:lstStyle/>
           <a:p>
             <a:r>
-              <a:rPr lang="en-US" dirty="0" smtClean="0"/>
-              <a:t>Cons over other products </a:t>
-            </a:r>
-            <a:endParaRPr lang="he-IL" dirty="0"/>
-          </a:p>
-        </p:txBody>
-      </p:sp>
-      <p:sp>
-        <p:nvSpPr>
-          <p:cNvPr id="3" name="Content Placeholder 2"/>
-          <p:cNvSpPr>
-            <a:spLocks noGrp="1"/>
-          </p:cNvSpPr>
-          <p:nvPr>
-            <p:ph idx="1"/>
-          </p:nvPr>
-        </p:nvSpPr>
-        <p:spPr/>
-        <p:txBody>
-          <a:bodyPr/>
-          <a:lstStyle/>
-          <a:p>
-            <a:endParaRPr lang="he-IL" dirty="0"/>
-          </a:p>
-        </p:txBody>
-      </p:sp>
-    </p:spTree>
-    <p:extLst>
-      <p:ext uri="{BB962C8B-B14F-4D97-AF65-F5344CB8AC3E}">
-        <p14:creationId xmlns:p14="http://schemas.microsoft.com/office/powerpoint/2010/main" val="3544669634"/>
-      </p:ext>
-    </p:extLst>
-  </p:cSld>
-  <p:clrMapOvr>
-    <a:masterClrMapping/>
-  </p:clrMapOvr>
-</p:sld>
-</file>
-
-<file path=ppt/slides/slide7.xml><?xml version="1.0" encoding="utf-8"?>
-<p:sld xmlns:a="http://schemas.openxmlformats.org/drawingml/2006/main" xmlns:r="http://schemas.openxmlformats.org/officeDocument/2006/relationships" xmlns:p="http://schemas.openxmlformats.org/presentationml/2006/main">
-  <p:cSld>
-    <p:spTree>
-      <p:nvGrpSpPr>
-        <p:cNvPr id="1" name=""/>
-        <p:cNvGrpSpPr/>
-        <p:nvPr/>
-      </p:nvGrpSpPr>
-      <p:grpSpPr>
-        <a:xfrm>
-          <a:off x="0" y="0"/>
-          <a:ext cx="0" cy="0"/>
-          <a:chOff x="0" y="0"/>
-          <a:chExt cx="0" cy="0"/>
-        </a:xfrm>
-      </p:grpSpPr>
-      <p:sp>
-        <p:nvSpPr>
-          <p:cNvPr id="2" name="Title 1"/>
-          <p:cNvSpPr>
-            <a:spLocks noGrp="1"/>
-          </p:cNvSpPr>
-          <p:nvPr>
-            <p:ph type="title"/>
-          </p:nvPr>
-        </p:nvSpPr>
-        <p:spPr/>
-        <p:txBody>
-          <a:bodyPr/>
-          <a:lstStyle/>
-          <a:p>
-            <a:r>
-              <a:rPr lang="en-US" dirty="0" smtClean="0"/>
-              <a:t>Technical and musical summary </a:t>
-            </a:r>
-            <a:endParaRPr lang="he-IL" dirty="0"/>
-          </a:p>
-        </p:txBody>
-      </p:sp>
-      <p:sp>
-        <p:nvSpPr>
-          <p:cNvPr id="3" name="Content Placeholder 2"/>
-          <p:cNvSpPr>
-            <a:spLocks noGrp="1"/>
-          </p:cNvSpPr>
-          <p:nvPr>
-            <p:ph idx="1"/>
-          </p:nvPr>
-        </p:nvSpPr>
-        <p:spPr/>
-        <p:txBody>
-          <a:bodyPr/>
-          <a:lstStyle/>
-          <a:p>
-            <a:endParaRPr lang="he-IL"/>
-          </a:p>
-        </p:txBody>
-      </p:sp>
-    </p:spTree>
-    <p:extLst>
-      <p:ext uri="{BB962C8B-B14F-4D97-AF65-F5344CB8AC3E}">
-        <p14:creationId xmlns:p14="http://schemas.microsoft.com/office/powerpoint/2010/main" val="1173866477"/>
-      </p:ext>
-    </p:extLst>
-  </p:cSld>
-  <p:clrMapOvr>
-    <a:masterClrMapping/>
-  </p:clrMapOvr>
-</p:sld>
-</file>
-
-<file path=ppt/slides/slide8.xml><?xml version="1.0" encoding="utf-8"?>
-<p:sld xmlns:a="http://schemas.openxmlformats.org/drawingml/2006/main" xmlns:r="http://schemas.openxmlformats.org/officeDocument/2006/relationships" xmlns:p="http://schemas.openxmlformats.org/presentationml/2006/main">
-  <p:cSld>
-    <p:spTree>
-      <p:nvGrpSpPr>
-        <p:cNvPr id="1" name=""/>
-        <p:cNvGrpSpPr/>
-        <p:nvPr/>
-      </p:nvGrpSpPr>
-      <p:grpSpPr>
-        <a:xfrm>
-          <a:off x="0" y="0"/>
-          <a:ext cx="0" cy="0"/>
-          <a:chOff x="0" y="0"/>
-          <a:chExt cx="0" cy="0"/>
-        </a:xfrm>
-      </p:grpSpPr>
-      <p:sp>
-        <p:nvSpPr>
-          <p:cNvPr id="2" name="Title 1"/>
-          <p:cNvSpPr>
-            <a:spLocks noGrp="1"/>
-          </p:cNvSpPr>
-          <p:nvPr>
-            <p:ph type="title"/>
-          </p:nvPr>
-        </p:nvSpPr>
-        <p:spPr/>
-        <p:txBody>
-          <a:bodyPr/>
-          <a:lstStyle/>
-          <a:p>
-            <a:r>
-              <a:rPr lang="en-US" dirty="0" smtClean="0"/>
+              <a:rPr lang="en-US" dirty="0"/>
               <a:t>UI scheme</a:t>
             </a:r>
             <a:endParaRPr lang="he-IL" dirty="0"/>
@@ -5828,126 +5422,6 @@
     <p:extLst>
       <p:ext uri="{BB962C8B-B14F-4D97-AF65-F5344CB8AC3E}">
         <p14:creationId xmlns:p14="http://schemas.microsoft.com/office/powerpoint/2010/main" val="4019736552"/>
-      </p:ext>
-    </p:extLst>
-  </p:cSld>
-  <p:clrMapOvr>
-    <a:masterClrMapping/>
-  </p:clrMapOvr>
-</p:sld>
-</file>
-
-<file path=ppt/slides/slide9.xml><?xml version="1.0" encoding="utf-8"?>
-<p:sld xmlns:a="http://schemas.openxmlformats.org/drawingml/2006/main" xmlns:r="http://schemas.openxmlformats.org/officeDocument/2006/relationships" xmlns:p="http://schemas.openxmlformats.org/presentationml/2006/main">
-  <p:cSld>
-    <p:spTree>
-      <p:nvGrpSpPr>
-        <p:cNvPr id="1" name=""/>
-        <p:cNvGrpSpPr/>
-        <p:nvPr/>
-      </p:nvGrpSpPr>
-      <p:grpSpPr>
-        <a:xfrm>
-          <a:off x="0" y="0"/>
-          <a:ext cx="0" cy="0"/>
-          <a:chOff x="0" y="0"/>
-          <a:chExt cx="0" cy="0"/>
-        </a:xfrm>
-      </p:grpSpPr>
-      <p:sp>
-        <p:nvSpPr>
-          <p:cNvPr id="2" name="Title 1"/>
-          <p:cNvSpPr>
-            <a:spLocks noGrp="1"/>
-          </p:cNvSpPr>
-          <p:nvPr>
-            <p:ph type="title"/>
-          </p:nvPr>
-        </p:nvSpPr>
-        <p:spPr/>
-        <p:txBody>
-          <a:bodyPr/>
-          <a:lstStyle/>
-          <a:p>
-            <a:r>
-              <a:rPr lang="en-US" smtClean="0"/>
-              <a:t>Project timeline</a:t>
-            </a:r>
-            <a:endParaRPr lang="he-IL" dirty="0"/>
-          </a:p>
-        </p:txBody>
-      </p:sp>
-      <p:sp>
-        <p:nvSpPr>
-          <p:cNvPr id="3" name="Content Placeholder 2"/>
-          <p:cNvSpPr>
-            <a:spLocks noGrp="1"/>
-          </p:cNvSpPr>
-          <p:nvPr>
-            <p:ph idx="1"/>
-          </p:nvPr>
-        </p:nvSpPr>
-        <p:spPr/>
-        <p:txBody>
-          <a:bodyPr/>
-          <a:lstStyle/>
-          <a:p>
-            <a:r>
-              <a:rPr lang="en-US" dirty="0" smtClean="0"/>
-              <a:t>Phase 1:</a:t>
-            </a:r>
-          </a:p>
-          <a:p>
-            <a:pPr lvl="1"/>
-            <a:r>
-              <a:rPr lang="en-US" dirty="0" smtClean="0"/>
-              <a:t>Implement an engine that creates a sound based on the RGB of the current pixel (according to mouse location)</a:t>
-            </a:r>
-            <a:endParaRPr lang="en-US" dirty="0" smtClean="0"/>
-          </a:p>
-          <a:p>
-            <a:r>
-              <a:rPr lang="en-US" dirty="0" smtClean="0"/>
-              <a:t>Phase 2:</a:t>
-            </a:r>
-          </a:p>
-          <a:p>
-            <a:pPr lvl="1"/>
-            <a:r>
-              <a:rPr lang="en-US" dirty="0" smtClean="0"/>
-              <a:t>Add UI and logic for user input: Sliders, selection of instrument, etc. </a:t>
-            </a:r>
-          </a:p>
-          <a:p>
-            <a:pPr lvl="1"/>
-            <a:r>
-              <a:rPr lang="en-US" dirty="0" smtClean="0"/>
-              <a:t>Record the music created </a:t>
-            </a:r>
-          </a:p>
-          <a:p>
-            <a:r>
-              <a:rPr lang="en-US" dirty="0" smtClean="0"/>
-              <a:t>Phase 3:</a:t>
-            </a:r>
-          </a:p>
-          <a:p>
-            <a:pPr lvl="1"/>
-            <a:r>
-              <a:rPr lang="en-US" dirty="0" smtClean="0"/>
-              <a:t>Add support for creating a music using multiple pictures </a:t>
-            </a:r>
-          </a:p>
-          <a:p>
-            <a:pPr lvl="1"/>
-            <a:endParaRPr lang="he-IL" dirty="0"/>
-          </a:p>
-        </p:txBody>
-      </p:sp>
-    </p:spTree>
-    <p:extLst>
-      <p:ext uri="{BB962C8B-B14F-4D97-AF65-F5344CB8AC3E}">
-        <p14:creationId xmlns:p14="http://schemas.microsoft.com/office/powerpoint/2010/main" val="174399316"/>
       </p:ext>
     </p:extLst>
   </p:cSld>

--- a/RGBMusicPresentation - Oran.pptx
+++ b/RGBMusicPresentation - Oran.pptx
@@ -2,18 +2,17 @@
 <file path=ppt/presentation.xml><?xml version="1.0" encoding="utf-8"?>
 <p:presentation xmlns:a="http://schemas.openxmlformats.org/drawingml/2006/main" xmlns:r="http://schemas.openxmlformats.org/officeDocument/2006/relationships" xmlns:p="http://schemas.openxmlformats.org/presentationml/2006/main" saveSubsetFonts="1">
   <p:sldMasterIdLst>
-    <p:sldMasterId id="2147483660" r:id="rId1"/>
+    <p:sldMasterId id="2147483660" r:id="rId11"/>
   </p:sldMasterIdLst>
   <p:notesMasterIdLst>
-    <p:notesMasterId r:id="rId8"/>
+    <p:notesMasterId r:id="rId17"/>
   </p:notesMasterIdLst>
   <p:sldIdLst>
-    <p:sldId id="256" r:id="rId2"/>
-    <p:sldId id="258" r:id="rId3"/>
-    <p:sldId id="268" r:id="rId4"/>
-    <p:sldId id="267" r:id="rId5"/>
-    <p:sldId id="262" r:id="rId6"/>
-    <p:sldId id="264" r:id="rId7"/>
+    <p:sldId id="256" r:id="rId12"/>
+    <p:sldId id="258" r:id="rId13"/>
+    <p:sldId id="268" r:id="rId14"/>
+    <p:sldId id="262" r:id="rId15"/>
+    <p:sldId id="264" r:id="rId16"/>
   </p:sldIdLst>
   <p:sldSz cx="12192000" cy="6858000"/>
   <p:notesSz cx="6858000" cy="9144000"/>
@@ -202,7 +201,7 @@
           <a:p>
             <a:fld id="{E915A3F3-128A-4D96-B02F-ECDB675C7CC8}" type="datetimeFigureOut">
               <a:rPr lang="en-US" smtClean="0"/>
-              <a:t>12/3/2018</a:t>
+              <a:t>12/4/2018</a:t>
             </a:fld>
             <a:endParaRPr lang="en-US"/>
           </a:p>
@@ -513,37 +512,7 @@
           <a:bodyPr/>
           <a:lstStyle/>
           <a:p>
-            <a:r>
-              <a:rPr lang="he-IL" sz="1200" b="0" i="0" u="none" strike="noStrike" kern="1200" baseline="0" dirty="0">
-                <a:solidFill>
-                  <a:schemeClr val="tx1"/>
-                </a:solidFill>
-                <a:latin typeface="+mn-lt"/>
-                <a:ea typeface="+mn-ea"/>
-                <a:cs typeface="+mn-cs"/>
-              </a:rPr>
-              <a:t>תמצית עבודות דומות המתארת בצורה מדויקת את מה נעשה העבודות קודמות, מה הן</a:t>
-            </a:r>
-          </a:p>
-          <a:p>
-            <a:r>
-              <a:rPr lang="he-IL" sz="1200" b="0" i="0" u="none" strike="noStrike" kern="1200" baseline="0" dirty="0">
-                <a:solidFill>
-                  <a:schemeClr val="tx1"/>
-                </a:solidFill>
-                <a:latin typeface="+mn-lt"/>
-                <a:ea typeface="+mn-ea"/>
-                <a:cs typeface="+mn-cs"/>
-              </a:rPr>
-              <a:t>פתרו או הביעו, יתרונותיהן וחסרונותיהן.</a:t>
-            </a:r>
-          </a:p>
-          <a:p>
-            <a:pPr marL="171450" indent="-171450">
-              <a:buFont typeface="Arial" panose="020B0604020202020204" pitchFamily="34" charset="0"/>
-              <a:buChar char="•"/>
-            </a:pPr>
-            <a:endParaRPr lang="he-IL" dirty="0"/>
+            <a:endParaRPr lang="en-US" dirty="0"/>
           </a:p>
         </p:txBody>
       </p:sp>
@@ -564,7 +533,7 @@
           <a:p>
             <a:fld id="{AA9BED1A-8388-4503-8515-6BC02580799D}" type="slidenum">
               <a:rPr lang="en-US" smtClean="0"/>
-              <a:t>2</a:t>
+              <a:t>1</a:t>
             </a:fld>
             <a:endParaRPr lang="en-US"/>
           </a:p>
@@ -573,7 +542,7 @@
     </p:spTree>
     <p:extLst>
       <p:ext uri="{BB962C8B-B14F-4D97-AF65-F5344CB8AC3E}">
-        <p14:creationId xmlns:p14="http://schemas.microsoft.com/office/powerpoint/2010/main" val="1318761676"/>
+        <p14:creationId xmlns:p14="http://schemas.microsoft.com/office/powerpoint/2010/main" val="153995114"/>
       </p:ext>
     </p:extLst>
   </p:cSld>
@@ -627,6 +596,32 @@
           <a:bodyPr/>
           <a:lstStyle/>
           <a:p>
+            <a:r>
+              <a:rPr lang="he-IL" sz="1200" b="0" i="0" u="none" strike="noStrike" kern="1200" baseline="0" dirty="0">
+                <a:solidFill>
+                  <a:schemeClr val="tx1"/>
+                </a:solidFill>
+                <a:latin typeface="+mn-lt"/>
+                <a:ea typeface="+mn-ea"/>
+                <a:cs typeface="+mn-cs"/>
+              </a:rPr>
+              <a:t>תמצית עבודות דומות המתארת בצורה מדויקת את מה נעשה העבודות קודמות, מה הן</a:t>
+            </a:r>
+          </a:p>
+          <a:p>
+            <a:r>
+              <a:rPr lang="he-IL" sz="1200" b="0" i="0" u="none" strike="noStrike" kern="1200" baseline="0" dirty="0">
+                <a:solidFill>
+                  <a:schemeClr val="tx1"/>
+                </a:solidFill>
+                <a:latin typeface="+mn-lt"/>
+                <a:ea typeface="+mn-ea"/>
+                <a:cs typeface="+mn-cs"/>
+              </a:rPr>
+              <a:t>פתרו או הביעו, יתרונותיהן וחסרונותיהן.</a:t>
+            </a:r>
+          </a:p>
+          <a:p>
             <a:pPr marL="171450" indent="-171450">
               <a:buFont typeface="Arial" panose="020B0604020202020204" pitchFamily="34" charset="0"/>
               <a:buChar char="•"/>
@@ -652,7 +647,7 @@
           <a:p>
             <a:fld id="{AA9BED1A-8388-4503-8515-6BC02580799D}" type="slidenum">
               <a:rPr lang="en-US" smtClean="0"/>
-              <a:t>4</a:t>
+              <a:t>2</a:t>
             </a:fld>
             <a:endParaRPr lang="en-US"/>
           </a:p>
@@ -661,7 +656,7 @@
     </p:spTree>
     <p:extLst>
       <p:ext uri="{BB962C8B-B14F-4D97-AF65-F5344CB8AC3E}">
-        <p14:creationId xmlns:p14="http://schemas.microsoft.com/office/powerpoint/2010/main" val="351772789"/>
+        <p14:creationId xmlns:p14="http://schemas.microsoft.com/office/powerpoint/2010/main" val="1318761676"/>
       </p:ext>
     </p:extLst>
   </p:cSld>
@@ -726,6 +721,30 @@
               </a:rPr>
               <a:t>יתרונות הפתרון על פני פתרונות אחרים, או הבדלים עיקריים.</a:t>
             </a:r>
+            <a:endParaRPr lang="en-US" sz="1200" b="0" i="0" u="none" strike="noStrike" kern="1200" baseline="0" dirty="0">
+              <a:solidFill>
+                <a:schemeClr val="tx1"/>
+              </a:solidFill>
+              <a:latin typeface="+mn-lt"/>
+              <a:ea typeface="+mn-ea"/>
+              <a:cs typeface="+mn-cs"/>
+            </a:endParaRPr>
+          </a:p>
+          <a:p>
+            <a:endParaRPr lang="en-US" sz="1200" b="0" i="0" u="none" strike="noStrike" kern="1200" baseline="0" dirty="0">
+              <a:solidFill>
+                <a:schemeClr val="tx1"/>
+              </a:solidFill>
+              <a:latin typeface="+mn-lt"/>
+              <a:ea typeface="+mn-ea"/>
+              <a:cs typeface="+mn-cs"/>
+            </a:endParaRPr>
+          </a:p>
+          <a:p>
+            <a:r>
+              <a:rPr lang="he-IL" dirty="0"/>
+              <a:t>היתרון האחרון שהתוכנה שלנו באמת שונה מהקודמת, כלומר היא כן מחדשת מבחינת מה אפשר ליצור איתה ואילו אפשרויות היא מספקת למשתמש</a:t>
+            </a:r>
             <a:endParaRPr lang="en-US" dirty="0"/>
           </a:p>
         </p:txBody>
@@ -747,7 +766,7 @@
           <a:p>
             <a:fld id="{AA9BED1A-8388-4503-8515-6BC02580799D}" type="slidenum">
               <a:rPr lang="en-US" smtClean="0"/>
-              <a:t>5</a:t>
+              <a:t>4</a:t>
             </a:fld>
             <a:endParaRPr lang="en-US"/>
           </a:p>
@@ -1169,7 +1188,7 @@
           <a:p>
             <a:fld id="{318D53EE-AD22-4BCC-B47B-45E9D925B68F}" type="datetimeFigureOut">
               <a:rPr lang="en-US" smtClean="0"/>
-              <a:t>12/3/2018</a:t>
+              <a:t>12/4/2018</a:t>
             </a:fld>
             <a:endParaRPr lang="en-US"/>
           </a:p>
@@ -1348,7 +1367,7 @@
           <a:p>
             <a:fld id="{318D53EE-AD22-4BCC-B47B-45E9D925B68F}" type="datetimeFigureOut">
               <a:rPr lang="en-US" smtClean="0"/>
-              <a:t>12/3/2018</a:t>
+              <a:t>12/4/2018</a:t>
             </a:fld>
             <a:endParaRPr lang="en-US"/>
           </a:p>
@@ -1528,7 +1547,7 @@
           <a:p>
             <a:fld id="{318D53EE-AD22-4BCC-B47B-45E9D925B68F}" type="datetimeFigureOut">
               <a:rPr lang="en-US" smtClean="0"/>
-              <a:t>12/3/2018</a:t>
+              <a:t>12/4/2018</a:t>
             </a:fld>
             <a:endParaRPr lang="en-US"/>
           </a:p>
@@ -1698,7 +1717,7 @@
           <a:p>
             <a:fld id="{318D53EE-AD22-4BCC-B47B-45E9D925B68F}" type="datetimeFigureOut">
               <a:rPr lang="en-US" smtClean="0"/>
-              <a:t>12/3/2018</a:t>
+              <a:t>12/4/2018</a:t>
             </a:fld>
             <a:endParaRPr lang="en-US"/>
           </a:p>
@@ -2011,7 +2030,7 @@
           <a:p>
             <a:fld id="{318D53EE-AD22-4BCC-B47B-45E9D925B68F}" type="datetimeFigureOut">
               <a:rPr lang="en-US" smtClean="0"/>
-              <a:t>12/3/2018</a:t>
+              <a:t>12/4/2018</a:t>
             </a:fld>
             <a:endParaRPr lang="en-US"/>
           </a:p>
@@ -2397,7 +2416,7 @@
           <a:p>
             <a:fld id="{318D53EE-AD22-4BCC-B47B-45E9D925B68F}" type="datetimeFigureOut">
               <a:rPr lang="en-US" smtClean="0"/>
-              <a:t>12/3/2018</a:t>
+              <a:t>12/4/2018</a:t>
             </a:fld>
             <a:endParaRPr lang="en-US"/>
           </a:p>
@@ -2831,7 +2850,7 @@
           <a:p>
             <a:fld id="{318D53EE-AD22-4BCC-B47B-45E9D925B68F}" type="datetimeFigureOut">
               <a:rPr lang="en-US" smtClean="0"/>
-              <a:t>12/3/2018</a:t>
+              <a:t>12/4/2018</a:t>
             </a:fld>
             <a:endParaRPr lang="en-US"/>
           </a:p>
@@ -2949,7 +2968,7 @@
           <a:p>
             <a:fld id="{318D53EE-AD22-4BCC-B47B-45E9D925B68F}" type="datetimeFigureOut">
               <a:rPr lang="en-US" smtClean="0"/>
-              <a:t>12/3/2018</a:t>
+              <a:t>12/4/2018</a:t>
             </a:fld>
             <a:endParaRPr lang="en-US"/>
           </a:p>
@@ -3044,7 +3063,7 @@
           <a:p>
             <a:fld id="{318D53EE-AD22-4BCC-B47B-45E9D925B68F}" type="datetimeFigureOut">
               <a:rPr lang="en-US" smtClean="0"/>
-              <a:t>12/3/2018</a:t>
+              <a:t>12/4/2018</a:t>
             </a:fld>
             <a:endParaRPr lang="en-US"/>
           </a:p>
@@ -3394,7 +3413,7 @@
           <a:p>
             <a:fld id="{318D53EE-AD22-4BCC-B47B-45E9D925B68F}" type="datetimeFigureOut">
               <a:rPr lang="en-US" smtClean="0"/>
-              <a:t>12/3/2018</a:t>
+              <a:t>12/4/2018</a:t>
             </a:fld>
             <a:endParaRPr lang="en-US"/>
           </a:p>
@@ -3819,7 +3838,7 @@
           <a:p>
             <a:fld id="{318D53EE-AD22-4BCC-B47B-45E9D925B68F}" type="datetimeFigureOut">
               <a:rPr lang="en-US" smtClean="0"/>
-              <a:t>12/3/2018</a:t>
+              <a:t>12/4/2018</a:t>
             </a:fld>
             <a:endParaRPr lang="en-US"/>
           </a:p>
@@ -4100,7 +4119,7 @@
           <a:p>
             <a:fld id="{318D53EE-AD22-4BCC-B47B-45E9D925B68F}" type="datetimeFigureOut">
               <a:rPr lang="en-US" smtClean="0"/>
-              <a:t>12/3/2018</a:t>
+              <a:t>12/4/2018</a:t>
             </a:fld>
             <a:endParaRPr lang="en-US"/>
           </a:p>
@@ -4708,7 +4727,7 @@
             <a:r>
               <a:rPr lang="en-US" sz="7200" cap="all" dirty="0">
                 <a:blipFill>
-                  <a:blip r:embed="rId2">
+                  <a:blip r:embed="rId3">
                     <a:extLst>
                       <a:ext uri="{28A0092B-C50C-407E-A947-70E740481C1C}">
                         <a14:useLocalDpi xmlns:a14="http://schemas.microsoft.com/office/drawing/2010/main" val="0"/>
@@ -4730,7 +4749,7 @@
             <a:r>
               <a:rPr lang="en-US" sz="7200" cap="all" dirty="0">
                 <a:blipFill>
-                  <a:blip r:embed="rId2">
+                  <a:blip r:embed="rId3">
                     <a:extLst>
                       <a:ext uri="{28A0092B-C50C-407E-A947-70E740481C1C}">
                         <a14:useLocalDpi xmlns:a14="http://schemas.microsoft.com/office/drawing/2010/main" val="0"/>
@@ -4813,7 +4832,7 @@
             <a:r>
               <a:rPr lang="en-US" sz="7200" cap="all" dirty="0">
                 <a:blipFill>
-                  <a:blip r:embed="rId2">
+                  <a:blip r:embed="rId3">
                     <a:extLst>
                       <a:ext uri="{28A0092B-C50C-407E-A947-70E740481C1C}">
                         <a14:useLocalDpi xmlns:a14="http://schemas.microsoft.com/office/drawing/2010/main" val="0"/>
@@ -4898,7 +4917,7 @@
           <p:nvPr/>
         </p:nvPicPr>
         <p:blipFill>
-          <a:blip r:embed="rId3" cstate="hqprint">
+          <a:blip r:embed="rId4" cstate="hqprint">
             <a:extLst>
               <a:ext uri="{28A0092B-C50C-407E-A947-70E740481C1C}">
                 <a14:useLocalDpi xmlns:a14="http://schemas.microsoft.com/office/drawing/2010/main" val="0"/>
@@ -4983,7 +5002,7 @@
           <a:p>
             <a:r>
               <a:rPr lang="en-US" dirty="0"/>
-              <a:t>Related Work (1) - RGB Music Lab</a:t>
+              <a:t>Related Work - RGB Music Lab</a:t>
             </a:r>
           </a:p>
         </p:txBody>
@@ -5081,6 +5100,53 @@
           </a:p>
         </p:txBody>
       </p:sp>
+      <p:pic>
+        <p:nvPicPr>
+          <p:cNvPr id="4" name="Picture 2" descr="×ª××¦××ª ×ª××× × ×¢×××¨ âªmusic pixelâ¬â">
+            <a:extLst>
+              <a:ext uri="{FF2B5EF4-FFF2-40B4-BE49-F238E27FC236}">
+                <a16:creationId xmlns:a16="http://schemas.microsoft.com/office/drawing/2014/main" id="{3580F6C7-1C19-4A57-8C0F-3A17CB1173FE}"/>
+              </a:ext>
+            </a:extLst>
+          </p:cNvPr>
+          <p:cNvPicPr>
+            <a:picLocks noChangeAspect="1" noChangeArrowheads="1"/>
+          </p:cNvPicPr>
+          <p:nvPr/>
+        </p:nvPicPr>
+        <p:blipFill>
+          <a:blip r:embed="rId4" cstate="hqprint">
+            <a:extLst>
+              <a:ext uri="{28A0092B-C50C-407E-A947-70E740481C1C}">
+                <a14:useLocalDpi xmlns:a14="http://schemas.microsoft.com/office/drawing/2010/main" val="0"/>
+              </a:ext>
+            </a:extLst>
+          </a:blip>
+          <a:srcRect/>
+          <a:stretch>
+            <a:fillRect/>
+          </a:stretch>
+        </p:blipFill>
+        <p:spPr bwMode="auto">
+          <a:xfrm>
+            <a:off x="11288324" y="5128341"/>
+            <a:ext cx="663044" cy="1043859"/>
+          </a:xfrm>
+          <a:prstGeom prst="rect">
+            <a:avLst/>
+          </a:prstGeom>
+          <a:noFill/>
+          <a:extLst>
+            <a:ext uri="{909E8E84-426E-40DD-AFC4-6F175D3DCCD1}">
+              <a14:hiddenFill xmlns:a14="http://schemas.microsoft.com/office/drawing/2010/main">
+                <a:solidFill>
+                  <a:srgbClr val="FFFFFF"/>
+                </a:solidFill>
+              </a14:hiddenFill>
+            </a:ext>
+          </a:extLst>
+        </p:spPr>
+      </p:pic>
     </p:spTree>
     <p:extLst>
       <p:ext uri="{BB962C8B-B14F-4D97-AF65-F5344CB8AC3E}">
@@ -5111,12 +5177,45 @@
           <a:chExt cx="0" cy="0"/>
         </a:xfrm>
       </p:grpSpPr>
+      <p:sp>
+        <p:nvSpPr>
+          <p:cNvPr id="5" name="Title 1">
+            <a:extLst>
+              <a:ext uri="{FF2B5EF4-FFF2-40B4-BE49-F238E27FC236}">
+                <a16:creationId xmlns:a16="http://schemas.microsoft.com/office/drawing/2014/main" id="{21CFD2F0-6B15-4A12-8AA1-B11FF81A7B46}"/>
+              </a:ext>
+            </a:extLst>
+          </p:cNvPr>
+          <p:cNvSpPr>
+            <a:spLocks noGrp="1"/>
+          </p:cNvSpPr>
+          <p:nvPr>
+            <p:ph type="title"/>
+          </p:nvPr>
+        </p:nvSpPr>
+        <p:spPr>
+          <a:xfrm>
+            <a:off x="1069848" y="484632"/>
+            <a:ext cx="10058400" cy="1609344"/>
+          </a:xfrm>
+        </p:spPr>
+        <p:txBody>
+          <a:bodyPr/>
+          <a:lstStyle/>
+          <a:p>
+            <a:r>
+              <a:rPr lang="en-US" dirty="0"/>
+              <a:t>Related Work - RGB Music Lab</a:t>
+            </a:r>
+          </a:p>
+        </p:txBody>
+      </p:sp>
       <p:pic>
         <p:nvPicPr>
-          <p:cNvPr id="1026" name="Picture 2" descr="http://kenjikojima.com/indexTechno/rgbMusicImages/RGBMusicLab1.jpg">
+          <p:cNvPr id="1028" name="Picture 4" descr="http://www.kenjikojima.com/rgbmusic/img/RGBMusicLab.jpg">
             <a:extLst>
               <a:ext uri="{FF2B5EF4-FFF2-40B4-BE49-F238E27FC236}">
-                <a16:creationId xmlns:a16="http://schemas.microsoft.com/office/drawing/2014/main" id="{39B7EFA7-6BBC-4514-A0CD-961CC5B2CDF0}"/>
+                <a16:creationId xmlns:a16="http://schemas.microsoft.com/office/drawing/2014/main" id="{D889E65C-0EAE-4D84-A76C-9525DA8388B9}"/>
               </a:ext>
             </a:extLst>
           </p:cNvPr>
@@ -5140,8 +5239,8 @@
         </p:blipFill>
         <p:spPr bwMode="auto">
           <a:xfrm>
-            <a:off x="1708484" y="1955131"/>
-            <a:ext cx="6745705" cy="4216066"/>
+            <a:off x="2075949" y="1849855"/>
+            <a:ext cx="6859504" cy="4694949"/>
           </a:xfrm>
           <a:prstGeom prst="rect">
             <a:avLst/>
@@ -5158,39 +5257,53 @@
           </a:extLst>
         </p:spPr>
       </p:pic>
-      <p:sp>
-        <p:nvSpPr>
-          <p:cNvPr id="5" name="Title 1">
+      <p:pic>
+        <p:nvPicPr>
+          <p:cNvPr id="6" name="Picture 2" descr="×ª××¦××ª ×ª××× × ×¢×××¨ âªmusic pixelâ¬â">
             <a:extLst>
               <a:ext uri="{FF2B5EF4-FFF2-40B4-BE49-F238E27FC236}">
-                <a16:creationId xmlns:a16="http://schemas.microsoft.com/office/drawing/2014/main" id="{21CFD2F0-6B15-4A12-8AA1-B11FF81A7B46}"/>
+                <a16:creationId xmlns:a16="http://schemas.microsoft.com/office/drawing/2014/main" id="{EC7F31A7-E3C3-4E42-9B79-D554A8E64CBD}"/>
               </a:ext>
             </a:extLst>
           </p:cNvPr>
-          <p:cNvSpPr>
-            <a:spLocks noGrp="1"/>
-          </p:cNvSpPr>
-          <p:nvPr>
-            <p:ph type="title"/>
-          </p:nvPr>
-        </p:nvSpPr>
-        <p:spPr>
+          <p:cNvPicPr>
+            <a:picLocks noChangeAspect="1" noChangeArrowheads="1"/>
+          </p:cNvPicPr>
+          <p:nvPr/>
+        </p:nvPicPr>
+        <p:blipFill>
+          <a:blip r:embed="rId3" cstate="hqprint">
+            <a:extLst>
+              <a:ext uri="{28A0092B-C50C-407E-A947-70E740481C1C}">
+                <a14:useLocalDpi xmlns:a14="http://schemas.microsoft.com/office/drawing/2010/main" val="0"/>
+              </a:ext>
+            </a:extLst>
+          </a:blip>
+          <a:srcRect/>
+          <a:stretch>
+            <a:fillRect/>
+          </a:stretch>
+        </p:blipFill>
+        <p:spPr bwMode="auto">
           <a:xfrm>
-            <a:off x="1069848" y="484632"/>
-            <a:ext cx="10058400" cy="1609344"/>
+            <a:off x="11288324" y="5128341"/>
+            <a:ext cx="663044" cy="1043859"/>
           </a:xfrm>
+          <a:prstGeom prst="rect">
+            <a:avLst/>
+          </a:prstGeom>
+          <a:noFill/>
+          <a:extLst>
+            <a:ext uri="{909E8E84-426E-40DD-AFC4-6F175D3DCCD1}">
+              <a14:hiddenFill xmlns:a14="http://schemas.microsoft.com/office/drawing/2010/main">
+                <a:solidFill>
+                  <a:srgbClr val="FFFFFF"/>
+                </a:solidFill>
+              </a14:hiddenFill>
+            </a:ext>
+          </a:extLst>
         </p:spPr>
-        <p:txBody>
-          <a:bodyPr/>
-          <a:lstStyle/>
-          <a:p>
-            <a:r>
-              <a:rPr lang="en-US" dirty="0"/>
-              <a:t>Related Work (1) - RGB Music Lab</a:t>
-            </a:r>
-          </a:p>
-        </p:txBody>
-      </p:sp>
+      </p:pic>
     </p:spTree>
     <p:extLst>
       <p:ext uri="{BB962C8B-B14F-4D97-AF65-F5344CB8AC3E}">
@@ -5223,13 +5336,7 @@
       </p:grpSpPr>
       <p:sp>
         <p:nvSpPr>
-          <p:cNvPr id="2" name="Title 1">
-            <a:extLst>
-              <a:ext uri="{FF2B5EF4-FFF2-40B4-BE49-F238E27FC236}">
-                <a16:creationId xmlns:a16="http://schemas.microsoft.com/office/drawing/2014/main" id="{49A14EDF-60EC-4ADD-BDED-53DD249324D2}"/>
-              </a:ext>
-            </a:extLst>
-          </p:cNvPr>
+          <p:cNvPr id="2" name="Title 1"/>
           <p:cNvSpPr>
             <a:spLocks noGrp="1"/>
           </p:cNvSpPr>
@@ -5244,40 +5351,105 @@
           <a:p>
             <a:r>
               <a:rPr lang="en-US" dirty="0"/>
-              <a:t>Related Work (2)</a:t>
-            </a:r>
+              <a:t>PROS over other products </a:t>
+            </a:r>
+            <a:endParaRPr lang="he-IL" dirty="0"/>
           </a:p>
         </p:txBody>
       </p:sp>
       <p:sp>
         <p:nvSpPr>
-          <p:cNvPr id="3" name="Content Placeholder 2">
+          <p:cNvPr id="3" name="Content Placeholder 2"/>
+          <p:cNvSpPr>
+            <a:spLocks noGrp="1"/>
+          </p:cNvSpPr>
+          <p:nvPr>
+            <p:ph idx="1"/>
+          </p:nvPr>
+        </p:nvSpPr>
+        <p:spPr>
+          <a:xfrm>
+            <a:off x="1069848" y="2121408"/>
+            <a:ext cx="8940426" cy="4050792"/>
+          </a:xfrm>
+        </p:spPr>
+        <p:txBody>
+          <a:bodyPr>
+            <a:normAutofit/>
+          </a:bodyPr>
+          <a:lstStyle/>
+          <a:p>
+            <a:r>
+              <a:rPr lang="en-US" sz="2800" dirty="0"/>
+              <a:t>Our program let the user control which parts from the image will affect the final work.</a:t>
+            </a:r>
+          </a:p>
+          <a:p>
+            <a:r>
+              <a:rPr lang="en-US" sz="2800" dirty="0"/>
+              <a:t> The user can use multiple images for creating one work.</a:t>
+            </a:r>
+          </a:p>
+          <a:p>
+            <a:r>
+              <a:rPr lang="en-US" sz="2800" dirty="0"/>
+              <a:t> Different purpose</a:t>
+            </a:r>
+            <a:endParaRPr lang="he-IL" sz="2800" dirty="0"/>
+          </a:p>
+        </p:txBody>
+      </p:sp>
+      <p:pic>
+        <p:nvPicPr>
+          <p:cNvPr id="4" name="Picture 2" descr="×ª××¦××ª ×ª××× × ×¢×××¨ âªmusic pixelâ¬â">
             <a:extLst>
               <a:ext uri="{FF2B5EF4-FFF2-40B4-BE49-F238E27FC236}">
-                <a16:creationId xmlns:a16="http://schemas.microsoft.com/office/drawing/2014/main" id="{951EFB61-8E51-4B75-B6AB-6D8F6CA4978A}"/>
+                <a16:creationId xmlns:a16="http://schemas.microsoft.com/office/drawing/2014/main" id="{036D1730-067B-4734-98A9-BB1287F13B9C}"/>
               </a:ext>
             </a:extLst>
           </p:cNvPr>
-          <p:cNvSpPr>
-            <a:spLocks noGrp="1"/>
-          </p:cNvSpPr>
-          <p:nvPr>
-            <p:ph idx="1"/>
-          </p:nvPr>
-        </p:nvSpPr>
-        <p:spPr/>
-        <p:txBody>
-          <a:bodyPr/>
-          <a:lstStyle/>
-          <a:p>
-            <a:endParaRPr lang="en-US" dirty="0"/>
-          </a:p>
-        </p:txBody>
-      </p:sp>
+          <p:cNvPicPr>
+            <a:picLocks noChangeAspect="1" noChangeArrowheads="1"/>
+          </p:cNvPicPr>
+          <p:nvPr/>
+        </p:nvPicPr>
+        <p:blipFill>
+          <a:blip r:embed="rId3" cstate="hqprint">
+            <a:extLst>
+              <a:ext uri="{28A0092B-C50C-407E-A947-70E740481C1C}">
+                <a14:useLocalDpi xmlns:a14="http://schemas.microsoft.com/office/drawing/2010/main" val="0"/>
+              </a:ext>
+            </a:extLst>
+          </a:blip>
+          <a:srcRect/>
+          <a:stretch>
+            <a:fillRect/>
+          </a:stretch>
+        </p:blipFill>
+        <p:spPr bwMode="auto">
+          <a:xfrm>
+            <a:off x="11288324" y="5128341"/>
+            <a:ext cx="663044" cy="1043859"/>
+          </a:xfrm>
+          <a:prstGeom prst="rect">
+            <a:avLst/>
+          </a:prstGeom>
+          <a:noFill/>
+          <a:extLst>
+            <a:ext uri="{909E8E84-426E-40DD-AFC4-6F175D3DCCD1}">
+              <a14:hiddenFill xmlns:a14="http://schemas.microsoft.com/office/drawing/2010/main">
+                <a:solidFill>
+                  <a:srgbClr val="FFFFFF"/>
+                </a:solidFill>
+              </a14:hiddenFill>
+            </a:ext>
+          </a:extLst>
+        </p:spPr>
+      </p:pic>
     </p:spTree>
     <p:extLst>
       <p:ext uri="{BB962C8B-B14F-4D97-AF65-F5344CB8AC3E}">
-        <p14:creationId xmlns:p14="http://schemas.microsoft.com/office/powerpoint/2010/main" val="763428750"/>
+        <p14:creationId xmlns:p14="http://schemas.microsoft.com/office/powerpoint/2010/main" val="3544669634"/>
       </p:ext>
     </p:extLst>
   </p:cSld>
@@ -5304,6 +5476,693 @@
           <a:chExt cx="0" cy="0"/>
         </a:xfrm>
       </p:grpSpPr>
+      <p:grpSp>
+        <p:nvGrpSpPr>
+          <p:cNvPr id="5" name="Window">
+            <a:extLst>
+              <a:ext uri="{FF2B5EF4-FFF2-40B4-BE49-F238E27FC236}">
+                <a16:creationId xmlns:a16="http://schemas.microsoft.com/office/drawing/2014/main" id="{1F40398A-D061-4993-8AA1-CE7E9D8FA328}"/>
+              </a:ext>
+            </a:extLst>
+          </p:cNvPr>
+          <p:cNvGrpSpPr/>
+          <p:nvPr>
+            <p:custDataLst>
+              <p:custData r:id="rId1"/>
+            </p:custDataLst>
+          </p:nvPr>
+        </p:nvGrpSpPr>
+        <p:grpSpPr>
+          <a:xfrm>
+            <a:off x="3636532" y="1854617"/>
+            <a:ext cx="4458597" cy="4518751"/>
+            <a:chOff x="0" y="-26498"/>
+            <a:chExt cx="9144000" cy="6884498"/>
+          </a:xfrm>
+        </p:grpSpPr>
+        <p:grpSp>
+          <p:nvGrpSpPr>
+            <p:cNvPr id="6" name="Group 5">
+              <a:extLst>
+                <a:ext uri="{FF2B5EF4-FFF2-40B4-BE49-F238E27FC236}">
+                  <a16:creationId xmlns:a16="http://schemas.microsoft.com/office/drawing/2014/main" id="{8C3EBD16-0F07-45FA-B018-C4F177B218A0}"/>
+                </a:ext>
+              </a:extLst>
+            </p:cNvPr>
+            <p:cNvGrpSpPr/>
+            <p:nvPr/>
+          </p:nvGrpSpPr>
+          <p:grpSpPr>
+            <a:xfrm>
+              <a:off x="0" y="-26498"/>
+              <a:ext cx="9144000" cy="6884498"/>
+              <a:chOff x="0" y="-26498"/>
+              <a:chExt cx="9144000" cy="6884498"/>
+            </a:xfrm>
+          </p:grpSpPr>
+          <p:sp>
+            <p:nvSpPr>
+              <p:cNvPr id="14" name="Rectangle 13">
+                <a:extLst>
+                  <a:ext uri="{FF2B5EF4-FFF2-40B4-BE49-F238E27FC236}">
+                    <a16:creationId xmlns:a16="http://schemas.microsoft.com/office/drawing/2014/main" id="{99770E91-D522-411A-9F10-F93457AE6E7A}"/>
+                  </a:ext>
+                </a:extLst>
+              </p:cNvPr>
+              <p:cNvSpPr/>
+              <p:nvPr/>
+            </p:nvSpPr>
+            <p:spPr>
+              <a:xfrm>
+                <a:off x="0" y="0"/>
+                <a:ext cx="9144000" cy="6858000"/>
+              </a:xfrm>
+              <a:prstGeom prst="rect">
+                <a:avLst/>
+              </a:prstGeom>
+              <a:solidFill>
+                <a:srgbClr val="FFFFFF">
+                  <a:lumMod val="65000"/>
+                </a:srgbClr>
+              </a:solidFill>
+              <a:ln w="3175" cap="flat" cmpd="sng" algn="ctr">
+                <a:solidFill>
+                  <a:srgbClr val="000000">
+                    <a:lumMod val="50000"/>
+                    <a:lumOff val="50000"/>
+                  </a:srgbClr>
+                </a:solidFill>
+                <a:prstDash val="solid"/>
+              </a:ln>
+              <a:effectLst/>
+            </p:spPr>
+            <p:txBody>
+              <a:bodyPr rtlCol="0" anchor="ctr"/>
+              <a:lstStyle/>
+              <a:p>
+                <a:pPr algn="ctr"/>
+                <a:endParaRPr lang="en-US" sz="800" kern="0">
+                  <a:solidFill>
+                    <a:prstClr val="white"/>
+                  </a:solidFill>
+                  <a:latin typeface="Segoe UI"/>
+                </a:endParaRPr>
+              </a:p>
+            </p:txBody>
+          </p:sp>
+          <p:sp>
+            <p:nvSpPr>
+              <p:cNvPr id="15" name="Rectangle 14">
+                <a:extLst>
+                  <a:ext uri="{FF2B5EF4-FFF2-40B4-BE49-F238E27FC236}">
+                    <a16:creationId xmlns:a16="http://schemas.microsoft.com/office/drawing/2014/main" id="{F73C730F-274F-4FF3-B6F3-C0B4A2624E69}"/>
+                  </a:ext>
+                </a:extLst>
+              </p:cNvPr>
+              <p:cNvSpPr/>
+              <p:nvPr/>
+            </p:nvSpPr>
+            <p:spPr>
+              <a:xfrm>
+                <a:off x="76200" y="309484"/>
+                <a:ext cx="8991600" cy="6437733"/>
+              </a:xfrm>
+              <a:prstGeom prst="rect">
+                <a:avLst/>
+              </a:prstGeom>
+              <a:solidFill>
+                <a:sysClr val="window" lastClr="FFFFFF"/>
+              </a:solidFill>
+              <a:ln w="3175" cap="flat" cmpd="sng" algn="ctr">
+                <a:solidFill>
+                  <a:srgbClr val="000000">
+                    <a:lumMod val="50000"/>
+                    <a:lumOff val="50000"/>
+                  </a:srgbClr>
+                </a:solidFill>
+                <a:prstDash val="solid"/>
+              </a:ln>
+              <a:effectLst/>
+            </p:spPr>
+            <p:txBody>
+              <a:bodyPr rtlCol="0" anchor="ctr"/>
+              <a:lstStyle/>
+              <a:p>
+                <a:pPr algn="ctr"/>
+                <a:endParaRPr lang="en-US" sz="800" kern="0">
+                  <a:solidFill>
+                    <a:prstClr val="white"/>
+                  </a:solidFill>
+                  <a:latin typeface="Segoe UI"/>
+                </a:endParaRPr>
+              </a:p>
+            </p:txBody>
+          </p:sp>
+          <p:sp>
+            <p:nvSpPr>
+              <p:cNvPr id="16" name="WindowTitle">
+                <a:extLst>
+                  <a:ext uri="{FF2B5EF4-FFF2-40B4-BE49-F238E27FC236}">
+                    <a16:creationId xmlns:a16="http://schemas.microsoft.com/office/drawing/2014/main" id="{AF4BB876-1F1A-4336-9642-67A66A78AA32}"/>
+                  </a:ext>
+                </a:extLst>
+              </p:cNvPr>
+              <p:cNvSpPr txBox="1"/>
+              <p:nvPr/>
+            </p:nvSpPr>
+            <p:spPr>
+              <a:xfrm>
+                <a:off x="240975" y="-26498"/>
+                <a:ext cx="3027342" cy="351682"/>
+              </a:xfrm>
+              <a:prstGeom prst="rect">
+                <a:avLst/>
+              </a:prstGeom>
+              <a:noFill/>
+            </p:spPr>
+            <p:txBody>
+              <a:bodyPr wrap="square" lIns="45720" tIns="18288" rIns="91440" bIns="27432" rtlCol="0" anchor="ctr" anchorCtr="0">
+                <a:spAutoFit/>
+              </a:bodyPr>
+              <a:lstStyle/>
+              <a:p>
+                <a:r>
+                  <a:rPr lang="en-US" sz="1200" dirty="0">
+                    <a:solidFill>
+                      <a:prstClr val="white"/>
+                    </a:solidFill>
+                    <a:latin typeface="Segoe UI" pitchFamily="34" charset="0"/>
+                    <a:ea typeface="Segoe UI" pitchFamily="34" charset="0"/>
+                    <a:cs typeface="Segoe UI" pitchFamily="34" charset="0"/>
+                  </a:rPr>
+                  <a:t>RGB</a:t>
+                </a:r>
+                <a:r>
+                  <a:rPr lang="he-IL" sz="1200" dirty="0">
+                    <a:solidFill>
+                      <a:prstClr val="white"/>
+                    </a:solidFill>
+                    <a:latin typeface="Segoe UI" pitchFamily="34" charset="0"/>
+                    <a:ea typeface="Segoe UI" pitchFamily="34" charset="0"/>
+                    <a:cs typeface="Segoe UI" pitchFamily="34" charset="0"/>
+                  </a:rPr>
+                  <a:t> </a:t>
+                </a:r>
+                <a:r>
+                  <a:rPr lang="en-US" sz="1200" dirty="0">
+                    <a:solidFill>
+                      <a:prstClr val="white"/>
+                    </a:solidFill>
+                    <a:latin typeface="Segoe UI" pitchFamily="34" charset="0"/>
+                    <a:ea typeface="Segoe UI" pitchFamily="34" charset="0"/>
+                    <a:cs typeface="Segoe UI" pitchFamily="34" charset="0"/>
+                  </a:rPr>
+                  <a:t>Music</a:t>
+                </a:r>
+              </a:p>
+            </p:txBody>
+          </p:sp>
+        </p:grpSp>
+        <p:grpSp>
+          <p:nvGrpSpPr>
+            <p:cNvPr id="7" name="Minimize - Maximize - Close">
+              <a:extLst>
+                <a:ext uri="{FF2B5EF4-FFF2-40B4-BE49-F238E27FC236}">
+                  <a16:creationId xmlns:a16="http://schemas.microsoft.com/office/drawing/2014/main" id="{8F413EB3-AE2C-4EB6-9DB4-1E375E6D9119}"/>
+                </a:ext>
+              </a:extLst>
+            </p:cNvPr>
+            <p:cNvGrpSpPr/>
+            <p:nvPr/>
+          </p:nvGrpSpPr>
+          <p:grpSpPr>
+            <a:xfrm>
+              <a:off x="8632311" y="92599"/>
+              <a:ext cx="384527" cy="78032"/>
+              <a:chOff x="9347642" y="131588"/>
+              <a:chExt cx="384527" cy="78032"/>
+            </a:xfrm>
+          </p:grpSpPr>
+          <p:cxnSp>
+            <p:nvCxnSpPr>
+              <p:cNvPr id="9" name="Line">
+                <a:extLst>
+                  <a:ext uri="{FF2B5EF4-FFF2-40B4-BE49-F238E27FC236}">
+                    <a16:creationId xmlns:a16="http://schemas.microsoft.com/office/drawing/2014/main" id="{312FC7B2-F7B6-4337-8EFB-611B47F20B94}"/>
+                  </a:ext>
+                </a:extLst>
+              </p:cNvPr>
+              <p:cNvCxnSpPr/>
+              <p:nvPr/>
+            </p:nvCxnSpPr>
+            <p:spPr>
+              <a:xfrm>
+                <a:off x="9661396" y="131588"/>
+                <a:ext cx="70773" cy="76200"/>
+              </a:xfrm>
+              <a:prstGeom prst="line">
+                <a:avLst/>
+              </a:prstGeom>
+              <a:ln w="12700">
+                <a:solidFill>
+                  <a:srgbClr val="FFFFFF"/>
+                </a:solidFill>
+              </a:ln>
+            </p:spPr>
+            <p:style>
+              <a:lnRef idx="1">
+                <a:srgbClr val="4F81BD"/>
+              </a:lnRef>
+              <a:fillRef idx="0">
+                <a:srgbClr val="4F81BD"/>
+              </a:fillRef>
+              <a:effectRef idx="0">
+                <a:srgbClr val="4F81BD"/>
+              </a:effectRef>
+              <a:fontRef idx="minor">
+                <a:srgbClr val="000000"/>
+              </a:fontRef>
+            </p:style>
+          </p:cxnSp>
+          <p:cxnSp>
+            <p:nvCxnSpPr>
+              <p:cNvPr id="10" name="Line">
+                <a:extLst>
+                  <a:ext uri="{FF2B5EF4-FFF2-40B4-BE49-F238E27FC236}">
+                    <a16:creationId xmlns:a16="http://schemas.microsoft.com/office/drawing/2014/main" id="{0D509EB9-8574-464D-9B5C-9FA1766968D6}"/>
+                  </a:ext>
+                </a:extLst>
+              </p:cNvPr>
+              <p:cNvCxnSpPr/>
+              <p:nvPr/>
+            </p:nvCxnSpPr>
+            <p:spPr>
+              <a:xfrm flipH="1">
+                <a:off x="9661395" y="131588"/>
+                <a:ext cx="70773" cy="76200"/>
+              </a:xfrm>
+              <a:prstGeom prst="line">
+                <a:avLst/>
+              </a:prstGeom>
+              <a:ln w="12700">
+                <a:solidFill>
+                  <a:srgbClr val="FFFFFF"/>
+                </a:solidFill>
+              </a:ln>
+            </p:spPr>
+            <p:style>
+              <a:lnRef idx="1">
+                <a:srgbClr val="4F81BD"/>
+              </a:lnRef>
+              <a:fillRef idx="0">
+                <a:srgbClr val="4F81BD"/>
+              </a:fillRef>
+              <a:effectRef idx="0">
+                <a:srgbClr val="4F81BD"/>
+              </a:effectRef>
+              <a:fontRef idx="minor">
+                <a:srgbClr val="000000"/>
+              </a:fontRef>
+            </p:style>
+          </p:cxnSp>
+          <p:sp>
+            <p:nvSpPr>
+              <p:cNvPr id="11" name="Line">
+                <a:extLst>
+                  <a:ext uri="{FF2B5EF4-FFF2-40B4-BE49-F238E27FC236}">
+                    <a16:creationId xmlns:a16="http://schemas.microsoft.com/office/drawing/2014/main" id="{25E0E5BB-FA99-4A47-9550-6685B40B8791}"/>
+                  </a:ext>
+                </a:extLst>
+              </p:cNvPr>
+              <p:cNvSpPr/>
+              <p:nvPr/>
+            </p:nvSpPr>
+            <p:spPr>
+              <a:xfrm rot="10800000" flipV="1">
+                <a:off x="9499472" y="143255"/>
+                <a:ext cx="91440" cy="9144"/>
+              </a:xfrm>
+              <a:prstGeom prst="rect">
+                <a:avLst/>
+              </a:prstGeom>
+              <a:solidFill>
+                <a:srgbClr val="919191"/>
+              </a:solidFill>
+              <a:ln w="3175">
+                <a:solidFill>
+                  <a:srgbClr val="FFFFFF"/>
+                </a:solidFill>
+              </a:ln>
+            </p:spPr>
+            <p:style>
+              <a:lnRef idx="2">
+                <a:srgbClr val="4F81BD">
+                  <a:shade val="50000"/>
+                </a:srgbClr>
+              </a:lnRef>
+              <a:fillRef idx="1001">
+                <a:srgbClr val="000000"/>
+              </a:fillRef>
+              <a:effectRef idx="0">
+                <a:srgbClr val="4F81BD"/>
+              </a:effectRef>
+              <a:fontRef idx="minor">
+                <a:srgbClr val="000000"/>
+              </a:fontRef>
+            </p:style>
+            <p:txBody>
+              <a:bodyPr rtlCol="0" anchor="ctr"/>
+              <a:lstStyle/>
+              <a:p>
+                <a:pPr algn="ctr"/>
+                <a:endParaRPr lang="en-US" dirty="0">
+                  <a:solidFill>
+                    <a:prstClr val="white"/>
+                  </a:solidFill>
+                </a:endParaRPr>
+              </a:p>
+            </p:txBody>
+          </p:sp>
+          <p:sp>
+            <p:nvSpPr>
+              <p:cNvPr id="12" name="Line">
+                <a:extLst>
+                  <a:ext uri="{FF2B5EF4-FFF2-40B4-BE49-F238E27FC236}">
+                    <a16:creationId xmlns:a16="http://schemas.microsoft.com/office/drawing/2014/main" id="{A1B02160-A007-47A5-9866-6E78C67E9853}"/>
+                  </a:ext>
+                </a:extLst>
+              </p:cNvPr>
+              <p:cNvSpPr/>
+              <p:nvPr/>
+            </p:nvSpPr>
+            <p:spPr>
+              <a:xfrm rot="10800000" flipV="1">
+                <a:off x="9498658" y="135261"/>
+                <a:ext cx="91440" cy="72527"/>
+              </a:xfrm>
+              <a:prstGeom prst="rect">
+                <a:avLst/>
+              </a:prstGeom>
+              <a:noFill/>
+              <a:ln w="12700">
+                <a:solidFill>
+                  <a:srgbClr val="FFFFFF"/>
+                </a:solidFill>
+              </a:ln>
+            </p:spPr>
+            <p:style>
+              <a:lnRef idx="2">
+                <a:srgbClr val="4F81BD">
+                  <a:shade val="50000"/>
+                </a:srgbClr>
+              </a:lnRef>
+              <a:fillRef idx="1001">
+                <a:srgbClr val="000000"/>
+              </a:fillRef>
+              <a:effectRef idx="0">
+                <a:srgbClr val="4F81BD"/>
+              </a:effectRef>
+              <a:fontRef idx="minor">
+                <a:srgbClr val="000000"/>
+              </a:fontRef>
+            </p:style>
+            <p:txBody>
+              <a:bodyPr rtlCol="0" anchor="ctr"/>
+              <a:lstStyle/>
+              <a:p>
+                <a:pPr algn="ctr"/>
+                <a:endParaRPr lang="en-US" dirty="0">
+                  <a:solidFill>
+                    <a:prstClr val="white"/>
+                  </a:solidFill>
+                </a:endParaRPr>
+              </a:p>
+            </p:txBody>
+          </p:sp>
+          <p:sp>
+            <p:nvSpPr>
+              <p:cNvPr id="13" name="Line">
+                <a:extLst>
+                  <a:ext uri="{FF2B5EF4-FFF2-40B4-BE49-F238E27FC236}">
+                    <a16:creationId xmlns:a16="http://schemas.microsoft.com/office/drawing/2014/main" id="{242673CD-4AB7-4C90-BF97-43781B2B12E2}"/>
+                  </a:ext>
+                </a:extLst>
+              </p:cNvPr>
+              <p:cNvSpPr/>
+              <p:nvPr/>
+            </p:nvSpPr>
+            <p:spPr>
+              <a:xfrm rot="10800000" flipV="1">
+                <a:off x="9347642" y="200476"/>
+                <a:ext cx="91440" cy="9144"/>
+              </a:xfrm>
+              <a:prstGeom prst="rect">
+                <a:avLst/>
+              </a:prstGeom>
+              <a:solidFill>
+                <a:srgbClr val="919191"/>
+              </a:solidFill>
+              <a:ln w="3175">
+                <a:solidFill>
+                  <a:srgbClr val="FFFFFF"/>
+                </a:solidFill>
+              </a:ln>
+            </p:spPr>
+            <p:style>
+              <a:lnRef idx="2">
+                <a:srgbClr val="4F81BD">
+                  <a:shade val="50000"/>
+                </a:srgbClr>
+              </a:lnRef>
+              <a:fillRef idx="1001">
+                <a:srgbClr val="000000"/>
+              </a:fillRef>
+              <a:effectRef idx="0">
+                <a:srgbClr val="4F81BD"/>
+              </a:effectRef>
+              <a:fontRef idx="minor">
+                <a:srgbClr val="000000"/>
+              </a:fontRef>
+            </p:style>
+            <p:txBody>
+              <a:bodyPr rtlCol="0" anchor="ctr"/>
+              <a:lstStyle/>
+              <a:p>
+                <a:pPr algn="ctr"/>
+                <a:endParaRPr lang="en-US" dirty="0">
+                  <a:solidFill>
+                    <a:prstClr val="white"/>
+                  </a:solidFill>
+                </a:endParaRPr>
+              </a:p>
+            </p:txBody>
+          </p:sp>
+        </p:grpSp>
+        <p:sp>
+          <p:nvSpPr>
+            <p:cNvPr id="8" name="Oval 7">
+              <a:extLst>
+                <a:ext uri="{FF2B5EF4-FFF2-40B4-BE49-F238E27FC236}">
+                  <a16:creationId xmlns:a16="http://schemas.microsoft.com/office/drawing/2014/main" id="{8EAAF468-16D5-4097-9AFB-F08743CC73A9}"/>
+                </a:ext>
+              </a:extLst>
+            </p:cNvPr>
+            <p:cNvSpPr/>
+            <p:nvPr/>
+          </p:nvSpPr>
+          <p:spPr>
+            <a:xfrm>
+              <a:off x="83477" y="80065"/>
+              <a:ext cx="145536" cy="150875"/>
+            </a:xfrm>
+            <a:prstGeom prst="ellipse">
+              <a:avLst/>
+            </a:prstGeom>
+            <a:gradFill flip="none" rotWithShape="1">
+              <a:gsLst>
+                <a:gs pos="91000">
+                  <a:srgbClr val="FFFFFF">
+                    <a:lumMod val="85000"/>
+                  </a:srgbClr>
+                </a:gs>
+                <a:gs pos="36000">
+                  <a:srgbClr val="FFFFFF">
+                    <a:lumMod val="95000"/>
+                  </a:srgbClr>
+                </a:gs>
+                <a:gs pos="100000">
+                  <a:srgbClr val="FFFFFF">
+                    <a:lumMod val="95000"/>
+                  </a:srgbClr>
+                </a:gs>
+              </a:gsLst>
+              <a:lin ang="5400000" scaled="0"/>
+              <a:tileRect/>
+            </a:gradFill>
+            <a:ln w="3175">
+              <a:solidFill>
+                <a:srgbClr val="000000">
+                  <a:lumMod val="50000"/>
+                  <a:lumOff val="50000"/>
+                </a:srgbClr>
+              </a:solidFill>
+            </a:ln>
+            <a:effectLst/>
+          </p:spPr>
+          <p:style>
+            <a:lnRef idx="2">
+              <a:srgbClr val="4F81BD">
+                <a:shade val="50000"/>
+              </a:srgbClr>
+            </a:lnRef>
+            <a:fillRef idx="1">
+              <a:srgbClr val="4F81BD"/>
+            </a:fillRef>
+            <a:effectRef idx="0">
+              <a:srgbClr val="4F81BD"/>
+            </a:effectRef>
+            <a:fontRef idx="minor">
+              <a:srgbClr val="000000"/>
+            </a:fontRef>
+          </p:style>
+          <p:txBody>
+            <a:bodyPr lIns="97531" tIns="48766" rIns="97531" bIns="48766" rtlCol="0" anchor="ctr"/>
+            <a:lstStyle/>
+            <a:p>
+              <a:pPr algn="ctr"/>
+              <a:endParaRPr lang="en-US">
+                <a:solidFill>
+                  <a:prstClr val="white"/>
+                </a:solidFill>
+              </a:endParaRPr>
+            </a:p>
+          </p:txBody>
+        </p:sp>
+      </p:grpSp>
+      <p:sp>
+        <p:nvSpPr>
+          <p:cNvPr id="54" name="Content">
+            <a:extLst>
+              <a:ext uri="{FF2B5EF4-FFF2-40B4-BE49-F238E27FC236}">
+                <a16:creationId xmlns:a16="http://schemas.microsoft.com/office/drawing/2014/main" id="{2A15BC3B-D6DC-41A3-9FE1-0B0DA0132B8D}"/>
+              </a:ext>
+            </a:extLst>
+          </p:cNvPr>
+          <p:cNvSpPr/>
+          <p:nvPr>
+            <p:custDataLst>
+              <p:custData r:id="rId2"/>
+            </p:custDataLst>
+          </p:nvPr>
+        </p:nvSpPr>
+        <p:spPr>
+          <a:xfrm>
+            <a:off x="3653208" y="2082837"/>
+            <a:ext cx="4379599" cy="217900"/>
+          </a:xfrm>
+          <a:prstGeom prst="rect">
+            <a:avLst/>
+          </a:prstGeom>
+          <a:solidFill>
+            <a:srgbClr val="FFFFFF">
+              <a:lumMod val="95000"/>
+            </a:srgbClr>
+          </a:solidFill>
+          <a:ln w="3175" cap="flat" cmpd="sng" algn="ctr">
+            <a:solidFill>
+              <a:srgbClr val="FFFFFF">
+                <a:lumMod val="50000"/>
+              </a:srgbClr>
+            </a:solidFill>
+            <a:prstDash val="solid"/>
+          </a:ln>
+          <a:effectLst/>
+        </p:spPr>
+        <p:txBody>
+          <a:bodyPr rot="0" spcFirstLastPara="0" vertOverflow="overflow" horzOverflow="overflow" vert="horz" wrap="square" lIns="45720" tIns="45720" rIns="91440" bIns="45720" numCol="1" spcCol="0" rtlCol="0" fromWordArt="0" anchor="ctr" anchorCtr="0" forceAA="0" compatLnSpc="1">
+            <a:prstTxWarp prst="textNoShape">
+              <a:avLst/>
+            </a:prstTxWarp>
+            <a:noAutofit/>
+          </a:bodyPr>
+          <a:lstStyle/>
+          <a:p>
+            <a:pPr marL="0" marR="0" indent="0" defTabSz="914400" eaLnBrk="1" fontAlgn="auto" latinLnBrk="0" hangingPunct="1">
+              <a:lnSpc>
+                <a:spcPct val="100000"/>
+              </a:lnSpc>
+              <a:spcBef>
+                <a:spcPts val="0"/>
+              </a:spcBef>
+              <a:spcAft>
+                <a:spcPts val="0"/>
+              </a:spcAft>
+              <a:buClrTx/>
+              <a:buSzTx/>
+              <a:buFontTx/>
+              <a:buNone/>
+              <a:tabLst/>
+            </a:pPr>
+            <a:r>
+              <a:rPr kumimoji="0" lang="en-US" sz="1200" b="0" i="0" u="none" strike="noStrike" kern="0" cap="none" spc="0" normalizeH="0" baseline="0" noProof="0" dirty="0">
+                <a:ln>
+                  <a:noFill/>
+                </a:ln>
+                <a:solidFill>
+                  <a:srgbClr val="000000">
+                    <a:lumMod val="75000"/>
+                    <a:lumOff val="25000"/>
+                  </a:srgbClr>
+                </a:solidFill>
+                <a:effectLst/>
+                <a:uLnTx/>
+                <a:uFillTx/>
+                <a:latin typeface="Segoe UI"/>
+                <a:ea typeface="+mn-ea"/>
+                <a:cs typeface="+mn-cs"/>
+              </a:rPr>
+              <a:t>  File</a:t>
+            </a:r>
+            <a:r>
+              <a:rPr kumimoji="0" lang="en-US" sz="1200" b="0" i="0" u="none" strike="noStrike" kern="0" cap="none" spc="0" normalizeH="0" noProof="0" dirty="0">
+                <a:ln>
+                  <a:noFill/>
+                </a:ln>
+                <a:solidFill>
+                  <a:srgbClr val="000000">
+                    <a:lumMod val="75000"/>
+                    <a:lumOff val="25000"/>
+                  </a:srgbClr>
+                </a:solidFill>
+                <a:effectLst/>
+                <a:uLnTx/>
+                <a:uFillTx/>
+                <a:latin typeface="Segoe UI"/>
+                <a:ea typeface="+mn-ea"/>
+                <a:cs typeface="+mn-cs"/>
+              </a:rPr>
+              <a:t>     Ed   Help</a:t>
+            </a:r>
+            <a:endParaRPr kumimoji="0" lang="en-US" sz="1200" b="0" i="0" u="none" strike="noStrike" kern="0" cap="none" spc="0" normalizeH="0" baseline="0" noProof="0" dirty="0">
+              <a:ln>
+                <a:noFill/>
+              </a:ln>
+              <a:solidFill>
+                <a:srgbClr val="000000">
+                  <a:lumMod val="75000"/>
+                  <a:lumOff val="25000"/>
+                </a:srgbClr>
+              </a:solidFill>
+              <a:effectLst/>
+              <a:uLnTx/>
+              <a:uFillTx/>
+              <a:latin typeface="Segoe UI"/>
+              <a:ea typeface="+mn-ea"/>
+              <a:cs typeface="+mn-cs"/>
+            </a:endParaRPr>
+          </a:p>
+        </p:txBody>
+      </p:sp>
       <p:sp>
         <p:nvSpPr>
           <p:cNvPr id="2" name="Title 1"/>
@@ -5321,100 +6180,1908 @@
           <a:p>
             <a:r>
               <a:rPr lang="en-US" dirty="0"/>
-              <a:t>PROS over other products </a:t>
-            </a:r>
-            <a:endParaRPr lang="he-IL" dirty="0"/>
+              <a:t>UI scheme – </a:t>
+            </a:r>
+            <a:r>
+              <a:rPr lang="en-US" sz="4000" dirty="0">
+                <a:solidFill>
+                  <a:schemeClr val="accent1">
+                    <a:lumMod val="75000"/>
+                  </a:schemeClr>
+                </a:solidFill>
+              </a:rPr>
+              <a:t>MOCK (Before implementing)</a:t>
+            </a:r>
+            <a:endParaRPr lang="he-IL" dirty="0">
+              <a:solidFill>
+                <a:schemeClr val="accent1">
+                  <a:lumMod val="75000"/>
+                </a:schemeClr>
+              </a:solidFill>
+            </a:endParaRPr>
           </a:p>
         </p:txBody>
       </p:sp>
-      <p:sp>
-        <p:nvSpPr>
-          <p:cNvPr id="3" name="Content Placeholder 2"/>
-          <p:cNvSpPr>
-            <a:spLocks noGrp="1"/>
-          </p:cNvSpPr>
-          <p:nvPr>
-            <p:ph idx="1"/>
-          </p:nvPr>
-        </p:nvSpPr>
-        <p:spPr/>
+      <p:pic>
+        <p:nvPicPr>
+          <p:cNvPr id="4" name="Picture 2" descr="×ª××¦××ª ×ª××× × ×¢×××¨ âªmusic pixelâ¬â">
+            <a:extLst>
+              <a:ext uri="{FF2B5EF4-FFF2-40B4-BE49-F238E27FC236}">
+                <a16:creationId xmlns:a16="http://schemas.microsoft.com/office/drawing/2014/main" id="{A4FEC63E-33DC-4978-8B13-CA2C36BCF04B}"/>
+              </a:ext>
+            </a:extLst>
+          </p:cNvPr>
+          <p:cNvPicPr>
+            <a:picLocks noChangeAspect="1" noChangeArrowheads="1"/>
+          </p:cNvPicPr>
+          <p:nvPr/>
+        </p:nvPicPr>
+        <p:blipFill>
+          <a:blip r:embed="rId11" cstate="hqprint">
+            <a:extLst>
+              <a:ext uri="{28A0092B-C50C-407E-A947-70E740481C1C}">
+                <a14:useLocalDpi xmlns:a14="http://schemas.microsoft.com/office/drawing/2010/main" val="0"/>
+              </a:ext>
+            </a:extLst>
+          </a:blip>
+          <a:srcRect/>
+          <a:stretch>
+            <a:fillRect/>
+          </a:stretch>
+        </p:blipFill>
+        <p:spPr bwMode="auto">
+          <a:xfrm>
+            <a:off x="11288324" y="5128341"/>
+            <a:ext cx="663044" cy="1043859"/>
+          </a:xfrm>
+          <a:prstGeom prst="rect">
+            <a:avLst/>
+          </a:prstGeom>
+          <a:noFill/>
+          <a:extLst>
+            <a:ext uri="{909E8E84-426E-40DD-AFC4-6F175D3DCCD1}">
+              <a14:hiddenFill xmlns:a14="http://schemas.microsoft.com/office/drawing/2010/main">
+                <a:solidFill>
+                  <a:srgbClr val="FFFFFF"/>
+                </a:solidFill>
+              </a14:hiddenFill>
+            </a:ext>
+          </a:extLst>
+        </p:spPr>
+      </p:pic>
+      <p:pic>
+        <p:nvPicPr>
+          <p:cNvPr id="17" name="Picture 16" descr="A sunset over a city&#10;&#10;Description generated with very high confidence">
+            <a:extLst>
+              <a:ext uri="{FF2B5EF4-FFF2-40B4-BE49-F238E27FC236}">
+                <a16:creationId xmlns:a16="http://schemas.microsoft.com/office/drawing/2014/main" id="{6ADF78D2-B28A-45AC-9F78-2D1721F052D8}"/>
+              </a:ext>
+            </a:extLst>
+          </p:cNvPr>
+          <p:cNvPicPr>
+            <a:picLocks noChangeAspect="1"/>
+          </p:cNvPicPr>
+          <p:nvPr/>
+        </p:nvPicPr>
+        <p:blipFill>
+          <a:blip r:embed="rId12">
+            <a:extLst>
+              <a:ext uri="{28A0092B-C50C-407E-A947-70E740481C1C}">
+                <a14:useLocalDpi xmlns:a14="http://schemas.microsoft.com/office/drawing/2010/main" val="0"/>
+              </a:ext>
+            </a:extLst>
+          </a:blip>
+          <a:stretch>
+            <a:fillRect/>
+          </a:stretch>
+        </p:blipFill>
+        <p:spPr>
+          <a:xfrm>
+            <a:off x="4445509" y="2401805"/>
+            <a:ext cx="2932357" cy="2196940"/>
+          </a:xfrm>
+          <a:prstGeom prst="rect">
+            <a:avLst/>
+          </a:prstGeom>
+        </p:spPr>
+      </p:pic>
+      <p:pic>
+        <p:nvPicPr>
+          <p:cNvPr id="21" name="Picture 20" descr="A screen shot of a computer&#10;&#10;Description generated with high confidence">
+            <a:extLst>
+              <a:ext uri="{FF2B5EF4-FFF2-40B4-BE49-F238E27FC236}">
+                <a16:creationId xmlns:a16="http://schemas.microsoft.com/office/drawing/2014/main" id="{E45EE274-2CE8-42ED-A2CA-918D36949E9D}"/>
+              </a:ext>
+            </a:extLst>
+          </p:cNvPr>
+          <p:cNvPicPr>
+            <a:picLocks noChangeAspect="1"/>
+          </p:cNvPicPr>
+          <p:nvPr/>
+        </p:nvPicPr>
+        <p:blipFill>
+          <a:blip r:embed="rId13">
+            <a:extLst>
+              <a:ext uri="{28A0092B-C50C-407E-A947-70E740481C1C}">
+                <a14:useLocalDpi xmlns:a14="http://schemas.microsoft.com/office/drawing/2010/main" val="0"/>
+              </a:ext>
+            </a:extLst>
+          </a:blip>
+          <a:stretch>
+            <a:fillRect/>
+          </a:stretch>
+        </p:blipFill>
+        <p:spPr>
+          <a:xfrm>
+            <a:off x="7512489" y="3432049"/>
+            <a:ext cx="388575" cy="388575"/>
+          </a:xfrm>
+          <a:prstGeom prst="rect">
+            <a:avLst/>
+          </a:prstGeom>
+        </p:spPr>
+      </p:pic>
+      <p:pic>
+        <p:nvPicPr>
+          <p:cNvPr id="23" name="Picture 22" descr="A flat screen tv&#10;&#10;Description generated with high confidence">
+            <a:extLst>
+              <a:ext uri="{FF2B5EF4-FFF2-40B4-BE49-F238E27FC236}">
+                <a16:creationId xmlns:a16="http://schemas.microsoft.com/office/drawing/2014/main" id="{47DCD805-91D1-417F-89D0-17934147F239}"/>
+              </a:ext>
+            </a:extLst>
+          </p:cNvPr>
+          <p:cNvPicPr>
+            <a:picLocks noChangeAspect="1"/>
+          </p:cNvPicPr>
+          <p:nvPr/>
+        </p:nvPicPr>
+        <p:blipFill>
+          <a:blip r:embed="rId14">
+            <a:extLst>
+              <a:ext uri="{28A0092B-C50C-407E-A947-70E740481C1C}">
+                <a14:useLocalDpi xmlns:a14="http://schemas.microsoft.com/office/drawing/2010/main" val="0"/>
+              </a:ext>
+            </a:extLst>
+          </a:blip>
+          <a:stretch>
+            <a:fillRect/>
+          </a:stretch>
+        </p:blipFill>
+        <p:spPr>
+          <a:xfrm>
+            <a:off x="3865311" y="3379270"/>
+            <a:ext cx="388575" cy="388575"/>
+          </a:xfrm>
+          <a:prstGeom prst="rect">
+            <a:avLst/>
+          </a:prstGeom>
+        </p:spPr>
+      </p:pic>
+      <p:grpSp>
+        <p:nvGrpSpPr>
+          <p:cNvPr id="27" name="PositionControl">
+            <a:extLst>
+              <a:ext uri="{FF2B5EF4-FFF2-40B4-BE49-F238E27FC236}">
+                <a16:creationId xmlns:a16="http://schemas.microsoft.com/office/drawing/2014/main" id="{B02CA89F-E062-46A3-BD9B-E9DDFC4C2510}"/>
+              </a:ext>
+            </a:extLst>
+          </p:cNvPr>
+          <p:cNvGrpSpPr/>
+          <p:nvPr>
+            <p:custDataLst>
+              <p:custData r:id="rId3"/>
+            </p:custDataLst>
+          </p:nvPr>
+        </p:nvGrpSpPr>
+        <p:grpSpPr>
+          <a:xfrm>
+            <a:off x="5540188" y="4902789"/>
+            <a:ext cx="1837678" cy="81937"/>
+            <a:chOff x="3248025" y="3538537"/>
+            <a:chExt cx="2952750" cy="85725"/>
+          </a:xfrm>
+        </p:grpSpPr>
+        <p:sp>
+          <p:nvSpPr>
+            <p:cNvPr id="28" name="Bar">
+              <a:extLst>
+                <a:ext uri="{FF2B5EF4-FFF2-40B4-BE49-F238E27FC236}">
+                  <a16:creationId xmlns:a16="http://schemas.microsoft.com/office/drawing/2014/main" id="{C48D6C4D-D01F-4044-903D-BA554128C203}"/>
+                </a:ext>
+              </a:extLst>
+            </p:cNvPr>
+            <p:cNvSpPr/>
+            <p:nvPr/>
+          </p:nvSpPr>
+          <p:spPr>
+            <a:xfrm>
+              <a:off x="3248025" y="3564225"/>
+              <a:ext cx="2952750" cy="34350"/>
+            </a:xfrm>
+            <a:prstGeom prst="rect">
+              <a:avLst/>
+            </a:prstGeom>
+            <a:solidFill>
+              <a:srgbClr val="FFFFFF">
+                <a:lumMod val="85000"/>
+              </a:srgbClr>
+            </a:solidFill>
+            <a:ln w="3175" cap="flat" cmpd="sng" algn="ctr">
+              <a:solidFill>
+                <a:srgbClr val="FFFFFF">
+                  <a:lumMod val="50000"/>
+                </a:srgbClr>
+              </a:solidFill>
+              <a:prstDash val="solid"/>
+            </a:ln>
+            <a:effectLst/>
+          </p:spPr>
+          <p:txBody>
+            <a:bodyPr rot="0" spcFirstLastPara="0" vert="horz" wrap="square" lIns="45720" tIns="45720" rIns="91440" bIns="45720" numCol="1" spcCol="0" rtlCol="0" fromWordArt="0" anchor="ctr" anchorCtr="0" forceAA="0" compatLnSpc="1">
+              <a:prstTxWarp prst="textNoShape">
+                <a:avLst/>
+              </a:prstTxWarp>
+              <a:noAutofit/>
+            </a:bodyPr>
+            <a:lstStyle>
+              <a:defPPr>
+                <a:defRPr lang="en-US"/>
+              </a:defPPr>
+              <a:lvl1pPr marL="0" algn="l" defTabSz="914400" rtl="0" eaLnBrk="1" latinLnBrk="0" hangingPunct="1">
+                <a:defRPr sz="1800" kern="1200">
+                  <a:solidFill>
+                    <a:srgbClr val="000000"/>
+                  </a:solidFill>
+                  <a:latin typeface="+mn-lt"/>
+                  <a:ea typeface="+mn-ea"/>
+                  <a:cs typeface="+mn-cs"/>
+                </a:defRPr>
+              </a:lvl1pPr>
+              <a:lvl2pPr marL="457200" algn="l" defTabSz="914400" rtl="0" eaLnBrk="1" latinLnBrk="0" hangingPunct="1">
+                <a:defRPr sz="1800" kern="1200">
+                  <a:solidFill>
+                    <a:srgbClr val="000000"/>
+                  </a:solidFill>
+                  <a:latin typeface="+mn-lt"/>
+                  <a:ea typeface="+mn-ea"/>
+                  <a:cs typeface="+mn-cs"/>
+                </a:defRPr>
+              </a:lvl2pPr>
+              <a:lvl3pPr marL="914400" algn="l" defTabSz="914400" rtl="0" eaLnBrk="1" latinLnBrk="0" hangingPunct="1">
+                <a:defRPr sz="1800" kern="1200">
+                  <a:solidFill>
+                    <a:srgbClr val="000000"/>
+                  </a:solidFill>
+                  <a:latin typeface="+mn-lt"/>
+                  <a:ea typeface="+mn-ea"/>
+                  <a:cs typeface="+mn-cs"/>
+                </a:defRPr>
+              </a:lvl3pPr>
+              <a:lvl4pPr marL="1371600" algn="l" defTabSz="914400" rtl="0" eaLnBrk="1" latinLnBrk="0" hangingPunct="1">
+                <a:defRPr sz="1800" kern="1200">
+                  <a:solidFill>
+                    <a:srgbClr val="000000"/>
+                  </a:solidFill>
+                  <a:latin typeface="+mn-lt"/>
+                  <a:ea typeface="+mn-ea"/>
+                  <a:cs typeface="+mn-cs"/>
+                </a:defRPr>
+              </a:lvl4pPr>
+              <a:lvl5pPr marL="1828800" algn="l" defTabSz="914400" rtl="0" eaLnBrk="1" latinLnBrk="0" hangingPunct="1">
+                <a:defRPr sz="1800" kern="1200">
+                  <a:solidFill>
+                    <a:srgbClr val="000000"/>
+                  </a:solidFill>
+                  <a:latin typeface="+mn-lt"/>
+                  <a:ea typeface="+mn-ea"/>
+                  <a:cs typeface="+mn-cs"/>
+                </a:defRPr>
+              </a:lvl5pPr>
+              <a:lvl6pPr marL="2286000" algn="l" defTabSz="914400" rtl="0" eaLnBrk="1" latinLnBrk="0" hangingPunct="1">
+                <a:defRPr sz="1800" kern="1200">
+                  <a:solidFill>
+                    <a:srgbClr val="000000"/>
+                  </a:solidFill>
+                  <a:latin typeface="+mn-lt"/>
+                  <a:ea typeface="+mn-ea"/>
+                  <a:cs typeface="+mn-cs"/>
+                </a:defRPr>
+              </a:lvl6pPr>
+              <a:lvl7pPr marL="2743200" algn="l" defTabSz="914400" rtl="0" eaLnBrk="1" latinLnBrk="0" hangingPunct="1">
+                <a:defRPr sz="1800" kern="1200">
+                  <a:solidFill>
+                    <a:srgbClr val="000000"/>
+                  </a:solidFill>
+                  <a:latin typeface="+mn-lt"/>
+                  <a:ea typeface="+mn-ea"/>
+                  <a:cs typeface="+mn-cs"/>
+                </a:defRPr>
+              </a:lvl7pPr>
+              <a:lvl8pPr marL="3200400" algn="l" defTabSz="914400" rtl="0" eaLnBrk="1" latinLnBrk="0" hangingPunct="1">
+                <a:defRPr sz="1800" kern="1200">
+                  <a:solidFill>
+                    <a:srgbClr val="000000"/>
+                  </a:solidFill>
+                  <a:latin typeface="+mn-lt"/>
+                  <a:ea typeface="+mn-ea"/>
+                  <a:cs typeface="+mn-cs"/>
+                </a:defRPr>
+              </a:lvl8pPr>
+              <a:lvl9pPr marL="3657600" algn="l" defTabSz="914400" rtl="0" eaLnBrk="1" latinLnBrk="0" hangingPunct="1">
+                <a:defRPr sz="1800" kern="1200">
+                  <a:solidFill>
+                    <a:srgbClr val="000000"/>
+                  </a:solidFill>
+                  <a:latin typeface="+mn-lt"/>
+                  <a:ea typeface="+mn-ea"/>
+                  <a:cs typeface="+mn-cs"/>
+                </a:defRPr>
+              </a:lvl9pPr>
+            </a:lstStyle>
+            <a:p>
+              <a:pPr marL="0" marR="0" indent="0" algn="ctr" defTabSz="914400" eaLnBrk="1" fontAlgn="auto" latinLnBrk="0" hangingPunct="1">
+                <a:lnSpc>
+                  <a:spcPct val="100000"/>
+                </a:lnSpc>
+                <a:spcBef>
+                  <a:spcPts val="0"/>
+                </a:spcBef>
+                <a:spcAft>
+                  <a:spcPts val="0"/>
+                </a:spcAft>
+                <a:buClrTx/>
+                <a:buSzTx/>
+                <a:buFontTx/>
+                <a:buNone/>
+                <a:tabLst/>
+              </a:pPr>
+              <a:endParaRPr kumimoji="0" lang="en-US" sz="800" b="0" i="0" u="none" strike="noStrike" kern="0" cap="none" spc="0" normalizeH="0" baseline="0" noProof="0" dirty="0">
+                <a:ln>
+                  <a:noFill/>
+                </a:ln>
+                <a:solidFill>
+                  <a:srgbClr val="000000">
+                    <a:lumMod val="75000"/>
+                    <a:lumOff val="25000"/>
+                  </a:srgbClr>
+                </a:solidFill>
+                <a:effectLst/>
+                <a:uLnTx/>
+                <a:uFillTx/>
+                <a:latin typeface="Segoe UI"/>
+                <a:ea typeface="+mn-ea"/>
+                <a:cs typeface="+mn-cs"/>
+              </a:endParaRPr>
+            </a:p>
+          </p:txBody>
+        </p:sp>
+        <p:sp>
+          <p:nvSpPr>
+            <p:cNvPr id="29" name="Slider">
+              <a:extLst>
+                <a:ext uri="{FF2B5EF4-FFF2-40B4-BE49-F238E27FC236}">
+                  <a16:creationId xmlns:a16="http://schemas.microsoft.com/office/drawing/2014/main" id="{B1440FBC-2EF6-48AC-BB9C-F10068C08189}"/>
+                </a:ext>
+              </a:extLst>
+            </p:cNvPr>
+            <p:cNvSpPr/>
+            <p:nvPr/>
+          </p:nvSpPr>
+          <p:spPr>
+            <a:xfrm>
+              <a:off x="3937000" y="3538537"/>
+              <a:ext cx="85725" cy="85725"/>
+            </a:xfrm>
+            <a:prstGeom prst="ellipse">
+              <a:avLst/>
+            </a:prstGeom>
+            <a:solidFill>
+              <a:sysClr val="window" lastClr="FFFFFF"/>
+            </a:solidFill>
+            <a:ln w="3175" cap="flat" cmpd="sng" algn="ctr">
+              <a:solidFill>
+                <a:srgbClr val="000000"/>
+              </a:solidFill>
+              <a:prstDash val="solid"/>
+            </a:ln>
+            <a:effectLst/>
+          </p:spPr>
+          <p:txBody>
+            <a:bodyPr rot="0" spcFirstLastPara="0" vert="horz" wrap="square" lIns="45720" tIns="45720" rIns="91440" bIns="45720" numCol="1" spcCol="0" rtlCol="0" fromWordArt="0" anchor="ctr" anchorCtr="0" forceAA="0" compatLnSpc="1">
+              <a:prstTxWarp prst="textNoShape">
+                <a:avLst/>
+              </a:prstTxWarp>
+              <a:noAutofit/>
+            </a:bodyPr>
+            <a:lstStyle>
+              <a:defPPr>
+                <a:defRPr lang="en-US"/>
+              </a:defPPr>
+              <a:lvl1pPr marL="0" algn="l" defTabSz="914400" rtl="0" eaLnBrk="1" latinLnBrk="0" hangingPunct="1">
+                <a:defRPr sz="1800" kern="1200">
+                  <a:solidFill>
+                    <a:srgbClr val="000000"/>
+                  </a:solidFill>
+                  <a:latin typeface="+mn-lt"/>
+                  <a:ea typeface="+mn-ea"/>
+                  <a:cs typeface="+mn-cs"/>
+                </a:defRPr>
+              </a:lvl1pPr>
+              <a:lvl2pPr marL="457200" algn="l" defTabSz="914400" rtl="0" eaLnBrk="1" latinLnBrk="0" hangingPunct="1">
+                <a:defRPr sz="1800" kern="1200">
+                  <a:solidFill>
+                    <a:srgbClr val="000000"/>
+                  </a:solidFill>
+                  <a:latin typeface="+mn-lt"/>
+                  <a:ea typeface="+mn-ea"/>
+                  <a:cs typeface="+mn-cs"/>
+                </a:defRPr>
+              </a:lvl2pPr>
+              <a:lvl3pPr marL="914400" algn="l" defTabSz="914400" rtl="0" eaLnBrk="1" latinLnBrk="0" hangingPunct="1">
+                <a:defRPr sz="1800" kern="1200">
+                  <a:solidFill>
+                    <a:srgbClr val="000000"/>
+                  </a:solidFill>
+                  <a:latin typeface="+mn-lt"/>
+                  <a:ea typeface="+mn-ea"/>
+                  <a:cs typeface="+mn-cs"/>
+                </a:defRPr>
+              </a:lvl3pPr>
+              <a:lvl4pPr marL="1371600" algn="l" defTabSz="914400" rtl="0" eaLnBrk="1" latinLnBrk="0" hangingPunct="1">
+                <a:defRPr sz="1800" kern="1200">
+                  <a:solidFill>
+                    <a:srgbClr val="000000"/>
+                  </a:solidFill>
+                  <a:latin typeface="+mn-lt"/>
+                  <a:ea typeface="+mn-ea"/>
+                  <a:cs typeface="+mn-cs"/>
+                </a:defRPr>
+              </a:lvl4pPr>
+              <a:lvl5pPr marL="1828800" algn="l" defTabSz="914400" rtl="0" eaLnBrk="1" latinLnBrk="0" hangingPunct="1">
+                <a:defRPr sz="1800" kern="1200">
+                  <a:solidFill>
+                    <a:srgbClr val="000000"/>
+                  </a:solidFill>
+                  <a:latin typeface="+mn-lt"/>
+                  <a:ea typeface="+mn-ea"/>
+                  <a:cs typeface="+mn-cs"/>
+                </a:defRPr>
+              </a:lvl5pPr>
+              <a:lvl6pPr marL="2286000" algn="l" defTabSz="914400" rtl="0" eaLnBrk="1" latinLnBrk="0" hangingPunct="1">
+                <a:defRPr sz="1800" kern="1200">
+                  <a:solidFill>
+                    <a:srgbClr val="000000"/>
+                  </a:solidFill>
+                  <a:latin typeface="+mn-lt"/>
+                  <a:ea typeface="+mn-ea"/>
+                  <a:cs typeface="+mn-cs"/>
+                </a:defRPr>
+              </a:lvl6pPr>
+              <a:lvl7pPr marL="2743200" algn="l" defTabSz="914400" rtl="0" eaLnBrk="1" latinLnBrk="0" hangingPunct="1">
+                <a:defRPr sz="1800" kern="1200">
+                  <a:solidFill>
+                    <a:srgbClr val="000000"/>
+                  </a:solidFill>
+                  <a:latin typeface="+mn-lt"/>
+                  <a:ea typeface="+mn-ea"/>
+                  <a:cs typeface="+mn-cs"/>
+                </a:defRPr>
+              </a:lvl7pPr>
+              <a:lvl8pPr marL="3200400" algn="l" defTabSz="914400" rtl="0" eaLnBrk="1" latinLnBrk="0" hangingPunct="1">
+                <a:defRPr sz="1800" kern="1200">
+                  <a:solidFill>
+                    <a:srgbClr val="000000"/>
+                  </a:solidFill>
+                  <a:latin typeface="+mn-lt"/>
+                  <a:ea typeface="+mn-ea"/>
+                  <a:cs typeface="+mn-cs"/>
+                </a:defRPr>
+              </a:lvl8pPr>
+              <a:lvl9pPr marL="3657600" algn="l" defTabSz="914400" rtl="0" eaLnBrk="1" latinLnBrk="0" hangingPunct="1">
+                <a:defRPr sz="1800" kern="1200">
+                  <a:solidFill>
+                    <a:srgbClr val="000000"/>
+                  </a:solidFill>
+                  <a:latin typeface="+mn-lt"/>
+                  <a:ea typeface="+mn-ea"/>
+                  <a:cs typeface="+mn-cs"/>
+                </a:defRPr>
+              </a:lvl9pPr>
+            </a:lstStyle>
+            <a:p>
+              <a:pPr marL="0" marR="0" indent="0" algn="ctr" defTabSz="914400" eaLnBrk="1" fontAlgn="auto" latinLnBrk="0" hangingPunct="1">
+                <a:lnSpc>
+                  <a:spcPct val="100000"/>
+                </a:lnSpc>
+                <a:spcBef>
+                  <a:spcPts val="0"/>
+                </a:spcBef>
+                <a:spcAft>
+                  <a:spcPts val="0"/>
+                </a:spcAft>
+                <a:buClrTx/>
+                <a:buSzTx/>
+                <a:buFontTx/>
+                <a:buNone/>
+                <a:tabLst/>
+              </a:pPr>
+              <a:endParaRPr kumimoji="0" lang="en-US" sz="800" b="0" i="0" u="none" strike="noStrike" kern="0" cap="none" spc="0" normalizeH="0" baseline="0" noProof="0" dirty="0">
+                <a:ln>
+                  <a:noFill/>
+                </a:ln>
+                <a:solidFill>
+                  <a:srgbClr val="000000">
+                    <a:lumMod val="75000"/>
+                    <a:lumOff val="25000"/>
+                  </a:srgbClr>
+                </a:solidFill>
+                <a:effectLst/>
+                <a:uLnTx/>
+                <a:uFillTx/>
+                <a:latin typeface="Segoe UI"/>
+                <a:ea typeface="+mn-ea"/>
+                <a:cs typeface="+mn-cs"/>
+              </a:endParaRPr>
+            </a:p>
+          </p:txBody>
+        </p:sp>
+      </p:grpSp>
+      <p:grpSp>
+        <p:nvGrpSpPr>
+          <p:cNvPr id="47" name="FileMenu">
+            <a:extLst>
+              <a:ext uri="{FF2B5EF4-FFF2-40B4-BE49-F238E27FC236}">
+                <a16:creationId xmlns:a16="http://schemas.microsoft.com/office/drawing/2014/main" id="{F854AF5A-F386-4D54-859D-2FAF5CBBFD17}"/>
+              </a:ext>
+            </a:extLst>
+          </p:cNvPr>
+          <p:cNvGrpSpPr/>
+          <p:nvPr>
+            <p:custDataLst>
+              <p:custData r:id="rId4"/>
+            </p:custDataLst>
+          </p:nvPr>
+        </p:nvGrpSpPr>
+        <p:grpSpPr>
+          <a:xfrm>
+            <a:off x="3673687" y="2072668"/>
+            <a:ext cx="1388835" cy="874927"/>
+            <a:chOff x="3951265" y="2460940"/>
+            <a:chExt cx="1388835" cy="874927"/>
+          </a:xfrm>
+        </p:grpSpPr>
+        <p:grpSp>
+          <p:nvGrpSpPr>
+            <p:cNvPr id="48" name="Group 47">
+              <a:extLst>
+                <a:ext uri="{FF2B5EF4-FFF2-40B4-BE49-F238E27FC236}">
+                  <a16:creationId xmlns:a16="http://schemas.microsoft.com/office/drawing/2014/main" id="{4489B766-9499-4EAA-A05A-03D4C0C6E64D}"/>
+                </a:ext>
+              </a:extLst>
+            </p:cNvPr>
+            <p:cNvGrpSpPr/>
+            <p:nvPr/>
+          </p:nvGrpSpPr>
+          <p:grpSpPr>
+            <a:xfrm>
+              <a:off x="3951265" y="2689011"/>
+              <a:ext cx="1388835" cy="646856"/>
+              <a:chOff x="144465" y="3547390"/>
+              <a:chExt cx="1388835" cy="795616"/>
+            </a:xfrm>
+          </p:grpSpPr>
+          <p:sp>
+            <p:nvSpPr>
+              <p:cNvPr id="51" name="Background">
+                <a:extLst>
+                  <a:ext uri="{FF2B5EF4-FFF2-40B4-BE49-F238E27FC236}">
+                    <a16:creationId xmlns:a16="http://schemas.microsoft.com/office/drawing/2014/main" id="{50F1447A-9AFE-4C38-8FB3-8A110870B05F}"/>
+                  </a:ext>
+                </a:extLst>
+              </p:cNvPr>
+              <p:cNvSpPr/>
+              <p:nvPr/>
+            </p:nvSpPr>
+            <p:spPr>
+              <a:xfrm>
+                <a:off x="144465" y="3547931"/>
+                <a:ext cx="1388835" cy="795075"/>
+              </a:xfrm>
+              <a:prstGeom prst="rect">
+                <a:avLst/>
+              </a:prstGeom>
+              <a:solidFill>
+                <a:srgbClr val="FFFFFF">
+                  <a:lumMod val="95000"/>
+                </a:srgbClr>
+              </a:solidFill>
+              <a:ln w="3175" cap="flat" cmpd="sng" algn="ctr">
+                <a:solidFill>
+                  <a:srgbClr val="FFFFFF">
+                    <a:lumMod val="50000"/>
+                  </a:srgbClr>
+                </a:solidFill>
+                <a:prstDash val="solid"/>
+              </a:ln>
+              <a:effectLst/>
+            </p:spPr>
+            <p:txBody>
+              <a:bodyPr rot="0" spcFirstLastPara="0" vertOverflow="overflow" horzOverflow="overflow" vert="horz" wrap="square" lIns="45720" tIns="45720" rIns="91440" bIns="45720" numCol="1" spcCol="0" rtlCol="0" fromWordArt="0" anchor="ctr" anchorCtr="0" forceAA="0" compatLnSpc="1">
+                <a:prstTxWarp prst="textNoShape">
+                  <a:avLst/>
+                </a:prstTxWarp>
+                <a:noAutofit/>
+              </a:bodyPr>
+              <a:lstStyle/>
+              <a:p>
+                <a:pPr marL="0" marR="0" indent="0" algn="ctr" defTabSz="914400" eaLnBrk="1" fontAlgn="auto" latinLnBrk="0" hangingPunct="1">
+                  <a:lnSpc>
+                    <a:spcPct val="100000"/>
+                  </a:lnSpc>
+                  <a:spcBef>
+                    <a:spcPts val="0"/>
+                  </a:spcBef>
+                  <a:spcAft>
+                    <a:spcPts val="0"/>
+                  </a:spcAft>
+                  <a:buClrTx/>
+                  <a:buSzTx/>
+                  <a:buFontTx/>
+                  <a:buNone/>
+                  <a:tabLst/>
+                </a:pPr>
+                <a:endParaRPr kumimoji="0" lang="en-US" sz="1200" b="0" i="0" u="none" strike="noStrike" kern="0" cap="none" spc="0" normalizeH="0" baseline="0" noProof="0" dirty="0">
+                  <a:ln>
+                    <a:noFill/>
+                  </a:ln>
+                  <a:solidFill>
+                    <a:srgbClr val="000000">
+                      <a:lumMod val="75000"/>
+                      <a:lumOff val="25000"/>
+                    </a:srgbClr>
+                  </a:solidFill>
+                  <a:effectLst/>
+                  <a:uLnTx/>
+                  <a:uFillTx/>
+                  <a:latin typeface="Segoe UI"/>
+                  <a:ea typeface="+mn-ea"/>
+                  <a:cs typeface="+mn-cs"/>
+                </a:endParaRPr>
+              </a:p>
+            </p:txBody>
+          </p:sp>
+          <p:cxnSp>
+            <p:nvCxnSpPr>
+              <p:cNvPr id="52" name="MenuLine">
+                <a:extLst>
+                  <a:ext uri="{FF2B5EF4-FFF2-40B4-BE49-F238E27FC236}">
+                    <a16:creationId xmlns:a16="http://schemas.microsoft.com/office/drawing/2014/main" id="{E62AB4AD-6A2E-45A2-B8D8-D975B31CD0AC}"/>
+                  </a:ext>
+                </a:extLst>
+              </p:cNvPr>
+              <p:cNvCxnSpPr>
+                <a:cxnSpLocks/>
+              </p:cNvCxnSpPr>
+              <p:nvPr/>
+            </p:nvCxnSpPr>
+            <p:spPr>
+              <a:xfrm flipH="1">
+                <a:off x="423547" y="3547390"/>
+                <a:ext cx="318" cy="795615"/>
+              </a:xfrm>
+              <a:prstGeom prst="line">
+                <a:avLst/>
+              </a:prstGeom>
+              <a:ln w="3175">
+                <a:solidFill>
+                  <a:srgbClr val="FFFFFF">
+                    <a:lumMod val="50000"/>
+                  </a:srgbClr>
+                </a:solidFill>
+              </a:ln>
+            </p:spPr>
+            <p:style>
+              <a:lnRef idx="1">
+                <a:srgbClr val="FFFFFF"/>
+              </a:lnRef>
+              <a:fillRef idx="0">
+                <a:srgbClr val="FFFFFF"/>
+              </a:fillRef>
+              <a:effectRef idx="0">
+                <a:srgbClr val="FFFFFF"/>
+              </a:effectRef>
+              <a:fontRef idx="minor">
+                <a:srgbClr val="000000"/>
+              </a:fontRef>
+            </p:style>
+          </p:cxnSp>
+        </p:grpSp>
+        <p:sp>
+          <p:nvSpPr>
+            <p:cNvPr id="49" name="MenuText">
+              <a:extLst>
+                <a:ext uri="{FF2B5EF4-FFF2-40B4-BE49-F238E27FC236}">
+                  <a16:creationId xmlns:a16="http://schemas.microsoft.com/office/drawing/2014/main" id="{1A2105E5-DF53-4023-B326-286A08FE9E49}"/>
+                </a:ext>
+              </a:extLst>
+            </p:cNvPr>
+            <p:cNvSpPr txBox="1"/>
+            <p:nvPr/>
+          </p:nvSpPr>
+          <p:spPr>
+            <a:xfrm>
+              <a:off x="4230347" y="2689010"/>
+              <a:ext cx="1109753" cy="646857"/>
+            </a:xfrm>
+            <a:prstGeom prst="rect">
+              <a:avLst/>
+            </a:prstGeom>
+            <a:noFill/>
+            <a:ln>
+              <a:noFill/>
+            </a:ln>
+          </p:spPr>
+          <p:txBody>
+            <a:bodyPr wrap="square" lIns="54864" rIns="45720" bIns="27432" rtlCol="0">
+              <a:noAutofit/>
+            </a:bodyPr>
+            <a:lstStyle/>
+            <a:p>
+              <a:r>
+                <a:rPr lang="en-US" sz="1200" dirty="0">
+                  <a:latin typeface="Segoe UI" pitchFamily="34" charset="0"/>
+                  <a:ea typeface="Segoe UI" pitchFamily="34" charset="0"/>
+                  <a:cs typeface="Segoe UI" pitchFamily="34" charset="0"/>
+                </a:rPr>
+                <a:t>Load images</a:t>
+              </a:r>
+            </a:p>
+            <a:p>
+              <a:r>
+                <a:rPr lang="en-US" sz="1200" dirty="0">
+                  <a:latin typeface="Segoe UI" pitchFamily="34" charset="0"/>
+                  <a:ea typeface="Segoe UI" pitchFamily="34" charset="0"/>
+                  <a:cs typeface="Segoe UI" pitchFamily="34" charset="0"/>
+                </a:rPr>
+                <a:t>Export to file</a:t>
+              </a:r>
+            </a:p>
+            <a:p>
+              <a:r>
+                <a:rPr lang="en-US" sz="1200" dirty="0">
+                  <a:latin typeface="Segoe UI" pitchFamily="34" charset="0"/>
+                  <a:ea typeface="Segoe UI" pitchFamily="34" charset="0"/>
+                  <a:cs typeface="Segoe UI" pitchFamily="34" charset="0"/>
+                </a:rPr>
+                <a:t>Exit</a:t>
+              </a:r>
+            </a:p>
+          </p:txBody>
+        </p:sp>
+        <p:sp>
+          <p:nvSpPr>
+            <p:cNvPr id="50" name="FileText">
+              <a:extLst>
+                <a:ext uri="{FF2B5EF4-FFF2-40B4-BE49-F238E27FC236}">
+                  <a16:creationId xmlns:a16="http://schemas.microsoft.com/office/drawing/2014/main" id="{34DB1F56-4758-4409-8656-1910F94CD048}"/>
+                </a:ext>
+              </a:extLst>
+            </p:cNvPr>
+            <p:cNvSpPr/>
+            <p:nvPr/>
+          </p:nvSpPr>
+          <p:spPr>
+            <a:xfrm>
+              <a:off x="3951265" y="2460940"/>
+              <a:ext cx="694417" cy="228600"/>
+            </a:xfrm>
+            <a:prstGeom prst="rect">
+              <a:avLst/>
+            </a:prstGeom>
+            <a:solidFill>
+              <a:srgbClr val="FFFFFF">
+                <a:lumMod val="85000"/>
+              </a:srgbClr>
+            </a:solidFill>
+            <a:ln w="3175" cap="flat" cmpd="sng" algn="ctr">
+              <a:solidFill>
+                <a:srgbClr val="000000">
+                  <a:lumMod val="50000"/>
+                  <a:lumOff val="50000"/>
+                </a:srgbClr>
+              </a:solidFill>
+              <a:prstDash val="solid"/>
+            </a:ln>
+            <a:effectLst/>
+          </p:spPr>
+          <p:txBody>
+            <a:bodyPr rot="0" spcFirstLastPara="0" vertOverflow="overflow" horzOverflow="overflow" vert="horz" wrap="square" lIns="45720" tIns="45720" rIns="45720" bIns="45720" numCol="1" spcCol="0" rtlCol="0" fromWordArt="0" anchor="ctr" anchorCtr="0" forceAA="0" compatLnSpc="1">
+              <a:prstTxWarp prst="textNoShape">
+                <a:avLst/>
+              </a:prstTxWarp>
+              <a:noAutofit/>
+            </a:bodyPr>
+            <a:lstStyle/>
+            <a:p>
+              <a:pPr marL="0" marR="0" indent="0" algn="ctr" defTabSz="914400" eaLnBrk="1" fontAlgn="auto" latinLnBrk="0" hangingPunct="1">
+                <a:lnSpc>
+                  <a:spcPct val="100000"/>
+                </a:lnSpc>
+                <a:spcBef>
+                  <a:spcPts val="0"/>
+                </a:spcBef>
+                <a:spcAft>
+                  <a:spcPts val="0"/>
+                </a:spcAft>
+                <a:buClrTx/>
+                <a:buSzTx/>
+                <a:buFontTx/>
+                <a:buNone/>
+                <a:tabLst/>
+              </a:pPr>
+              <a:r>
+                <a:rPr kumimoji="0" lang="en-US" sz="1200" b="0" i="0" u="none" strike="noStrike" kern="0" cap="none" spc="0" normalizeH="0" baseline="0" noProof="0" dirty="0">
+                  <a:ln>
+                    <a:noFill/>
+                  </a:ln>
+                  <a:solidFill>
+                    <a:srgbClr val="000000">
+                      <a:lumMod val="75000"/>
+                      <a:lumOff val="25000"/>
+                    </a:srgbClr>
+                  </a:solidFill>
+                  <a:effectLst/>
+                  <a:uLnTx/>
+                  <a:uFillTx/>
+                  <a:latin typeface="Segoe UI"/>
+                  <a:ea typeface="+mn-ea"/>
+                  <a:cs typeface="+mn-cs"/>
+                </a:rPr>
+                <a:t>File</a:t>
+              </a:r>
+            </a:p>
+          </p:txBody>
+        </p:sp>
+      </p:grpSp>
+      <p:grpSp>
+        <p:nvGrpSpPr>
+          <p:cNvPr id="55" name="Group 54">
+            <a:extLst>
+              <a:ext uri="{FF2B5EF4-FFF2-40B4-BE49-F238E27FC236}">
+                <a16:creationId xmlns:a16="http://schemas.microsoft.com/office/drawing/2014/main" id="{5528A7E9-66D7-449B-94A2-F9D59F929E3C}"/>
+              </a:ext>
+            </a:extLst>
+          </p:cNvPr>
+          <p:cNvGrpSpPr/>
+          <p:nvPr>
+            <p:custDataLst>
+              <p:custData r:id="rId5"/>
+              <p:custData r:id="rId6"/>
+            </p:custDataLst>
+          </p:nvPr>
+        </p:nvGrpSpPr>
+        <p:grpSpPr>
+          <a:xfrm>
+            <a:off x="5540189" y="5428160"/>
+            <a:ext cx="1837678" cy="271329"/>
+            <a:chOff x="507869" y="3729779"/>
+            <a:chExt cx="1471744" cy="320480"/>
+          </a:xfrm>
+        </p:grpSpPr>
+        <p:sp>
+          <p:nvSpPr>
+            <p:cNvPr id="56" name="Content">
+              <a:extLst>
+                <a:ext uri="{FF2B5EF4-FFF2-40B4-BE49-F238E27FC236}">
+                  <a16:creationId xmlns:a16="http://schemas.microsoft.com/office/drawing/2014/main" id="{081F40F2-CDD1-40E4-AC05-1A6559A7840B}"/>
+                </a:ext>
+              </a:extLst>
+            </p:cNvPr>
+            <p:cNvSpPr/>
+            <p:nvPr/>
+          </p:nvSpPr>
+          <p:spPr bwMode="auto">
+            <a:xfrm>
+              <a:off x="507869" y="3729779"/>
+              <a:ext cx="1471744" cy="320480"/>
+            </a:xfrm>
+            <a:prstGeom prst="rect">
+              <a:avLst/>
+            </a:prstGeom>
+            <a:solidFill>
+              <a:srgbClr val="FFFFFF"/>
+            </a:solidFill>
+            <a:ln w="22225" cap="flat" cmpd="sng" algn="ctr">
+              <a:solidFill>
+                <a:srgbClr val="232323">
+                  <a:lumMod val="90000"/>
+                  <a:lumOff val="10000"/>
+                </a:srgbClr>
+              </a:solidFill>
+              <a:prstDash val="solid"/>
+              <a:headEnd type="none" w="med" len="med"/>
+              <a:tailEnd type="none" w="med" len="med"/>
+            </a:ln>
+            <a:effectLst/>
+          </p:spPr>
+          <p:txBody>
+            <a:bodyPr vert="horz" wrap="square" lIns="91436" tIns="45718" rIns="91436" bIns="45718" numCol="1" rtlCol="0" anchor="ctr" anchorCtr="0" compatLnSpc="1">
+              <a:prstTxWarp prst="textNoShape">
+                <a:avLst/>
+              </a:prstTxWarp>
+            </a:bodyPr>
+            <a:lstStyle/>
+            <a:p>
+              <a:pPr marL="0" marR="0" lvl="0" indent="0" defTabSz="914099" eaLnBrk="1" fontAlgn="base" latinLnBrk="0" hangingPunct="1">
+                <a:lnSpc>
+                  <a:spcPct val="100000"/>
+                </a:lnSpc>
+                <a:spcBef>
+                  <a:spcPct val="0"/>
+                </a:spcBef>
+                <a:spcAft>
+                  <a:spcPct val="0"/>
+                </a:spcAft>
+                <a:buClrTx/>
+                <a:buSzTx/>
+                <a:buFontTx/>
+                <a:buNone/>
+                <a:tabLst/>
+                <a:defRPr/>
+              </a:pPr>
+              <a:r>
+                <a:rPr kumimoji="0" lang="en-US" sz="1100" b="0" i="0" u="none" strike="noStrike" kern="0" cap="none" spc="0" normalizeH="0" baseline="0" noProof="0" dirty="0">
+                  <a:ln>
+                    <a:noFill/>
+                  </a:ln>
+                  <a:solidFill>
+                    <a:srgbClr val="232323"/>
+                  </a:solidFill>
+                  <a:effectLst/>
+                  <a:uLnTx/>
+                  <a:uFillTx/>
+                  <a:latin typeface="Segoe"/>
+                  <a:ea typeface="+mn-ea"/>
+                  <a:cs typeface="+mn-cs"/>
+                </a:rPr>
+                <a:t>Piano</a:t>
+              </a:r>
+            </a:p>
+          </p:txBody>
+        </p:sp>
+        <p:sp>
+          <p:nvSpPr>
+            <p:cNvPr id="57" name="DownArrow">
+              <a:extLst>
+                <a:ext uri="{FF2B5EF4-FFF2-40B4-BE49-F238E27FC236}">
+                  <a16:creationId xmlns:a16="http://schemas.microsoft.com/office/drawing/2014/main" id="{D315BEC6-F578-4E6E-A23A-BF6C619F080C}"/>
+                </a:ext>
+              </a:extLst>
+            </p:cNvPr>
+            <p:cNvSpPr/>
+            <p:nvPr/>
+          </p:nvSpPr>
+          <p:spPr bwMode="auto">
+            <a:xfrm rot="5400000">
+              <a:off x="1810275" y="3844761"/>
+              <a:ext cx="60862" cy="76200"/>
+            </a:xfrm>
+            <a:custGeom>
+              <a:avLst/>
+              <a:gdLst>
+                <a:gd name="connsiteX0" fmla="*/ 0 w 88508"/>
+                <a:gd name="connsiteY0" fmla="*/ 0 h 100794"/>
+                <a:gd name="connsiteX1" fmla="*/ 44254 w 88508"/>
+                <a:gd name="connsiteY1" fmla="*/ 0 h 100794"/>
+                <a:gd name="connsiteX2" fmla="*/ 88508 w 88508"/>
+                <a:gd name="connsiteY2" fmla="*/ 50397 h 100794"/>
+                <a:gd name="connsiteX3" fmla="*/ 44254 w 88508"/>
+                <a:gd name="connsiteY3" fmla="*/ 100794 h 100794"/>
+                <a:gd name="connsiteX4" fmla="*/ 0 w 88508"/>
+                <a:gd name="connsiteY4" fmla="*/ 100794 h 100794"/>
+                <a:gd name="connsiteX5" fmla="*/ 44254 w 88508"/>
+                <a:gd name="connsiteY5" fmla="*/ 50397 h 100794"/>
+                <a:gd name="connsiteX6" fmla="*/ 0 w 88508"/>
+                <a:gd name="connsiteY6" fmla="*/ 0 h 100794"/>
+                <a:gd name="connsiteX0" fmla="*/ 14630 w 88508"/>
+                <a:gd name="connsiteY0" fmla="*/ 0 h 100794"/>
+                <a:gd name="connsiteX1" fmla="*/ 44254 w 88508"/>
+                <a:gd name="connsiteY1" fmla="*/ 0 h 100794"/>
+                <a:gd name="connsiteX2" fmla="*/ 88508 w 88508"/>
+                <a:gd name="connsiteY2" fmla="*/ 50397 h 100794"/>
+                <a:gd name="connsiteX3" fmla="*/ 44254 w 88508"/>
+                <a:gd name="connsiteY3" fmla="*/ 100794 h 100794"/>
+                <a:gd name="connsiteX4" fmla="*/ 0 w 88508"/>
+                <a:gd name="connsiteY4" fmla="*/ 100794 h 100794"/>
+                <a:gd name="connsiteX5" fmla="*/ 44254 w 88508"/>
+                <a:gd name="connsiteY5" fmla="*/ 50397 h 100794"/>
+                <a:gd name="connsiteX6" fmla="*/ 14630 w 88508"/>
+                <a:gd name="connsiteY6" fmla="*/ 0 h 100794"/>
+                <a:gd name="connsiteX0" fmla="*/ 14630 w 88508"/>
+                <a:gd name="connsiteY0" fmla="*/ 0 h 100794"/>
+                <a:gd name="connsiteX1" fmla="*/ 44254 w 88508"/>
+                <a:gd name="connsiteY1" fmla="*/ 0 h 100794"/>
+                <a:gd name="connsiteX2" fmla="*/ 88508 w 88508"/>
+                <a:gd name="connsiteY2" fmla="*/ 50397 h 100794"/>
+                <a:gd name="connsiteX3" fmla="*/ 44254 w 88508"/>
+                <a:gd name="connsiteY3" fmla="*/ 100794 h 100794"/>
+                <a:gd name="connsiteX4" fmla="*/ 0 w 88508"/>
+                <a:gd name="connsiteY4" fmla="*/ 100794 h 100794"/>
+                <a:gd name="connsiteX5" fmla="*/ 66200 w 88508"/>
+                <a:gd name="connsiteY5" fmla="*/ 57712 h 100794"/>
+                <a:gd name="connsiteX6" fmla="*/ 14630 w 88508"/>
+                <a:gd name="connsiteY6" fmla="*/ 0 h 100794"/>
+                <a:gd name="connsiteX0" fmla="*/ 0 w 73878"/>
+                <a:gd name="connsiteY0" fmla="*/ 0 h 108109"/>
+                <a:gd name="connsiteX1" fmla="*/ 29624 w 73878"/>
+                <a:gd name="connsiteY1" fmla="*/ 0 h 108109"/>
+                <a:gd name="connsiteX2" fmla="*/ 73878 w 73878"/>
+                <a:gd name="connsiteY2" fmla="*/ 50397 h 108109"/>
+                <a:gd name="connsiteX3" fmla="*/ 29624 w 73878"/>
+                <a:gd name="connsiteY3" fmla="*/ 100794 h 108109"/>
+                <a:gd name="connsiteX4" fmla="*/ 7315 w 73878"/>
+                <a:gd name="connsiteY4" fmla="*/ 108109 h 108109"/>
+                <a:gd name="connsiteX5" fmla="*/ 51570 w 73878"/>
+                <a:gd name="connsiteY5" fmla="*/ 57712 h 108109"/>
+                <a:gd name="connsiteX6" fmla="*/ 0 w 73878"/>
+                <a:gd name="connsiteY6" fmla="*/ 0 h 108109"/>
+                <a:gd name="connsiteX0" fmla="*/ 3655 w 77533"/>
+                <a:gd name="connsiteY0" fmla="*/ 0 h 100794"/>
+                <a:gd name="connsiteX1" fmla="*/ 33279 w 77533"/>
+                <a:gd name="connsiteY1" fmla="*/ 0 h 100794"/>
+                <a:gd name="connsiteX2" fmla="*/ 77533 w 77533"/>
+                <a:gd name="connsiteY2" fmla="*/ 50397 h 100794"/>
+                <a:gd name="connsiteX3" fmla="*/ 33279 w 77533"/>
+                <a:gd name="connsiteY3" fmla="*/ 100794 h 100794"/>
+                <a:gd name="connsiteX4" fmla="*/ 0 w 77533"/>
+                <a:gd name="connsiteY4" fmla="*/ 97136 h 100794"/>
+                <a:gd name="connsiteX5" fmla="*/ 55225 w 77533"/>
+                <a:gd name="connsiteY5" fmla="*/ 57712 h 100794"/>
+                <a:gd name="connsiteX6" fmla="*/ 3655 w 77533"/>
+                <a:gd name="connsiteY6" fmla="*/ 0 h 100794"/>
+                <a:gd name="connsiteX0" fmla="*/ 3655 w 77533"/>
+                <a:gd name="connsiteY0" fmla="*/ 0 h 100794"/>
+                <a:gd name="connsiteX1" fmla="*/ 33279 w 77533"/>
+                <a:gd name="connsiteY1" fmla="*/ 0 h 100794"/>
+                <a:gd name="connsiteX2" fmla="*/ 77533 w 77533"/>
+                <a:gd name="connsiteY2" fmla="*/ 50397 h 100794"/>
+                <a:gd name="connsiteX3" fmla="*/ 33279 w 77533"/>
+                <a:gd name="connsiteY3" fmla="*/ 100794 h 100794"/>
+                <a:gd name="connsiteX4" fmla="*/ 0 w 77533"/>
+                <a:gd name="connsiteY4" fmla="*/ 97136 h 100794"/>
+                <a:gd name="connsiteX5" fmla="*/ 51570 w 77533"/>
+                <a:gd name="connsiteY5" fmla="*/ 46739 h 100794"/>
+                <a:gd name="connsiteX6" fmla="*/ 3655 w 77533"/>
+                <a:gd name="connsiteY6" fmla="*/ 0 h 100794"/>
+                <a:gd name="connsiteX0" fmla="*/ 3655 w 77533"/>
+                <a:gd name="connsiteY0" fmla="*/ 0 h 100794"/>
+                <a:gd name="connsiteX1" fmla="*/ 33279 w 77533"/>
+                <a:gd name="connsiteY1" fmla="*/ 0 h 100794"/>
+                <a:gd name="connsiteX2" fmla="*/ 77533 w 77533"/>
+                <a:gd name="connsiteY2" fmla="*/ 50397 h 100794"/>
+                <a:gd name="connsiteX3" fmla="*/ 33279 w 77533"/>
+                <a:gd name="connsiteY3" fmla="*/ 100794 h 100794"/>
+                <a:gd name="connsiteX4" fmla="*/ 0 w 77533"/>
+                <a:gd name="connsiteY4" fmla="*/ 97136 h 100794"/>
+                <a:gd name="connsiteX5" fmla="*/ 58716 w 77533"/>
+                <a:gd name="connsiteY5" fmla="*/ 49120 h 100794"/>
+                <a:gd name="connsiteX6" fmla="*/ 3655 w 77533"/>
+                <a:gd name="connsiteY6" fmla="*/ 0 h 100794"/>
+                <a:gd name="connsiteX0" fmla="*/ 0 w 73878"/>
+                <a:gd name="connsiteY0" fmla="*/ 0 h 104280"/>
+                <a:gd name="connsiteX1" fmla="*/ 29624 w 73878"/>
+                <a:gd name="connsiteY1" fmla="*/ 0 h 104280"/>
+                <a:gd name="connsiteX2" fmla="*/ 73878 w 73878"/>
+                <a:gd name="connsiteY2" fmla="*/ 50397 h 104280"/>
+                <a:gd name="connsiteX3" fmla="*/ 29624 w 73878"/>
+                <a:gd name="connsiteY3" fmla="*/ 100794 h 104280"/>
+                <a:gd name="connsiteX4" fmla="*/ 13016 w 73878"/>
+                <a:gd name="connsiteY4" fmla="*/ 104280 h 104280"/>
+                <a:gd name="connsiteX5" fmla="*/ 55061 w 73878"/>
+                <a:gd name="connsiteY5" fmla="*/ 49120 h 104280"/>
+                <a:gd name="connsiteX6" fmla="*/ 0 w 73878"/>
+                <a:gd name="connsiteY6" fmla="*/ 0 h 104280"/>
+                <a:gd name="connsiteX0" fmla="*/ 1272 w 60862"/>
+                <a:gd name="connsiteY0" fmla="*/ 2381 h 104280"/>
+                <a:gd name="connsiteX1" fmla="*/ 16608 w 60862"/>
+                <a:gd name="connsiteY1" fmla="*/ 0 h 104280"/>
+                <a:gd name="connsiteX2" fmla="*/ 60862 w 60862"/>
+                <a:gd name="connsiteY2" fmla="*/ 50397 h 104280"/>
+                <a:gd name="connsiteX3" fmla="*/ 16608 w 60862"/>
+                <a:gd name="connsiteY3" fmla="*/ 100794 h 104280"/>
+                <a:gd name="connsiteX4" fmla="*/ 0 w 60862"/>
+                <a:gd name="connsiteY4" fmla="*/ 104280 h 104280"/>
+                <a:gd name="connsiteX5" fmla="*/ 42045 w 60862"/>
+                <a:gd name="connsiteY5" fmla="*/ 49120 h 104280"/>
+                <a:gd name="connsiteX6" fmla="*/ 1272 w 60862"/>
+                <a:gd name="connsiteY6" fmla="*/ 2381 h 104280"/>
+                <a:gd name="connsiteX0" fmla="*/ 1272 w 60862"/>
+                <a:gd name="connsiteY0" fmla="*/ 2381 h 100794"/>
+                <a:gd name="connsiteX1" fmla="*/ 16608 w 60862"/>
+                <a:gd name="connsiteY1" fmla="*/ 0 h 100794"/>
+                <a:gd name="connsiteX2" fmla="*/ 60862 w 60862"/>
+                <a:gd name="connsiteY2" fmla="*/ 50397 h 100794"/>
+                <a:gd name="connsiteX3" fmla="*/ 16608 w 60862"/>
+                <a:gd name="connsiteY3" fmla="*/ 100794 h 100794"/>
+                <a:gd name="connsiteX4" fmla="*/ 0 w 60862"/>
+                <a:gd name="connsiteY4" fmla="*/ 94755 h 100794"/>
+                <a:gd name="connsiteX5" fmla="*/ 42045 w 60862"/>
+                <a:gd name="connsiteY5" fmla="*/ 49120 h 100794"/>
+                <a:gd name="connsiteX6" fmla="*/ 1272 w 60862"/>
+                <a:gd name="connsiteY6" fmla="*/ 2381 h 100794"/>
+              </a:gdLst>
+              <a:ahLst/>
+              <a:cxnLst>
+                <a:cxn ang="0">
+                  <a:pos x="connsiteX0" y="connsiteY0"/>
+                </a:cxn>
+                <a:cxn ang="0">
+                  <a:pos x="connsiteX1" y="connsiteY1"/>
+                </a:cxn>
+                <a:cxn ang="0">
+                  <a:pos x="connsiteX2" y="connsiteY2"/>
+                </a:cxn>
+                <a:cxn ang="0">
+                  <a:pos x="connsiteX3" y="connsiteY3"/>
+                </a:cxn>
+                <a:cxn ang="0">
+                  <a:pos x="connsiteX4" y="connsiteY4"/>
+                </a:cxn>
+                <a:cxn ang="0">
+                  <a:pos x="connsiteX5" y="connsiteY5"/>
+                </a:cxn>
+                <a:cxn ang="0">
+                  <a:pos x="connsiteX6" y="connsiteY6"/>
+                </a:cxn>
+              </a:cxnLst>
+              <a:rect l="l" t="t" r="r" b="b"/>
+              <a:pathLst>
+                <a:path w="60862" h="100794">
+                  <a:moveTo>
+                    <a:pt x="1272" y="2381"/>
+                  </a:moveTo>
+                  <a:lnTo>
+                    <a:pt x="16608" y="0"/>
+                  </a:lnTo>
+                  <a:lnTo>
+                    <a:pt x="60862" y="50397"/>
+                  </a:lnTo>
+                  <a:lnTo>
+                    <a:pt x="16608" y="100794"/>
+                  </a:lnTo>
+                  <a:lnTo>
+                    <a:pt x="0" y="94755"/>
+                  </a:lnTo>
+                  <a:lnTo>
+                    <a:pt x="42045" y="49120"/>
+                  </a:lnTo>
+                  <a:lnTo>
+                    <a:pt x="1272" y="2381"/>
+                  </a:lnTo>
+                  <a:close/>
+                </a:path>
+              </a:pathLst>
+            </a:custGeom>
+            <a:solidFill>
+              <a:srgbClr val="585858">
+                <a:lumMod val="50000"/>
+              </a:srgbClr>
+            </a:solidFill>
+            <a:ln w="9525" cap="flat" cmpd="sng" algn="ctr">
+              <a:noFill/>
+              <a:prstDash val="solid"/>
+              <a:headEnd type="none" w="med" len="med"/>
+              <a:tailEnd type="none" w="med" len="med"/>
+            </a:ln>
+            <a:effectLst/>
+          </p:spPr>
+          <p:txBody>
+            <a:bodyPr vert="horz" wrap="square" lIns="91436" tIns="45718" rIns="91436" bIns="45718" numCol="1" rtlCol="0" anchor="ctr" anchorCtr="0" compatLnSpc="1">
+              <a:prstTxWarp prst="textNoShape">
+                <a:avLst/>
+              </a:prstTxWarp>
+            </a:bodyPr>
+            <a:lstStyle/>
+            <a:p>
+              <a:pPr marL="0" marR="0" lvl="0" indent="0" algn="ctr" defTabSz="914099" eaLnBrk="1" fontAlgn="base" latinLnBrk="0" hangingPunct="1">
+                <a:lnSpc>
+                  <a:spcPct val="100000"/>
+                </a:lnSpc>
+                <a:spcBef>
+                  <a:spcPct val="0"/>
+                </a:spcBef>
+                <a:spcAft>
+                  <a:spcPct val="0"/>
+                </a:spcAft>
+                <a:buClrTx/>
+                <a:buSzTx/>
+                <a:buFontTx/>
+                <a:buNone/>
+                <a:tabLst/>
+                <a:defRPr/>
+              </a:pPr>
+              <a:endParaRPr kumimoji="0" lang="en-US" sz="2200" b="0" i="0" u="none" strike="noStrike" kern="0" cap="none" spc="0" normalizeH="0" baseline="0" noProof="0" dirty="0">
+                <a:ln>
+                  <a:noFill/>
+                </a:ln>
+                <a:gradFill>
+                  <a:gsLst>
+                    <a:gs pos="0">
+                      <a:srgbClr val="FFFFFF"/>
+                    </a:gs>
+                    <a:gs pos="100000">
+                      <a:srgbClr val="FFFFFF"/>
+                    </a:gs>
+                  </a:gsLst>
+                  <a:lin ang="5400000" scaled="0"/>
+                </a:gradFill>
+                <a:effectLst/>
+                <a:uLnTx/>
+                <a:uFillTx/>
+                <a:latin typeface="Segoe"/>
+                <a:ea typeface="+mn-ea"/>
+                <a:cs typeface="+mn-cs"/>
+              </a:endParaRPr>
+            </a:p>
+          </p:txBody>
+        </p:sp>
+      </p:grpSp>
+      <p:sp>
+        <p:nvSpPr>
+          <p:cNvPr id="58" name="TextBox 57">
+            <a:extLst>
+              <a:ext uri="{FF2B5EF4-FFF2-40B4-BE49-F238E27FC236}">
+                <a16:creationId xmlns:a16="http://schemas.microsoft.com/office/drawing/2014/main" id="{C5578171-BE2F-4870-B578-A1E44CC21897}"/>
+              </a:ext>
+            </a:extLst>
+          </p:cNvPr>
+          <p:cNvSpPr txBox="1"/>
+          <p:nvPr/>
+        </p:nvSpPr>
+        <p:spPr>
+          <a:xfrm>
+            <a:off x="4368104" y="4797756"/>
+            <a:ext cx="1081577" cy="307777"/>
+          </a:xfrm>
+          <a:prstGeom prst="rect">
+            <a:avLst/>
+          </a:prstGeom>
+          <a:noFill/>
+        </p:spPr>
         <p:txBody>
-          <a:bodyPr/>
+          <a:bodyPr wrap="square" rtlCol="0">
+            <a:spAutoFit/>
+          </a:bodyPr>
           <a:lstStyle/>
           <a:p>
-            <a:endParaRPr lang="he-IL" dirty="0"/>
+            <a:r>
+              <a:rPr lang="en-US" sz="1400" dirty="0"/>
+              <a:t>Tempo:</a:t>
+            </a:r>
           </a:p>
         </p:txBody>
       </p:sp>
-    </p:spTree>
-    <p:extLst>
-      <p:ext uri="{BB962C8B-B14F-4D97-AF65-F5344CB8AC3E}">
-        <p14:creationId xmlns:p14="http://schemas.microsoft.com/office/powerpoint/2010/main" val="3544669634"/>
-      </p:ext>
-    </p:extLst>
-  </p:cSld>
-  <p:clrMapOvr>
-    <a:masterClrMapping/>
-  </p:clrMapOvr>
-</p:sld>
-</file>
-
-<file path=ppt/slides/slide6.xml><?xml version="1.0" encoding="utf-8"?>
-<p:sld xmlns:a="http://schemas.openxmlformats.org/drawingml/2006/main" xmlns:r="http://schemas.openxmlformats.org/officeDocument/2006/relationships" xmlns:p="http://schemas.openxmlformats.org/presentationml/2006/main">
-  <p:cSld>
-    <p:spTree>
-      <p:nvGrpSpPr>
-        <p:cNvPr id="1" name=""/>
-        <p:cNvGrpSpPr/>
-        <p:nvPr/>
-      </p:nvGrpSpPr>
-      <p:grpSpPr>
-        <a:xfrm>
-          <a:off x="0" y="0"/>
-          <a:ext cx="0" cy="0"/>
-          <a:chOff x="0" y="0"/>
-          <a:chExt cx="0" cy="0"/>
-        </a:xfrm>
-      </p:grpSpPr>
-      <p:sp>
-        <p:nvSpPr>
-          <p:cNvPr id="2" name="Title 1"/>
-          <p:cNvSpPr>
-            <a:spLocks noGrp="1"/>
-          </p:cNvSpPr>
-          <p:nvPr>
-            <p:ph type="title"/>
-          </p:nvPr>
-        </p:nvSpPr>
-        <p:spPr/>
+      <p:sp>
+        <p:nvSpPr>
+          <p:cNvPr id="59" name="TextBox 58">
+            <a:extLst>
+              <a:ext uri="{FF2B5EF4-FFF2-40B4-BE49-F238E27FC236}">
+                <a16:creationId xmlns:a16="http://schemas.microsoft.com/office/drawing/2014/main" id="{6FFF3EDE-815D-4D20-8129-69B2F25A759A}"/>
+              </a:ext>
+            </a:extLst>
+          </p:cNvPr>
+          <p:cNvSpPr txBox="1"/>
+          <p:nvPr/>
+        </p:nvSpPr>
+        <p:spPr>
+          <a:xfrm>
+            <a:off x="4368104" y="5427354"/>
+            <a:ext cx="1172084" cy="307777"/>
+          </a:xfrm>
+          <a:prstGeom prst="rect">
+            <a:avLst/>
+          </a:prstGeom>
+          <a:noFill/>
+        </p:spPr>
         <p:txBody>
-          <a:bodyPr/>
+          <a:bodyPr wrap="square" rtlCol="0">
+            <a:spAutoFit/>
+          </a:bodyPr>
           <a:lstStyle/>
           <a:p>
             <a:r>
-              <a:rPr lang="en-US" dirty="0"/>
-              <a:t>UI scheme</a:t>
-            </a:r>
-            <a:endParaRPr lang="he-IL" dirty="0"/>
+              <a:rPr lang="en-US" sz="1400" dirty="0"/>
+              <a:t>Instrument:</a:t>
+            </a:r>
           </a:p>
         </p:txBody>
       </p:sp>
-      <p:sp>
-        <p:nvSpPr>
-          <p:cNvPr id="3" name="Content Placeholder 2"/>
-          <p:cNvSpPr>
-            <a:spLocks noGrp="1"/>
-          </p:cNvSpPr>
-          <p:nvPr>
-            <p:ph idx="1"/>
-          </p:nvPr>
-        </p:nvSpPr>
-        <p:spPr/>
+      <p:grpSp>
+        <p:nvGrpSpPr>
+          <p:cNvPr id="60" name="PositionControl">
+            <a:extLst>
+              <a:ext uri="{FF2B5EF4-FFF2-40B4-BE49-F238E27FC236}">
+                <a16:creationId xmlns:a16="http://schemas.microsoft.com/office/drawing/2014/main" id="{3C4FB631-191A-41BE-9627-1F713F6E9291}"/>
+              </a:ext>
+            </a:extLst>
+          </p:cNvPr>
+          <p:cNvGrpSpPr/>
+          <p:nvPr>
+            <p:custDataLst>
+              <p:custData r:id="rId7"/>
+            </p:custDataLst>
+          </p:nvPr>
+        </p:nvGrpSpPr>
+        <p:grpSpPr>
+          <a:xfrm>
+            <a:off x="5540188" y="5174925"/>
+            <a:ext cx="1837678" cy="81937"/>
+            <a:chOff x="3248025" y="3538537"/>
+            <a:chExt cx="2952750" cy="85725"/>
+          </a:xfrm>
+        </p:grpSpPr>
+        <p:sp>
+          <p:nvSpPr>
+            <p:cNvPr id="61" name="Bar">
+              <a:extLst>
+                <a:ext uri="{FF2B5EF4-FFF2-40B4-BE49-F238E27FC236}">
+                  <a16:creationId xmlns:a16="http://schemas.microsoft.com/office/drawing/2014/main" id="{6E1FD9F2-C263-4A4C-940A-E879FDEA0D89}"/>
+                </a:ext>
+              </a:extLst>
+            </p:cNvPr>
+            <p:cNvSpPr/>
+            <p:nvPr/>
+          </p:nvSpPr>
+          <p:spPr>
+            <a:xfrm>
+              <a:off x="3248025" y="3564225"/>
+              <a:ext cx="2952750" cy="34350"/>
+            </a:xfrm>
+            <a:prstGeom prst="rect">
+              <a:avLst/>
+            </a:prstGeom>
+            <a:solidFill>
+              <a:srgbClr val="FFFFFF">
+                <a:lumMod val="85000"/>
+              </a:srgbClr>
+            </a:solidFill>
+            <a:ln w="3175" cap="flat" cmpd="sng" algn="ctr">
+              <a:solidFill>
+                <a:srgbClr val="FFFFFF">
+                  <a:lumMod val="50000"/>
+                </a:srgbClr>
+              </a:solidFill>
+              <a:prstDash val="solid"/>
+            </a:ln>
+            <a:effectLst/>
+          </p:spPr>
+          <p:txBody>
+            <a:bodyPr rot="0" spcFirstLastPara="0" vert="horz" wrap="square" lIns="45720" tIns="45720" rIns="91440" bIns="45720" numCol="1" spcCol="0" rtlCol="0" fromWordArt="0" anchor="ctr" anchorCtr="0" forceAA="0" compatLnSpc="1">
+              <a:prstTxWarp prst="textNoShape">
+                <a:avLst/>
+              </a:prstTxWarp>
+              <a:noAutofit/>
+            </a:bodyPr>
+            <a:lstStyle>
+              <a:defPPr>
+                <a:defRPr lang="en-US"/>
+              </a:defPPr>
+              <a:lvl1pPr marL="0" algn="l" defTabSz="914400" rtl="0" eaLnBrk="1" latinLnBrk="0" hangingPunct="1">
+                <a:defRPr sz="1800" kern="1200">
+                  <a:solidFill>
+                    <a:srgbClr val="000000"/>
+                  </a:solidFill>
+                  <a:latin typeface="+mn-lt"/>
+                  <a:ea typeface="+mn-ea"/>
+                  <a:cs typeface="+mn-cs"/>
+                </a:defRPr>
+              </a:lvl1pPr>
+              <a:lvl2pPr marL="457200" algn="l" defTabSz="914400" rtl="0" eaLnBrk="1" latinLnBrk="0" hangingPunct="1">
+                <a:defRPr sz="1800" kern="1200">
+                  <a:solidFill>
+                    <a:srgbClr val="000000"/>
+                  </a:solidFill>
+                  <a:latin typeface="+mn-lt"/>
+                  <a:ea typeface="+mn-ea"/>
+                  <a:cs typeface="+mn-cs"/>
+                </a:defRPr>
+              </a:lvl2pPr>
+              <a:lvl3pPr marL="914400" algn="l" defTabSz="914400" rtl="0" eaLnBrk="1" latinLnBrk="0" hangingPunct="1">
+                <a:defRPr sz="1800" kern="1200">
+                  <a:solidFill>
+                    <a:srgbClr val="000000"/>
+                  </a:solidFill>
+                  <a:latin typeface="+mn-lt"/>
+                  <a:ea typeface="+mn-ea"/>
+                  <a:cs typeface="+mn-cs"/>
+                </a:defRPr>
+              </a:lvl3pPr>
+              <a:lvl4pPr marL="1371600" algn="l" defTabSz="914400" rtl="0" eaLnBrk="1" latinLnBrk="0" hangingPunct="1">
+                <a:defRPr sz="1800" kern="1200">
+                  <a:solidFill>
+                    <a:srgbClr val="000000"/>
+                  </a:solidFill>
+                  <a:latin typeface="+mn-lt"/>
+                  <a:ea typeface="+mn-ea"/>
+                  <a:cs typeface="+mn-cs"/>
+                </a:defRPr>
+              </a:lvl4pPr>
+              <a:lvl5pPr marL="1828800" algn="l" defTabSz="914400" rtl="0" eaLnBrk="1" latinLnBrk="0" hangingPunct="1">
+                <a:defRPr sz="1800" kern="1200">
+                  <a:solidFill>
+                    <a:srgbClr val="000000"/>
+                  </a:solidFill>
+                  <a:latin typeface="+mn-lt"/>
+                  <a:ea typeface="+mn-ea"/>
+                  <a:cs typeface="+mn-cs"/>
+                </a:defRPr>
+              </a:lvl5pPr>
+              <a:lvl6pPr marL="2286000" algn="l" defTabSz="914400" rtl="0" eaLnBrk="1" latinLnBrk="0" hangingPunct="1">
+                <a:defRPr sz="1800" kern="1200">
+                  <a:solidFill>
+                    <a:srgbClr val="000000"/>
+                  </a:solidFill>
+                  <a:latin typeface="+mn-lt"/>
+                  <a:ea typeface="+mn-ea"/>
+                  <a:cs typeface="+mn-cs"/>
+                </a:defRPr>
+              </a:lvl6pPr>
+              <a:lvl7pPr marL="2743200" algn="l" defTabSz="914400" rtl="0" eaLnBrk="1" latinLnBrk="0" hangingPunct="1">
+                <a:defRPr sz="1800" kern="1200">
+                  <a:solidFill>
+                    <a:srgbClr val="000000"/>
+                  </a:solidFill>
+                  <a:latin typeface="+mn-lt"/>
+                  <a:ea typeface="+mn-ea"/>
+                  <a:cs typeface="+mn-cs"/>
+                </a:defRPr>
+              </a:lvl7pPr>
+              <a:lvl8pPr marL="3200400" algn="l" defTabSz="914400" rtl="0" eaLnBrk="1" latinLnBrk="0" hangingPunct="1">
+                <a:defRPr sz="1800" kern="1200">
+                  <a:solidFill>
+                    <a:srgbClr val="000000"/>
+                  </a:solidFill>
+                  <a:latin typeface="+mn-lt"/>
+                  <a:ea typeface="+mn-ea"/>
+                  <a:cs typeface="+mn-cs"/>
+                </a:defRPr>
+              </a:lvl8pPr>
+              <a:lvl9pPr marL="3657600" algn="l" defTabSz="914400" rtl="0" eaLnBrk="1" latinLnBrk="0" hangingPunct="1">
+                <a:defRPr sz="1800" kern="1200">
+                  <a:solidFill>
+                    <a:srgbClr val="000000"/>
+                  </a:solidFill>
+                  <a:latin typeface="+mn-lt"/>
+                  <a:ea typeface="+mn-ea"/>
+                  <a:cs typeface="+mn-cs"/>
+                </a:defRPr>
+              </a:lvl9pPr>
+            </a:lstStyle>
+            <a:p>
+              <a:pPr marL="0" marR="0" indent="0" algn="ctr" defTabSz="914400" eaLnBrk="1" fontAlgn="auto" latinLnBrk="0" hangingPunct="1">
+                <a:lnSpc>
+                  <a:spcPct val="100000"/>
+                </a:lnSpc>
+                <a:spcBef>
+                  <a:spcPts val="0"/>
+                </a:spcBef>
+                <a:spcAft>
+                  <a:spcPts val="0"/>
+                </a:spcAft>
+                <a:buClrTx/>
+                <a:buSzTx/>
+                <a:buFontTx/>
+                <a:buNone/>
+                <a:tabLst/>
+              </a:pPr>
+              <a:endParaRPr kumimoji="0" lang="en-US" sz="800" b="0" i="0" u="none" strike="noStrike" kern="0" cap="none" spc="0" normalizeH="0" baseline="0" noProof="0" dirty="0">
+                <a:ln>
+                  <a:noFill/>
+                </a:ln>
+                <a:solidFill>
+                  <a:srgbClr val="000000">
+                    <a:lumMod val="75000"/>
+                    <a:lumOff val="25000"/>
+                  </a:srgbClr>
+                </a:solidFill>
+                <a:effectLst/>
+                <a:uLnTx/>
+                <a:uFillTx/>
+                <a:latin typeface="Segoe UI"/>
+                <a:ea typeface="+mn-ea"/>
+                <a:cs typeface="+mn-cs"/>
+              </a:endParaRPr>
+            </a:p>
+          </p:txBody>
+        </p:sp>
+        <p:sp>
+          <p:nvSpPr>
+            <p:cNvPr id="62" name="Slider">
+              <a:extLst>
+                <a:ext uri="{FF2B5EF4-FFF2-40B4-BE49-F238E27FC236}">
+                  <a16:creationId xmlns:a16="http://schemas.microsoft.com/office/drawing/2014/main" id="{988BB23C-68FD-488A-B44C-E8C74BBD19E0}"/>
+                </a:ext>
+              </a:extLst>
+            </p:cNvPr>
+            <p:cNvSpPr/>
+            <p:nvPr/>
+          </p:nvSpPr>
+          <p:spPr>
+            <a:xfrm>
+              <a:off x="3937000" y="3538537"/>
+              <a:ext cx="85725" cy="85725"/>
+            </a:xfrm>
+            <a:prstGeom prst="ellipse">
+              <a:avLst/>
+            </a:prstGeom>
+            <a:solidFill>
+              <a:sysClr val="window" lastClr="FFFFFF"/>
+            </a:solidFill>
+            <a:ln w="3175" cap="flat" cmpd="sng" algn="ctr">
+              <a:solidFill>
+                <a:srgbClr val="000000"/>
+              </a:solidFill>
+              <a:prstDash val="solid"/>
+            </a:ln>
+            <a:effectLst/>
+          </p:spPr>
+          <p:txBody>
+            <a:bodyPr rot="0" spcFirstLastPara="0" vert="horz" wrap="square" lIns="45720" tIns="45720" rIns="91440" bIns="45720" numCol="1" spcCol="0" rtlCol="0" fromWordArt="0" anchor="ctr" anchorCtr="0" forceAA="0" compatLnSpc="1">
+              <a:prstTxWarp prst="textNoShape">
+                <a:avLst/>
+              </a:prstTxWarp>
+              <a:noAutofit/>
+            </a:bodyPr>
+            <a:lstStyle>
+              <a:defPPr>
+                <a:defRPr lang="en-US"/>
+              </a:defPPr>
+              <a:lvl1pPr marL="0" algn="l" defTabSz="914400" rtl="0" eaLnBrk="1" latinLnBrk="0" hangingPunct="1">
+                <a:defRPr sz="1800" kern="1200">
+                  <a:solidFill>
+                    <a:srgbClr val="000000"/>
+                  </a:solidFill>
+                  <a:latin typeface="+mn-lt"/>
+                  <a:ea typeface="+mn-ea"/>
+                  <a:cs typeface="+mn-cs"/>
+                </a:defRPr>
+              </a:lvl1pPr>
+              <a:lvl2pPr marL="457200" algn="l" defTabSz="914400" rtl="0" eaLnBrk="1" latinLnBrk="0" hangingPunct="1">
+                <a:defRPr sz="1800" kern="1200">
+                  <a:solidFill>
+                    <a:srgbClr val="000000"/>
+                  </a:solidFill>
+                  <a:latin typeface="+mn-lt"/>
+                  <a:ea typeface="+mn-ea"/>
+                  <a:cs typeface="+mn-cs"/>
+                </a:defRPr>
+              </a:lvl2pPr>
+              <a:lvl3pPr marL="914400" algn="l" defTabSz="914400" rtl="0" eaLnBrk="1" latinLnBrk="0" hangingPunct="1">
+                <a:defRPr sz="1800" kern="1200">
+                  <a:solidFill>
+                    <a:srgbClr val="000000"/>
+                  </a:solidFill>
+                  <a:latin typeface="+mn-lt"/>
+                  <a:ea typeface="+mn-ea"/>
+                  <a:cs typeface="+mn-cs"/>
+                </a:defRPr>
+              </a:lvl3pPr>
+              <a:lvl4pPr marL="1371600" algn="l" defTabSz="914400" rtl="0" eaLnBrk="1" latinLnBrk="0" hangingPunct="1">
+                <a:defRPr sz="1800" kern="1200">
+                  <a:solidFill>
+                    <a:srgbClr val="000000"/>
+                  </a:solidFill>
+                  <a:latin typeface="+mn-lt"/>
+                  <a:ea typeface="+mn-ea"/>
+                  <a:cs typeface="+mn-cs"/>
+                </a:defRPr>
+              </a:lvl4pPr>
+              <a:lvl5pPr marL="1828800" algn="l" defTabSz="914400" rtl="0" eaLnBrk="1" latinLnBrk="0" hangingPunct="1">
+                <a:defRPr sz="1800" kern="1200">
+                  <a:solidFill>
+                    <a:srgbClr val="000000"/>
+                  </a:solidFill>
+                  <a:latin typeface="+mn-lt"/>
+                  <a:ea typeface="+mn-ea"/>
+                  <a:cs typeface="+mn-cs"/>
+                </a:defRPr>
+              </a:lvl5pPr>
+              <a:lvl6pPr marL="2286000" algn="l" defTabSz="914400" rtl="0" eaLnBrk="1" latinLnBrk="0" hangingPunct="1">
+                <a:defRPr sz="1800" kern="1200">
+                  <a:solidFill>
+                    <a:srgbClr val="000000"/>
+                  </a:solidFill>
+                  <a:latin typeface="+mn-lt"/>
+                  <a:ea typeface="+mn-ea"/>
+                  <a:cs typeface="+mn-cs"/>
+                </a:defRPr>
+              </a:lvl6pPr>
+              <a:lvl7pPr marL="2743200" algn="l" defTabSz="914400" rtl="0" eaLnBrk="1" latinLnBrk="0" hangingPunct="1">
+                <a:defRPr sz="1800" kern="1200">
+                  <a:solidFill>
+                    <a:srgbClr val="000000"/>
+                  </a:solidFill>
+                  <a:latin typeface="+mn-lt"/>
+                  <a:ea typeface="+mn-ea"/>
+                  <a:cs typeface="+mn-cs"/>
+                </a:defRPr>
+              </a:lvl7pPr>
+              <a:lvl8pPr marL="3200400" algn="l" defTabSz="914400" rtl="0" eaLnBrk="1" latinLnBrk="0" hangingPunct="1">
+                <a:defRPr sz="1800" kern="1200">
+                  <a:solidFill>
+                    <a:srgbClr val="000000"/>
+                  </a:solidFill>
+                  <a:latin typeface="+mn-lt"/>
+                  <a:ea typeface="+mn-ea"/>
+                  <a:cs typeface="+mn-cs"/>
+                </a:defRPr>
+              </a:lvl8pPr>
+              <a:lvl9pPr marL="3657600" algn="l" defTabSz="914400" rtl="0" eaLnBrk="1" latinLnBrk="0" hangingPunct="1">
+                <a:defRPr sz="1800" kern="1200">
+                  <a:solidFill>
+                    <a:srgbClr val="000000"/>
+                  </a:solidFill>
+                  <a:latin typeface="+mn-lt"/>
+                  <a:ea typeface="+mn-ea"/>
+                  <a:cs typeface="+mn-cs"/>
+                </a:defRPr>
+              </a:lvl9pPr>
+            </a:lstStyle>
+            <a:p>
+              <a:pPr marL="0" marR="0" indent="0" algn="ctr" defTabSz="914400" eaLnBrk="1" fontAlgn="auto" latinLnBrk="0" hangingPunct="1">
+                <a:lnSpc>
+                  <a:spcPct val="100000"/>
+                </a:lnSpc>
+                <a:spcBef>
+                  <a:spcPts val="0"/>
+                </a:spcBef>
+                <a:spcAft>
+                  <a:spcPts val="0"/>
+                </a:spcAft>
+                <a:buClrTx/>
+                <a:buSzTx/>
+                <a:buFontTx/>
+                <a:buNone/>
+                <a:tabLst/>
+              </a:pPr>
+              <a:endParaRPr kumimoji="0" lang="en-US" sz="800" b="0" i="0" u="none" strike="noStrike" kern="0" cap="none" spc="0" normalizeH="0" baseline="0" noProof="0" dirty="0">
+                <a:ln>
+                  <a:noFill/>
+                </a:ln>
+                <a:solidFill>
+                  <a:srgbClr val="000000">
+                    <a:lumMod val="75000"/>
+                    <a:lumOff val="25000"/>
+                  </a:srgbClr>
+                </a:solidFill>
+                <a:effectLst/>
+                <a:uLnTx/>
+                <a:uFillTx/>
+                <a:latin typeface="Segoe UI"/>
+                <a:ea typeface="+mn-ea"/>
+                <a:cs typeface="+mn-cs"/>
+              </a:endParaRPr>
+            </a:p>
+          </p:txBody>
+        </p:sp>
+      </p:grpSp>
+      <p:sp>
+        <p:nvSpPr>
+          <p:cNvPr id="63" name="TextBox 62">
+            <a:extLst>
+              <a:ext uri="{FF2B5EF4-FFF2-40B4-BE49-F238E27FC236}">
+                <a16:creationId xmlns:a16="http://schemas.microsoft.com/office/drawing/2014/main" id="{419039B3-BEB9-479E-AFB3-1A1ECAF3A206}"/>
+              </a:ext>
+            </a:extLst>
+          </p:cNvPr>
+          <p:cNvSpPr txBox="1"/>
+          <p:nvPr/>
+        </p:nvSpPr>
+        <p:spPr>
+          <a:xfrm>
+            <a:off x="4375199" y="5080340"/>
+            <a:ext cx="1081577" cy="307777"/>
+          </a:xfrm>
+          <a:prstGeom prst="rect">
+            <a:avLst/>
+          </a:prstGeom>
+          <a:noFill/>
+        </p:spPr>
         <p:txBody>
-          <a:bodyPr/>
+          <a:bodyPr wrap="square" rtlCol="0">
+            <a:spAutoFit/>
+          </a:bodyPr>
           <a:lstStyle/>
           <a:p>
-            <a:endParaRPr lang="he-IL"/>
+            <a:r>
+              <a:rPr lang="en-US" sz="1400" dirty="0"/>
+              <a:t>Amp:</a:t>
+            </a:r>
+          </a:p>
+        </p:txBody>
+      </p:sp>
+      <p:sp>
+        <p:nvSpPr>
+          <p:cNvPr id="81" name="Content">
+            <a:extLst>
+              <a:ext uri="{FF2B5EF4-FFF2-40B4-BE49-F238E27FC236}">
+                <a16:creationId xmlns:a16="http://schemas.microsoft.com/office/drawing/2014/main" id="{D587E4DE-63D8-470A-B1FE-CAA080E325AE}"/>
+              </a:ext>
+            </a:extLst>
+          </p:cNvPr>
+          <p:cNvSpPr/>
+          <p:nvPr>
+            <p:custDataLst>
+              <p:custData r:id="rId8"/>
+            </p:custDataLst>
+          </p:nvPr>
+        </p:nvSpPr>
+        <p:spPr>
+          <a:xfrm>
+            <a:off x="4692938" y="5774368"/>
+            <a:ext cx="865386" cy="422142"/>
+          </a:xfrm>
+          <a:prstGeom prst="roundRect">
+            <a:avLst/>
+          </a:prstGeom>
+          <a:solidFill>
+            <a:srgbClr val="FFFFFF">
+              <a:lumMod val="95000"/>
+            </a:srgbClr>
+          </a:solidFill>
+          <a:ln w="3175">
+            <a:solidFill>
+              <a:srgbClr val="000000">
+                <a:lumMod val="50000"/>
+                <a:lumOff val="50000"/>
+              </a:srgbClr>
+            </a:solidFill>
+          </a:ln>
+          <a:effectLst/>
+        </p:spPr>
+        <p:style>
+          <a:lnRef idx="2">
+            <a:srgbClr val="4F81BD">
+              <a:shade val="50000"/>
+            </a:srgbClr>
+          </a:lnRef>
+          <a:fillRef idx="1">
+            <a:srgbClr val="4F81BD"/>
+          </a:fillRef>
+          <a:effectRef idx="0">
+            <a:srgbClr val="4F81BD"/>
+          </a:effectRef>
+          <a:fontRef idx="minor">
+            <a:srgbClr val="000000"/>
+          </a:fontRef>
+        </p:style>
+        <p:txBody>
+          <a:bodyPr wrap="square" lIns="91440" tIns="0" rIns="91440" bIns="9144" rtlCol="0" anchor="ctr">
+            <a:noAutofit/>
+          </a:bodyPr>
+          <a:lstStyle/>
+          <a:p>
+            <a:r>
+              <a:rPr lang="en-US" sz="1200" dirty="0">
+                <a:solidFill>
+                  <a:srgbClr val="000000"/>
+                </a:solidFill>
+                <a:latin typeface="Segoe UI" pitchFamily="34" charset="0"/>
+                <a:cs typeface="Segoe UI" pitchFamily="34" charset="0"/>
+              </a:rPr>
+              <a:t>Play</a:t>
+            </a:r>
+          </a:p>
+        </p:txBody>
+      </p:sp>
+      <p:pic>
+        <p:nvPicPr>
+          <p:cNvPr id="83" name="Picture 82">
+            <a:extLst>
+              <a:ext uri="{FF2B5EF4-FFF2-40B4-BE49-F238E27FC236}">
+                <a16:creationId xmlns:a16="http://schemas.microsoft.com/office/drawing/2014/main" id="{724C6D35-CD7C-4B5B-8D90-D94E54ADA8EC}"/>
+              </a:ext>
+            </a:extLst>
+          </p:cNvPr>
+          <p:cNvPicPr>
+            <a:picLocks noChangeAspect="1"/>
+          </p:cNvPicPr>
+          <p:nvPr/>
+        </p:nvPicPr>
+        <p:blipFill>
+          <a:blip r:embed="rId15">
+            <a:extLst>
+              <a:ext uri="{28A0092B-C50C-407E-A947-70E740481C1C}">
+                <a14:useLocalDpi xmlns:a14="http://schemas.microsoft.com/office/drawing/2010/main" val="0"/>
+              </a:ext>
+            </a:extLst>
+          </a:blip>
+          <a:stretch>
+            <a:fillRect/>
+          </a:stretch>
+        </p:blipFill>
+        <p:spPr>
+          <a:xfrm>
+            <a:off x="5136201" y="5814379"/>
+            <a:ext cx="352066" cy="352066"/>
+          </a:xfrm>
+          <a:prstGeom prst="rect">
+            <a:avLst/>
+          </a:prstGeom>
+        </p:spPr>
+      </p:pic>
+      <p:sp>
+        <p:nvSpPr>
+          <p:cNvPr id="84" name="Content">
+            <a:extLst>
+              <a:ext uri="{FF2B5EF4-FFF2-40B4-BE49-F238E27FC236}">
+                <a16:creationId xmlns:a16="http://schemas.microsoft.com/office/drawing/2014/main" id="{D809DD8D-1A6D-46F7-9931-CBECD3DEC423}"/>
+              </a:ext>
+            </a:extLst>
+          </p:cNvPr>
+          <p:cNvSpPr/>
+          <p:nvPr>
+            <p:custDataLst>
+              <p:custData r:id="rId9"/>
+            </p:custDataLst>
+          </p:nvPr>
+        </p:nvSpPr>
+        <p:spPr>
+          <a:xfrm>
+            <a:off x="5671429" y="5774367"/>
+            <a:ext cx="1546955" cy="422141"/>
+          </a:xfrm>
+          <a:prstGeom prst="roundRect">
+            <a:avLst/>
+          </a:prstGeom>
+          <a:solidFill>
+            <a:srgbClr val="FFFFFF">
+              <a:lumMod val="95000"/>
+            </a:srgbClr>
+          </a:solidFill>
+          <a:ln w="3175">
+            <a:solidFill>
+              <a:srgbClr val="000000">
+                <a:lumMod val="50000"/>
+                <a:lumOff val="50000"/>
+              </a:srgbClr>
+            </a:solidFill>
+          </a:ln>
+          <a:effectLst/>
+        </p:spPr>
+        <p:style>
+          <a:lnRef idx="2">
+            <a:srgbClr val="4F81BD">
+              <a:shade val="50000"/>
+            </a:srgbClr>
+          </a:lnRef>
+          <a:fillRef idx="1">
+            <a:srgbClr val="4F81BD"/>
+          </a:fillRef>
+          <a:effectRef idx="0">
+            <a:srgbClr val="4F81BD"/>
+          </a:effectRef>
+          <a:fontRef idx="minor">
+            <a:srgbClr val="000000"/>
+          </a:fontRef>
+        </p:style>
+        <p:txBody>
+          <a:bodyPr wrap="square" lIns="91440" tIns="0" rIns="91440" bIns="9144" rtlCol="0" anchor="ctr">
+            <a:noAutofit/>
+          </a:bodyPr>
+          <a:lstStyle/>
+          <a:p>
+            <a:pPr algn="ctr"/>
+            <a:r>
+              <a:rPr lang="en-US" sz="1200" dirty="0">
+                <a:solidFill>
+                  <a:srgbClr val="000000"/>
+                </a:solidFill>
+                <a:latin typeface="Segoe UI" pitchFamily="34" charset="0"/>
+                <a:cs typeface="Segoe UI" pitchFamily="34" charset="0"/>
+              </a:rPr>
+              <a:t>See sounds list</a:t>
+            </a:r>
           </a:p>
         </p:txBody>
       </p:sp>
@@ -5953,4 +8620,144 @@
     </a:ext>
   </a:extLst>
 </a:theme>
+</file>
+
+<file path=customXml/item1.xml><?xml version="1.0" encoding="utf-8"?>
+<Control xmlns="http://schemas.microsoft.com/VisualStudio/2011/storyboarding/control">
+  <Id Name="System.Storyboarding.Backgrounds.Window" Revision="1" Stencil="System.Storyboarding.Backgrounds" StencilVersion="0.1"/>
+</Control>
+</file>
+
+<file path=customXml/item10.xml><?xml version="1.0" encoding="utf-8"?>
+<Control xmlns="http://schemas.microsoft.com/VisualStudio/2011/storyboarding/control">
+  <Id Name="System.Storyboarding.Common.Button" Revision="1" Stencil="System.Storyboarding.Common" StencilVersion="0.1"/>
+</Control>
+</file>
+
+<file path=customXml/item2.xml><?xml version="1.0" encoding="utf-8"?>
+<Control xmlns="http://schemas.microsoft.com/VisualStudio/2011/storyboarding/control">
+  <Id Name="System.Storyboarding.Media.PositionControl" Revision="1" Stencil="System.Storyboarding.Media" StencilVersion="0.1"/>
+</Control>
+</file>
+
+<file path=customXml/item3.xml><?xml version="1.0" encoding="utf-8"?>
+<Control xmlns="http://schemas.microsoft.com/VisualStudio/2011/storyboarding/control">
+  <Id Name="System.Storyboarding.WindowsDesktop.FileMenu" Revision="1" Stencil="System.Storyboarding.WindowsDesktop" StencilVersion="0.1"/>
+</Control>
+</file>
+
+<file path=customXml/item4.xml><?xml version="1.0" encoding="utf-8"?>
+<Control xmlns="http://schemas.microsoft.com/VisualStudio/2011/storyboarding/control">
+  <Id Name="System.Storyboarding.WindowsDesktop.MenuBar" Revision="1" Stencil="System.Storyboarding.WindowsDesktop" StencilVersion="0.1"/>
+</Control>
+</file>
+
+<file path=customXml/item5.xml><?xml version="1.0" encoding="utf-8"?>
+<Control xmlns="http://schemas.microsoft.com/VisualStudio/2011/storyboarding/control">
+  <Id Name="2af01176-85ee-4929-8d41-a331980c979e" RevisionId="be170569-95d9-41cc-85ac-d2bbd0fbf029" Stencil="172d6d98-e5c9-42e9-a209-79f7a94bbd38" StencilRevisionId="00000000-0000-0000-0000-000000000000" StencilVersion="0.0"/>
+</Control>
+</file>
+
+<file path=customXml/item6.xml><?xml version="1.0" encoding="utf-8"?>
+<Control xmlns="http://schemas.microsoft.com/VisualStudio/2011/storyboarding/control">
+  <Id Name="System.Storyboarding.WindowsApps.WindowsAppsComboBox" Revision="1" Stencil="System.Storyboarding.WindowsApps" StencilVersion="0.1"/>
+</Control>
+</file>
+
+<file path=customXml/item7.xml><?xml version="1.0" encoding="utf-8"?>
+<Control xmlns="http://schemas.microsoft.com/VisualStudio/2011/storyboarding/control">
+  <Id Name="System.Storyboarding.Media.PositionControl" Revision="1" Stencil="System.Storyboarding.Media" StencilVersion="0.1"/>
+</Control>
+</file>
+
+<file path=customXml/item8.xml><?xml version="1.0" encoding="utf-8"?>
+<Control xmlns="http://schemas.microsoft.com/VisualStudio/2011/storyboarding/control">
+  <Id Name="System.Storyboarding.Media.PlayControls" Revision="1" Stencil="System.Storyboarding.Media" StencilVersion="0.1"/>
+</Control>
+</file>
+
+<file path=customXml/item9.xml><?xml version="1.0" encoding="utf-8"?>
+<Control xmlns="http://schemas.microsoft.com/VisualStudio/2011/storyboarding/control">
+  <Id Name="System.Storyboarding.Common.Button" Revision="1" Stencil="System.Storyboarding.Common" StencilVersion="0.1"/>
+</Control>
+</file>
+
+<file path=customXml/itemProps1.xml><?xml version="1.0" encoding="utf-8"?>
+<ds:datastoreItem xmlns:ds="http://schemas.openxmlformats.org/officeDocument/2006/customXml" ds:itemID="{1CFF9BDE-17DF-400C-B375-B4A0FA77CED1}">
+  <ds:schemaRefs>
+    <ds:schemaRef ds:uri="http://schemas.microsoft.com/VisualStudio/2011/storyboarding/control"/>
+  </ds:schemaRefs>
+</ds:datastoreItem>
+</file>
+
+<file path=customXml/itemProps10.xml><?xml version="1.0" encoding="utf-8"?>
+<ds:datastoreItem xmlns:ds="http://schemas.openxmlformats.org/officeDocument/2006/customXml" ds:itemID="{7DAE3BE4-E70D-4EC8-B1B0-025C686D4E8B}">
+  <ds:schemaRefs>
+    <ds:schemaRef ds:uri="http://schemas.microsoft.com/VisualStudio/2011/storyboarding/control"/>
+  </ds:schemaRefs>
+</ds:datastoreItem>
+</file>
+
+<file path=customXml/itemProps2.xml><?xml version="1.0" encoding="utf-8"?>
+<ds:datastoreItem xmlns:ds="http://schemas.openxmlformats.org/officeDocument/2006/customXml" ds:itemID="{CCE8FDCA-BCE1-4F92-85E3-F157F9680E4B}">
+  <ds:schemaRefs>
+    <ds:schemaRef ds:uri="http://schemas.microsoft.com/VisualStudio/2011/storyboarding/control"/>
+  </ds:schemaRefs>
+</ds:datastoreItem>
+</file>
+
+<file path=customXml/itemProps3.xml><?xml version="1.0" encoding="utf-8"?>
+<ds:datastoreItem xmlns:ds="http://schemas.openxmlformats.org/officeDocument/2006/customXml" ds:itemID="{92FDC7DD-9509-4D67-A928-89B67BCA0762}">
+  <ds:schemaRefs>
+    <ds:schemaRef ds:uri="http://schemas.microsoft.com/VisualStudio/2011/storyboarding/control"/>
+  </ds:schemaRefs>
+</ds:datastoreItem>
+</file>
+
+<file path=customXml/itemProps4.xml><?xml version="1.0" encoding="utf-8"?>
+<ds:datastoreItem xmlns:ds="http://schemas.openxmlformats.org/officeDocument/2006/customXml" ds:itemID="{745B0F45-DD12-4898-907B-B42806A386D4}">
+  <ds:schemaRefs>
+    <ds:schemaRef ds:uri="http://schemas.microsoft.com/VisualStudio/2011/storyboarding/control"/>
+  </ds:schemaRefs>
+</ds:datastoreItem>
+</file>
+
+<file path=customXml/itemProps5.xml><?xml version="1.0" encoding="utf-8"?>
+<ds:datastoreItem xmlns:ds="http://schemas.openxmlformats.org/officeDocument/2006/customXml" ds:itemID="{AF0A1625-DDA8-4A57-9128-70B7F3EF17BA}">
+  <ds:schemaRefs>
+    <ds:schemaRef ds:uri="http://schemas.microsoft.com/VisualStudio/2011/storyboarding/control"/>
+  </ds:schemaRefs>
+</ds:datastoreItem>
+</file>
+
+<file path=customXml/itemProps6.xml><?xml version="1.0" encoding="utf-8"?>
+<ds:datastoreItem xmlns:ds="http://schemas.openxmlformats.org/officeDocument/2006/customXml" ds:itemID="{4023B281-42FC-48B4-9CD9-B146A36C7031}">
+  <ds:schemaRefs>
+    <ds:schemaRef ds:uri="http://schemas.microsoft.com/VisualStudio/2011/storyboarding/control"/>
+  </ds:schemaRefs>
+</ds:datastoreItem>
+</file>
+
+<file path=customXml/itemProps7.xml><?xml version="1.0" encoding="utf-8"?>
+<ds:datastoreItem xmlns:ds="http://schemas.openxmlformats.org/officeDocument/2006/customXml" ds:itemID="{66C3DE21-D17B-4F5D-9A9A-2F4A395270C7}">
+  <ds:schemaRefs>
+    <ds:schemaRef ds:uri="http://schemas.microsoft.com/VisualStudio/2011/storyboarding/control"/>
+  </ds:schemaRefs>
+</ds:datastoreItem>
+</file>
+
+<file path=customXml/itemProps8.xml><?xml version="1.0" encoding="utf-8"?>
+<ds:datastoreItem xmlns:ds="http://schemas.openxmlformats.org/officeDocument/2006/customXml" ds:itemID="{4F54986E-4D22-44CD-9EBC-CE10EA30188D}">
+  <ds:schemaRefs>
+    <ds:schemaRef ds:uri="http://schemas.microsoft.com/VisualStudio/2011/storyboarding/control"/>
+  </ds:schemaRefs>
+</ds:datastoreItem>
+</file>
+
+<file path=customXml/itemProps9.xml><?xml version="1.0" encoding="utf-8"?>
+<ds:datastoreItem xmlns:ds="http://schemas.openxmlformats.org/officeDocument/2006/customXml" ds:itemID="{838C5889-261F-4384-9AFA-0B02A900D564}">
+  <ds:schemaRefs>
+    <ds:schemaRef ds:uri="http://schemas.microsoft.com/VisualStudio/2011/storyboarding/control"/>
+  </ds:schemaRefs>
+</ds:datastoreItem>
 </file>
--- a/RGBMusicPresentation - Oran.pptx
+++ b/RGBMusicPresentation - Oran.pptx
@@ -2,17 +2,26 @@
 <file path=ppt/presentation.xml><?xml version="1.0" encoding="utf-8"?>
 <p:presentation xmlns:a="http://schemas.openxmlformats.org/drawingml/2006/main" xmlns:r="http://schemas.openxmlformats.org/officeDocument/2006/relationships" xmlns:p="http://schemas.openxmlformats.org/presentationml/2006/main" saveSubsetFonts="1">
   <p:sldMasterIdLst>
-    <p:sldMasterId id="2147483660" r:id="rId11"/>
+    <p:sldMasterId id="2147483660" r:id="rId10"/>
   </p:sldMasterIdLst>
   <p:notesMasterIdLst>
-    <p:notesMasterId r:id="rId17"/>
+    <p:notesMasterId r:id="rId25"/>
   </p:notesMasterIdLst>
   <p:sldIdLst>
-    <p:sldId id="256" r:id="rId12"/>
-    <p:sldId id="258" r:id="rId13"/>
-    <p:sldId id="268" r:id="rId14"/>
-    <p:sldId id="262" r:id="rId15"/>
-    <p:sldId id="264" r:id="rId16"/>
+    <p:sldId id="269" r:id="rId11"/>
+    <p:sldId id="257" r:id="rId12"/>
+    <p:sldId id="270" r:id="rId13"/>
+    <p:sldId id="271" r:id="rId14"/>
+    <p:sldId id="274" r:id="rId15"/>
+    <p:sldId id="272" r:id="rId16"/>
+    <p:sldId id="260" r:id="rId17"/>
+    <p:sldId id="261" r:id="rId18"/>
+    <p:sldId id="263" r:id="rId19"/>
+    <p:sldId id="268" r:id="rId20"/>
+    <p:sldId id="273" r:id="rId21"/>
+    <p:sldId id="265" r:id="rId22"/>
+    <p:sldId id="259" r:id="rId23"/>
+    <p:sldId id="267" r:id="rId24"/>
   </p:sldIdLst>
   <p:sldSz cx="12192000" cy="6858000"/>
   <p:notesSz cx="6858000" cy="9144000"/>
@@ -542,7 +551,175 @@
     </p:spTree>
     <p:extLst>
       <p:ext uri="{BB962C8B-B14F-4D97-AF65-F5344CB8AC3E}">
-        <p14:creationId xmlns:p14="http://schemas.microsoft.com/office/powerpoint/2010/main" val="153995114"/>
+        <p14:creationId xmlns:p14="http://schemas.microsoft.com/office/powerpoint/2010/main" val="1030645620"/>
+      </p:ext>
+    </p:extLst>
+  </p:cSld>
+  <p:clrMapOvr>
+    <a:masterClrMapping/>
+  </p:clrMapOvr>
+</p:notes>
+</file>
+
+<file path=ppt/notesSlides/notesSlide10.xml><?xml version="1.0" encoding="utf-8"?>
+<p:notes xmlns:a="http://schemas.openxmlformats.org/drawingml/2006/main" xmlns:r="http://schemas.openxmlformats.org/officeDocument/2006/relationships" xmlns:p="http://schemas.openxmlformats.org/presentationml/2006/main">
+  <p:cSld>
+    <p:spTree>
+      <p:nvGrpSpPr>
+        <p:cNvPr id="1" name=""/>
+        <p:cNvGrpSpPr/>
+        <p:nvPr/>
+      </p:nvGrpSpPr>
+      <p:grpSpPr>
+        <a:xfrm>
+          <a:off x="0" y="0"/>
+          <a:ext cx="0" cy="0"/>
+          <a:chOff x="0" y="0"/>
+          <a:chExt cx="0" cy="0"/>
+        </a:xfrm>
+      </p:grpSpPr>
+      <p:sp>
+        <p:nvSpPr>
+          <p:cNvPr id="2" name="Slide Image Placeholder 1"/>
+          <p:cNvSpPr>
+            <a:spLocks noGrp="1" noRot="1" noChangeAspect="1"/>
+          </p:cNvSpPr>
+          <p:nvPr>
+            <p:ph type="sldImg"/>
+          </p:nvPr>
+        </p:nvSpPr>
+        <p:spPr/>
+      </p:sp>
+      <p:sp>
+        <p:nvSpPr>
+          <p:cNvPr id="3" name="Notes Placeholder 2"/>
+          <p:cNvSpPr>
+            <a:spLocks noGrp="1"/>
+          </p:cNvSpPr>
+          <p:nvPr>
+            <p:ph type="body" idx="1"/>
+          </p:nvPr>
+        </p:nvSpPr>
+        <p:spPr/>
+        <p:txBody>
+          <a:bodyPr/>
+          <a:lstStyle/>
+          <a:p>
+            <a:endParaRPr lang="he-IL" dirty="0"/>
+          </a:p>
+        </p:txBody>
+      </p:sp>
+      <p:sp>
+        <p:nvSpPr>
+          <p:cNvPr id="4" name="Slide Number Placeholder 3"/>
+          <p:cNvSpPr>
+            <a:spLocks noGrp="1"/>
+          </p:cNvSpPr>
+          <p:nvPr>
+            <p:ph type="sldNum" sz="quarter" idx="10"/>
+          </p:nvPr>
+        </p:nvSpPr>
+        <p:spPr/>
+        <p:txBody>
+          <a:bodyPr/>
+          <a:lstStyle/>
+          <a:p>
+            <a:fld id="{AA9BED1A-8388-4503-8515-6BC02580799D}" type="slidenum">
+              <a:rPr lang="en-US" smtClean="0"/>
+              <a:t>13</a:t>
+            </a:fld>
+            <a:endParaRPr lang="en-US"/>
+          </a:p>
+        </p:txBody>
+      </p:sp>
+    </p:spTree>
+    <p:extLst>
+      <p:ext uri="{BB962C8B-B14F-4D97-AF65-F5344CB8AC3E}">
+        <p14:creationId xmlns:p14="http://schemas.microsoft.com/office/powerpoint/2010/main" val="4157221038"/>
+      </p:ext>
+    </p:extLst>
+  </p:cSld>
+  <p:clrMapOvr>
+    <a:masterClrMapping/>
+  </p:clrMapOvr>
+</p:notes>
+</file>
+
+<file path=ppt/notesSlides/notesSlide11.xml><?xml version="1.0" encoding="utf-8"?>
+<p:notes xmlns:a="http://schemas.openxmlformats.org/drawingml/2006/main" xmlns:r="http://schemas.openxmlformats.org/officeDocument/2006/relationships" xmlns:p="http://schemas.openxmlformats.org/presentationml/2006/main">
+  <p:cSld>
+    <p:spTree>
+      <p:nvGrpSpPr>
+        <p:cNvPr id="1" name=""/>
+        <p:cNvGrpSpPr/>
+        <p:nvPr/>
+      </p:nvGrpSpPr>
+      <p:grpSpPr>
+        <a:xfrm>
+          <a:off x="0" y="0"/>
+          <a:ext cx="0" cy="0"/>
+          <a:chOff x="0" y="0"/>
+          <a:chExt cx="0" cy="0"/>
+        </a:xfrm>
+      </p:grpSpPr>
+      <p:sp>
+        <p:nvSpPr>
+          <p:cNvPr id="2" name="Slide Image Placeholder 1"/>
+          <p:cNvSpPr>
+            <a:spLocks noGrp="1" noRot="1" noChangeAspect="1"/>
+          </p:cNvSpPr>
+          <p:nvPr>
+            <p:ph type="sldImg"/>
+          </p:nvPr>
+        </p:nvSpPr>
+        <p:spPr/>
+      </p:sp>
+      <p:sp>
+        <p:nvSpPr>
+          <p:cNvPr id="3" name="Notes Placeholder 2"/>
+          <p:cNvSpPr>
+            <a:spLocks noGrp="1"/>
+          </p:cNvSpPr>
+          <p:nvPr>
+            <p:ph type="body" idx="1"/>
+          </p:nvPr>
+        </p:nvSpPr>
+        <p:spPr/>
+        <p:txBody>
+          <a:bodyPr/>
+          <a:lstStyle/>
+          <a:p>
+            <a:endParaRPr lang="he-IL" dirty="0"/>
+          </a:p>
+        </p:txBody>
+      </p:sp>
+      <p:sp>
+        <p:nvSpPr>
+          <p:cNvPr id="4" name="Slide Number Placeholder 3"/>
+          <p:cNvSpPr>
+            <a:spLocks noGrp="1"/>
+          </p:cNvSpPr>
+          <p:nvPr>
+            <p:ph type="sldNum" sz="quarter" idx="10"/>
+          </p:nvPr>
+        </p:nvSpPr>
+        <p:spPr/>
+        <p:txBody>
+          <a:bodyPr/>
+          <a:lstStyle/>
+          <a:p>
+            <a:fld id="{AA9BED1A-8388-4503-8515-6BC02580799D}" type="slidenum">
+              <a:rPr lang="en-US" smtClean="0"/>
+              <a:t>14</a:t>
+            </a:fld>
+            <a:endParaRPr lang="en-US"/>
+          </a:p>
+        </p:txBody>
+      </p:sp>
+    </p:spTree>
+    <p:extLst>
+      <p:ext uri="{BB962C8B-B14F-4D97-AF65-F5344CB8AC3E}">
+        <p14:creationId xmlns:p14="http://schemas.microsoft.com/office/powerpoint/2010/main" val="148846294"/>
       </p:ext>
     </p:extLst>
   </p:cSld>
@@ -647,7 +824,7 @@
           <a:p>
             <a:fld id="{AA9BED1A-8388-4503-8515-6BC02580799D}" type="slidenum">
               <a:rPr lang="en-US" smtClean="0"/>
-              <a:t>2</a:t>
+              <a:t>3</a:t>
             </a:fld>
             <a:endParaRPr lang="en-US"/>
           </a:p>
@@ -656,7 +833,7 @@
     </p:spTree>
     <p:extLst>
       <p:ext uri="{BB962C8B-B14F-4D97-AF65-F5344CB8AC3E}">
-        <p14:creationId xmlns:p14="http://schemas.microsoft.com/office/powerpoint/2010/main" val="1318761676"/>
+        <p14:creationId xmlns:p14="http://schemas.microsoft.com/office/powerpoint/2010/main" val="392647567"/>
       </p:ext>
     </p:extLst>
   </p:cSld>
@@ -766,7 +943,7 @@
           <a:p>
             <a:fld id="{AA9BED1A-8388-4503-8515-6BC02580799D}" type="slidenum">
               <a:rPr lang="en-US" smtClean="0"/>
-              <a:t>4</a:t>
+              <a:t>6</a:t>
             </a:fld>
             <a:endParaRPr lang="en-US"/>
           </a:p>
@@ -775,7 +952,577 @@
     </p:spTree>
     <p:extLst>
       <p:ext uri="{BB962C8B-B14F-4D97-AF65-F5344CB8AC3E}">
-        <p14:creationId xmlns:p14="http://schemas.microsoft.com/office/powerpoint/2010/main" val="3944614741"/>
+        <p14:creationId xmlns:p14="http://schemas.microsoft.com/office/powerpoint/2010/main" val="724550080"/>
+      </p:ext>
+    </p:extLst>
+  </p:cSld>
+  <p:clrMapOvr>
+    <a:masterClrMapping/>
+  </p:clrMapOvr>
+</p:notes>
+</file>
+
+<file path=ppt/notesSlides/notesSlide4.xml><?xml version="1.0" encoding="utf-8"?>
+<p:notes xmlns:a="http://schemas.openxmlformats.org/drawingml/2006/main" xmlns:r="http://schemas.openxmlformats.org/officeDocument/2006/relationships" xmlns:p="http://schemas.openxmlformats.org/presentationml/2006/main">
+  <p:cSld>
+    <p:spTree>
+      <p:nvGrpSpPr>
+        <p:cNvPr id="1" name=""/>
+        <p:cNvGrpSpPr/>
+        <p:nvPr/>
+      </p:nvGrpSpPr>
+      <p:grpSpPr>
+        <a:xfrm>
+          <a:off x="0" y="0"/>
+          <a:ext cx="0" cy="0"/>
+          <a:chOff x="0" y="0"/>
+          <a:chExt cx="0" cy="0"/>
+        </a:xfrm>
+      </p:grpSpPr>
+      <p:sp>
+        <p:nvSpPr>
+          <p:cNvPr id="2" name="Slide Image Placeholder 1"/>
+          <p:cNvSpPr>
+            <a:spLocks noGrp="1" noRot="1" noChangeAspect="1"/>
+          </p:cNvSpPr>
+          <p:nvPr>
+            <p:ph type="sldImg"/>
+          </p:nvPr>
+        </p:nvSpPr>
+        <p:spPr/>
+      </p:sp>
+      <p:sp>
+        <p:nvSpPr>
+          <p:cNvPr id="3" name="Notes Placeholder 2"/>
+          <p:cNvSpPr>
+            <a:spLocks noGrp="1"/>
+          </p:cNvSpPr>
+          <p:nvPr>
+            <p:ph type="body" idx="1"/>
+          </p:nvPr>
+        </p:nvSpPr>
+        <p:spPr/>
+        <p:txBody>
+          <a:bodyPr/>
+          <a:lstStyle/>
+          <a:p>
+            <a:r>
+              <a:rPr lang="he-IL" dirty="0" smtClean="0"/>
+              <a:t>לתקן</a:t>
+            </a:r>
+            <a:r>
+              <a:rPr lang="he-IL" baseline="0" dirty="0" smtClean="0"/>
+              <a:t> –</a:t>
+            </a:r>
+          </a:p>
+          <a:p>
+            <a:r>
+              <a:rPr lang="en-US" baseline="0" dirty="0" smtClean="0"/>
+              <a:t>Click the mouse </a:t>
+            </a:r>
+            <a:endParaRPr lang="he-IL" dirty="0"/>
+          </a:p>
+        </p:txBody>
+      </p:sp>
+      <p:sp>
+        <p:nvSpPr>
+          <p:cNvPr id="4" name="Slide Number Placeholder 3"/>
+          <p:cNvSpPr>
+            <a:spLocks noGrp="1"/>
+          </p:cNvSpPr>
+          <p:nvPr>
+            <p:ph type="sldNum" sz="quarter" idx="10"/>
+          </p:nvPr>
+        </p:nvSpPr>
+        <p:spPr/>
+        <p:txBody>
+          <a:bodyPr/>
+          <a:lstStyle/>
+          <a:p>
+            <a:fld id="{AA9BED1A-8388-4503-8515-6BC02580799D}" type="slidenum">
+              <a:rPr lang="en-US" smtClean="0"/>
+              <a:t>7</a:t>
+            </a:fld>
+            <a:endParaRPr lang="en-US"/>
+          </a:p>
+        </p:txBody>
+      </p:sp>
+    </p:spTree>
+    <p:extLst>
+      <p:ext uri="{BB962C8B-B14F-4D97-AF65-F5344CB8AC3E}">
+        <p14:creationId xmlns:p14="http://schemas.microsoft.com/office/powerpoint/2010/main" val="1797094355"/>
+      </p:ext>
+    </p:extLst>
+  </p:cSld>
+  <p:clrMapOvr>
+    <a:masterClrMapping/>
+  </p:clrMapOvr>
+</p:notes>
+</file>
+
+<file path=ppt/notesSlides/notesSlide5.xml><?xml version="1.0" encoding="utf-8"?>
+<p:notes xmlns:a="http://schemas.openxmlformats.org/drawingml/2006/main" xmlns:r="http://schemas.openxmlformats.org/officeDocument/2006/relationships" xmlns:p="http://schemas.openxmlformats.org/presentationml/2006/main">
+  <p:cSld>
+    <p:spTree>
+      <p:nvGrpSpPr>
+        <p:cNvPr id="1" name=""/>
+        <p:cNvGrpSpPr/>
+        <p:nvPr/>
+      </p:nvGrpSpPr>
+      <p:grpSpPr>
+        <a:xfrm>
+          <a:off x="0" y="0"/>
+          <a:ext cx="0" cy="0"/>
+          <a:chOff x="0" y="0"/>
+          <a:chExt cx="0" cy="0"/>
+        </a:xfrm>
+      </p:grpSpPr>
+      <p:sp>
+        <p:nvSpPr>
+          <p:cNvPr id="2" name="Slide Image Placeholder 1"/>
+          <p:cNvSpPr>
+            <a:spLocks noGrp="1" noRot="1" noChangeAspect="1"/>
+          </p:cNvSpPr>
+          <p:nvPr>
+            <p:ph type="sldImg"/>
+          </p:nvPr>
+        </p:nvSpPr>
+        <p:spPr/>
+      </p:sp>
+      <p:sp>
+        <p:nvSpPr>
+          <p:cNvPr id="3" name="Notes Placeholder 2"/>
+          <p:cNvSpPr>
+            <a:spLocks noGrp="1"/>
+          </p:cNvSpPr>
+          <p:nvPr>
+            <p:ph type="body" idx="1"/>
+          </p:nvPr>
+        </p:nvSpPr>
+        <p:spPr/>
+        <p:txBody>
+          <a:bodyPr/>
+          <a:lstStyle/>
+          <a:p>
+            <a:r>
+              <a:rPr lang="he-IL" dirty="0" smtClean="0"/>
+              <a:t>לתקן</a:t>
+            </a:r>
+            <a:r>
+              <a:rPr lang="he-IL" baseline="0" dirty="0" smtClean="0"/>
+              <a:t>: </a:t>
+            </a:r>
+          </a:p>
+          <a:p>
+            <a:r>
+              <a:rPr lang="en-US" baseline="0" dirty="0" smtClean="0"/>
+              <a:t>Click the mouse for music creation </a:t>
+            </a:r>
+          </a:p>
+          <a:p>
+            <a:r>
+              <a:rPr lang="en-US" baseline="0" dirty="0" smtClean="0"/>
+              <a:t>Load -&gt; Set settings -&gt; start -&gt; clicks -&gt; stop -&gt; export </a:t>
+            </a:r>
+            <a:endParaRPr lang="he-IL" dirty="0"/>
+          </a:p>
+        </p:txBody>
+      </p:sp>
+      <p:sp>
+        <p:nvSpPr>
+          <p:cNvPr id="4" name="Slide Number Placeholder 3"/>
+          <p:cNvSpPr>
+            <a:spLocks noGrp="1"/>
+          </p:cNvSpPr>
+          <p:nvPr>
+            <p:ph type="sldNum" sz="quarter" idx="10"/>
+          </p:nvPr>
+        </p:nvSpPr>
+        <p:spPr/>
+        <p:txBody>
+          <a:bodyPr/>
+          <a:lstStyle/>
+          <a:p>
+            <a:fld id="{AA9BED1A-8388-4503-8515-6BC02580799D}" type="slidenum">
+              <a:rPr lang="en-US" smtClean="0"/>
+              <a:t>8</a:t>
+            </a:fld>
+            <a:endParaRPr lang="en-US"/>
+          </a:p>
+        </p:txBody>
+      </p:sp>
+    </p:spTree>
+    <p:extLst>
+      <p:ext uri="{BB962C8B-B14F-4D97-AF65-F5344CB8AC3E}">
+        <p14:creationId xmlns:p14="http://schemas.microsoft.com/office/powerpoint/2010/main" val="2325970450"/>
+      </p:ext>
+    </p:extLst>
+  </p:cSld>
+  <p:clrMapOvr>
+    <a:masterClrMapping/>
+  </p:clrMapOvr>
+</p:notes>
+</file>
+
+<file path=ppt/notesSlides/notesSlide6.xml><?xml version="1.0" encoding="utf-8"?>
+<p:notes xmlns:a="http://schemas.openxmlformats.org/drawingml/2006/main" xmlns:r="http://schemas.openxmlformats.org/officeDocument/2006/relationships" xmlns:p="http://schemas.openxmlformats.org/presentationml/2006/main">
+  <p:cSld>
+    <p:spTree>
+      <p:nvGrpSpPr>
+        <p:cNvPr id="1" name=""/>
+        <p:cNvGrpSpPr/>
+        <p:nvPr/>
+      </p:nvGrpSpPr>
+      <p:grpSpPr>
+        <a:xfrm>
+          <a:off x="0" y="0"/>
+          <a:ext cx="0" cy="0"/>
+          <a:chOff x="0" y="0"/>
+          <a:chExt cx="0" cy="0"/>
+        </a:xfrm>
+      </p:grpSpPr>
+      <p:sp>
+        <p:nvSpPr>
+          <p:cNvPr id="2" name="Slide Image Placeholder 1"/>
+          <p:cNvSpPr>
+            <a:spLocks noGrp="1" noRot="1" noChangeAspect="1"/>
+          </p:cNvSpPr>
+          <p:nvPr>
+            <p:ph type="sldImg"/>
+          </p:nvPr>
+        </p:nvSpPr>
+        <p:spPr/>
+      </p:sp>
+      <p:sp>
+        <p:nvSpPr>
+          <p:cNvPr id="3" name="Notes Placeholder 2"/>
+          <p:cNvSpPr>
+            <a:spLocks noGrp="1"/>
+          </p:cNvSpPr>
+          <p:nvPr>
+            <p:ph type="body" idx="1"/>
+          </p:nvPr>
+        </p:nvSpPr>
+        <p:spPr/>
+        <p:txBody>
+          <a:bodyPr/>
+          <a:lstStyle/>
+          <a:p>
+            <a:endParaRPr lang="he-IL" dirty="0"/>
+          </a:p>
+        </p:txBody>
+      </p:sp>
+      <p:sp>
+        <p:nvSpPr>
+          <p:cNvPr id="4" name="Slide Number Placeholder 3"/>
+          <p:cNvSpPr>
+            <a:spLocks noGrp="1"/>
+          </p:cNvSpPr>
+          <p:nvPr>
+            <p:ph type="sldNum" sz="quarter" idx="10"/>
+          </p:nvPr>
+        </p:nvSpPr>
+        <p:spPr/>
+        <p:txBody>
+          <a:bodyPr/>
+          <a:lstStyle/>
+          <a:p>
+            <a:fld id="{AA9BED1A-8388-4503-8515-6BC02580799D}" type="slidenum">
+              <a:rPr lang="en-US" smtClean="0"/>
+              <a:t>9</a:t>
+            </a:fld>
+            <a:endParaRPr lang="en-US"/>
+          </a:p>
+        </p:txBody>
+      </p:sp>
+    </p:spTree>
+    <p:extLst>
+      <p:ext uri="{BB962C8B-B14F-4D97-AF65-F5344CB8AC3E}">
+        <p14:creationId xmlns:p14="http://schemas.microsoft.com/office/powerpoint/2010/main" val="2359959504"/>
+      </p:ext>
+    </p:extLst>
+  </p:cSld>
+  <p:clrMapOvr>
+    <a:masterClrMapping/>
+  </p:clrMapOvr>
+</p:notes>
+</file>
+
+<file path=ppt/notesSlides/notesSlide7.xml><?xml version="1.0" encoding="utf-8"?>
+<p:notes xmlns:a="http://schemas.openxmlformats.org/drawingml/2006/main" xmlns:r="http://schemas.openxmlformats.org/officeDocument/2006/relationships" xmlns:p="http://schemas.openxmlformats.org/presentationml/2006/main">
+  <p:cSld>
+    <p:spTree>
+      <p:nvGrpSpPr>
+        <p:cNvPr id="1" name=""/>
+        <p:cNvGrpSpPr/>
+        <p:nvPr/>
+      </p:nvGrpSpPr>
+      <p:grpSpPr>
+        <a:xfrm>
+          <a:off x="0" y="0"/>
+          <a:ext cx="0" cy="0"/>
+          <a:chOff x="0" y="0"/>
+          <a:chExt cx="0" cy="0"/>
+        </a:xfrm>
+      </p:grpSpPr>
+      <p:sp>
+        <p:nvSpPr>
+          <p:cNvPr id="2" name="Slide Image Placeholder 1"/>
+          <p:cNvSpPr>
+            <a:spLocks noGrp="1" noRot="1" noChangeAspect="1"/>
+          </p:cNvSpPr>
+          <p:nvPr>
+            <p:ph type="sldImg"/>
+          </p:nvPr>
+        </p:nvSpPr>
+        <p:spPr/>
+      </p:sp>
+      <p:sp>
+        <p:nvSpPr>
+          <p:cNvPr id="3" name="Notes Placeholder 2"/>
+          <p:cNvSpPr>
+            <a:spLocks noGrp="1"/>
+          </p:cNvSpPr>
+          <p:nvPr>
+            <p:ph type="body" idx="1"/>
+          </p:nvPr>
+        </p:nvSpPr>
+        <p:spPr/>
+        <p:txBody>
+          <a:bodyPr/>
+          <a:lstStyle/>
+          <a:p>
+            <a:endParaRPr lang="he-IL" dirty="0"/>
+          </a:p>
+        </p:txBody>
+      </p:sp>
+      <p:sp>
+        <p:nvSpPr>
+          <p:cNvPr id="4" name="Slide Number Placeholder 3"/>
+          <p:cNvSpPr>
+            <a:spLocks noGrp="1"/>
+          </p:cNvSpPr>
+          <p:nvPr>
+            <p:ph type="sldNum" sz="quarter" idx="10"/>
+          </p:nvPr>
+        </p:nvSpPr>
+        <p:spPr/>
+        <p:txBody>
+          <a:bodyPr/>
+          <a:lstStyle/>
+          <a:p>
+            <a:fld id="{AA9BED1A-8388-4503-8515-6BC02580799D}" type="slidenum">
+              <a:rPr lang="en-US" smtClean="0"/>
+              <a:t>10</a:t>
+            </a:fld>
+            <a:endParaRPr lang="en-US"/>
+          </a:p>
+        </p:txBody>
+      </p:sp>
+    </p:spTree>
+    <p:extLst>
+      <p:ext uri="{BB962C8B-B14F-4D97-AF65-F5344CB8AC3E}">
+        <p14:creationId xmlns:p14="http://schemas.microsoft.com/office/powerpoint/2010/main" val="2099752890"/>
+      </p:ext>
+    </p:extLst>
+  </p:cSld>
+  <p:clrMapOvr>
+    <a:masterClrMapping/>
+  </p:clrMapOvr>
+</p:notes>
+</file>
+
+<file path=ppt/notesSlides/notesSlide8.xml><?xml version="1.0" encoding="utf-8"?>
+<p:notes xmlns:a="http://schemas.openxmlformats.org/drawingml/2006/main" xmlns:r="http://schemas.openxmlformats.org/officeDocument/2006/relationships" xmlns:p="http://schemas.openxmlformats.org/presentationml/2006/main">
+  <p:cSld>
+    <p:spTree>
+      <p:nvGrpSpPr>
+        <p:cNvPr id="1" name=""/>
+        <p:cNvGrpSpPr/>
+        <p:nvPr/>
+      </p:nvGrpSpPr>
+      <p:grpSpPr>
+        <a:xfrm>
+          <a:off x="0" y="0"/>
+          <a:ext cx="0" cy="0"/>
+          <a:chOff x="0" y="0"/>
+          <a:chExt cx="0" cy="0"/>
+        </a:xfrm>
+      </p:grpSpPr>
+      <p:sp>
+        <p:nvSpPr>
+          <p:cNvPr id="2" name="Slide Image Placeholder 1"/>
+          <p:cNvSpPr>
+            <a:spLocks noGrp="1" noRot="1" noChangeAspect="1"/>
+          </p:cNvSpPr>
+          <p:nvPr>
+            <p:ph type="sldImg"/>
+          </p:nvPr>
+        </p:nvSpPr>
+        <p:spPr/>
+      </p:sp>
+      <p:sp>
+        <p:nvSpPr>
+          <p:cNvPr id="3" name="Notes Placeholder 2"/>
+          <p:cNvSpPr>
+            <a:spLocks noGrp="1"/>
+          </p:cNvSpPr>
+          <p:nvPr>
+            <p:ph type="body" idx="1"/>
+          </p:nvPr>
+        </p:nvSpPr>
+        <p:spPr/>
+        <p:txBody>
+          <a:bodyPr/>
+          <a:lstStyle/>
+          <a:p>
+            <a:r>
+              <a:rPr lang="he-IL" dirty="0" smtClean="0"/>
+              <a:t>לתקן:</a:t>
+            </a:r>
+            <a:endParaRPr lang="en-US" dirty="0" smtClean="0"/>
+          </a:p>
+          <a:p>
+            <a:r>
+              <a:rPr lang="en-US" dirty="0" smtClean="0"/>
+              <a:t>amp – range instead</a:t>
+            </a:r>
+            <a:r>
+              <a:rPr lang="en-US" baseline="0" dirty="0" smtClean="0"/>
+              <a:t> of slider</a:t>
+            </a:r>
+          </a:p>
+          <a:p>
+            <a:r>
+              <a:rPr lang="en-US" baseline="0" dirty="0" smtClean="0"/>
+              <a:t>Instruments – check box with multiple instruments </a:t>
+            </a:r>
+          </a:p>
+          <a:p>
+            <a:r>
+              <a:rPr lang="en-US" baseline="0" dirty="0" smtClean="0"/>
+              <a:t>See sound list – remove</a:t>
+            </a:r>
+          </a:p>
+          <a:p>
+            <a:endParaRPr lang="en-US" baseline="0" dirty="0" smtClean="0"/>
+          </a:p>
+          <a:p>
+            <a:endParaRPr lang="he-IL" dirty="0"/>
+          </a:p>
+        </p:txBody>
+      </p:sp>
+      <p:sp>
+        <p:nvSpPr>
+          <p:cNvPr id="4" name="Slide Number Placeholder 3"/>
+          <p:cNvSpPr>
+            <a:spLocks noGrp="1"/>
+          </p:cNvSpPr>
+          <p:nvPr>
+            <p:ph type="sldNum" sz="quarter" idx="10"/>
+          </p:nvPr>
+        </p:nvSpPr>
+        <p:spPr/>
+        <p:txBody>
+          <a:bodyPr/>
+          <a:lstStyle/>
+          <a:p>
+            <a:fld id="{AA9BED1A-8388-4503-8515-6BC02580799D}" type="slidenum">
+              <a:rPr lang="en-US" smtClean="0"/>
+              <a:t>11</a:t>
+            </a:fld>
+            <a:endParaRPr lang="en-US"/>
+          </a:p>
+        </p:txBody>
+      </p:sp>
+    </p:spTree>
+    <p:extLst>
+      <p:ext uri="{BB962C8B-B14F-4D97-AF65-F5344CB8AC3E}">
+        <p14:creationId xmlns:p14="http://schemas.microsoft.com/office/powerpoint/2010/main" val="1414685155"/>
+      </p:ext>
+    </p:extLst>
+  </p:cSld>
+  <p:clrMapOvr>
+    <a:masterClrMapping/>
+  </p:clrMapOvr>
+</p:notes>
+</file>
+
+<file path=ppt/notesSlides/notesSlide9.xml><?xml version="1.0" encoding="utf-8"?>
+<p:notes xmlns:a="http://schemas.openxmlformats.org/drawingml/2006/main" xmlns:r="http://schemas.openxmlformats.org/officeDocument/2006/relationships" xmlns:p="http://schemas.openxmlformats.org/presentationml/2006/main">
+  <p:cSld>
+    <p:spTree>
+      <p:nvGrpSpPr>
+        <p:cNvPr id="1" name=""/>
+        <p:cNvGrpSpPr/>
+        <p:nvPr/>
+      </p:nvGrpSpPr>
+      <p:grpSpPr>
+        <a:xfrm>
+          <a:off x="0" y="0"/>
+          <a:ext cx="0" cy="0"/>
+          <a:chOff x="0" y="0"/>
+          <a:chExt cx="0" cy="0"/>
+        </a:xfrm>
+      </p:grpSpPr>
+      <p:sp>
+        <p:nvSpPr>
+          <p:cNvPr id="2" name="Slide Image Placeholder 1"/>
+          <p:cNvSpPr>
+            <a:spLocks noGrp="1" noRot="1" noChangeAspect="1"/>
+          </p:cNvSpPr>
+          <p:nvPr>
+            <p:ph type="sldImg"/>
+          </p:nvPr>
+        </p:nvSpPr>
+        <p:spPr/>
+      </p:sp>
+      <p:sp>
+        <p:nvSpPr>
+          <p:cNvPr id="3" name="Notes Placeholder 2"/>
+          <p:cNvSpPr>
+            <a:spLocks noGrp="1"/>
+          </p:cNvSpPr>
+          <p:nvPr>
+            <p:ph type="body" idx="1"/>
+          </p:nvPr>
+        </p:nvSpPr>
+        <p:spPr/>
+        <p:txBody>
+          <a:bodyPr/>
+          <a:lstStyle/>
+          <a:p>
+            <a:endParaRPr lang="he-IL" dirty="0"/>
+          </a:p>
+        </p:txBody>
+      </p:sp>
+      <p:sp>
+        <p:nvSpPr>
+          <p:cNvPr id="4" name="Slide Number Placeholder 3"/>
+          <p:cNvSpPr>
+            <a:spLocks noGrp="1"/>
+          </p:cNvSpPr>
+          <p:nvPr>
+            <p:ph type="sldNum" sz="quarter" idx="10"/>
+          </p:nvPr>
+        </p:nvSpPr>
+        <p:spPr/>
+        <p:txBody>
+          <a:bodyPr/>
+          <a:lstStyle/>
+          <a:p>
+            <a:fld id="{AA9BED1A-8388-4503-8515-6BC02580799D}" type="slidenum">
+              <a:rPr lang="en-US" smtClean="0"/>
+              <a:t>12</a:t>
+            </a:fld>
+            <a:endParaRPr lang="en-US"/>
+          </a:p>
+        </p:txBody>
+      </p:sp>
+    </p:spTree>
+    <p:extLst>
+      <p:ext uri="{BB962C8B-B14F-4D97-AF65-F5344CB8AC3E}">
+        <p14:creationId xmlns:p14="http://schemas.microsoft.com/office/powerpoint/2010/main" val="2953944922"/>
       </p:ext>
     </p:extLst>
   </p:cSld>
@@ -4952,7 +5699,7 @@
     </p:spTree>
     <p:extLst>
       <p:ext uri="{BB962C8B-B14F-4D97-AF65-F5344CB8AC3E}">
-        <p14:creationId xmlns:p14="http://schemas.microsoft.com/office/powerpoint/2010/main" val="4211625203"/>
+        <p14:creationId xmlns:p14="http://schemas.microsoft.com/office/powerpoint/2010/main" val="2462217540"/>
       </p:ext>
     </p:extLst>
   </p:cSld>
@@ -4962,7 +5709,7 @@
 </p:sld>
 </file>
 
-<file path=ppt/slides/slide2.xml><?xml version="1.0" encoding="utf-8"?>
+<file path=ppt/slides/slide10.xml><?xml version="1.0" encoding="utf-8"?>
 <p:sld xmlns:a="http://schemas.openxmlformats.org/drawingml/2006/main" xmlns:r="http://schemas.openxmlformats.org/officeDocument/2006/relationships" xmlns:p="http://schemas.openxmlformats.org/presentationml/2006/main">
   <p:cSld>
     <p:spTree>
@@ -4981,13 +5728,7 @@
       </p:grpSpPr>
       <p:sp>
         <p:nvSpPr>
-          <p:cNvPr id="2" name="Title 1">
-            <a:extLst>
-              <a:ext uri="{FF2B5EF4-FFF2-40B4-BE49-F238E27FC236}">
-                <a16:creationId xmlns:a16="http://schemas.microsoft.com/office/drawing/2014/main" id="{49A14EDF-60EC-4ADD-BDED-53DD249324D2}"/>
-              </a:ext>
-            </a:extLst>
-          </p:cNvPr>
+          <p:cNvPr id="2" name="Title 1"/>
           <p:cNvSpPr>
             <a:spLocks noGrp="1"/>
           </p:cNvSpPr>
@@ -5001,21 +5742,16 @@
           <a:lstStyle/>
           <a:p>
             <a:r>
-              <a:rPr lang="en-US" dirty="0"/>
-              <a:t>Related Work - RGB Music Lab</a:t>
-            </a:r>
-          </a:p>
-        </p:txBody>
-      </p:sp>
-      <p:sp>
-        <p:nvSpPr>
-          <p:cNvPr id="3" name="Content Placeholder 2">
-            <a:extLst>
-              <a:ext uri="{FF2B5EF4-FFF2-40B4-BE49-F238E27FC236}">
-                <a16:creationId xmlns:a16="http://schemas.microsoft.com/office/drawing/2014/main" id="{951EFB61-8E51-4B75-B6AB-6D8F6CA4978A}"/>
-              </a:ext>
-            </a:extLst>
-          </p:cNvPr>
+              <a:rPr lang="en-US" dirty="0" smtClean="0"/>
+              <a:t>Technical and musical summary #2 </a:t>
+            </a:r>
+            <a:endParaRPr lang="he-IL" dirty="0"/>
+          </a:p>
+        </p:txBody>
+      </p:sp>
+      <p:sp>
+        <p:nvSpPr>
+          <p:cNvPr id="3" name="Content Placeholder 2"/>
           <p:cNvSpPr>
             <a:spLocks noGrp="1"/>
           </p:cNvSpPr>
@@ -5029,128 +5765,94 @@
           <a:lstStyle/>
           <a:p>
             <a:r>
+              <a:rPr lang="en-US" dirty="0" smtClean="0"/>
+              <a:t>The technical and musical details of the engine are to be defined : basically we want to </a:t>
+            </a:r>
+            <a:r>
               <a:rPr lang="en-US" dirty="0"/>
-              <a:t>Created by Kenji Kojima, a Japanese visual artist.</a:t>
-            </a:r>
-          </a:p>
-          <a:p>
-            <a:r>
-              <a:rPr lang="en-US" dirty="0">
-                <a:hlinkClick r:id="rId3"/>
-              </a:rPr>
-              <a:t>http://www.kenjikojima.com/rgbmusic</a:t>
-            </a:r>
-            <a:endParaRPr lang="en-US" dirty="0"/>
-          </a:p>
-          <a:p>
+              <a:t>have a unique instrument </a:t>
+            </a:r>
+            <a:r>
+              <a:rPr lang="en-US" dirty="0" smtClean="0"/>
+              <a:t>timbre for each RGB value and a mapping from </a:t>
+            </a:r>
             <a:r>
               <a:rPr lang="en-US" dirty="0"/>
-              <a:t>Create a music from an image</a:t>
+              <a:t>a set of pixels </a:t>
+            </a:r>
+            <a:r>
+              <a:rPr lang="en-US" dirty="0" smtClean="0"/>
+              <a:t>(i.e. </a:t>
+            </a:r>
+            <a:r>
+              <a:rPr lang="en-US" dirty="0"/>
+              <a:t>the surrounding pixels of the chosen pixel) to pitch or time </a:t>
+            </a:r>
+            <a:r>
+              <a:rPr lang="en-US" dirty="0" smtClean="0"/>
+              <a:t>duration </a:t>
+            </a:r>
+          </a:p>
+          <a:p>
+            <a:r>
+              <a:rPr lang="en-US" dirty="0" smtClean="0"/>
+              <a:t>In the advanced phases of the project we would like to give the user the ability </a:t>
+            </a:r>
+            <a:r>
+              <a:rPr lang="en-US" dirty="0" smtClean="0"/>
+              <a:t>to:  </a:t>
             </a:r>
           </a:p>
           <a:p>
             <a:pPr lvl="1"/>
             <a:r>
-              <a:rPr lang="en-US" dirty="0"/>
-              <a:t>Reads RGB value of pixels from the top left to the bottom right of an image, then composes an music</a:t>
-            </a:r>
-          </a:p>
-          <a:p>
-            <a:r>
-              <a:rPr lang="en-US" dirty="0"/>
-              <a:t>Pros:</a:t>
+              <a:rPr lang="en-US" dirty="0" smtClean="0"/>
+              <a:t>Change </a:t>
+            </a:r>
+            <a:r>
+              <a:rPr lang="en-US" dirty="0" smtClean="0"/>
+              <a:t>the engine settings (mapping from visual elements to sound elements</a:t>
+            </a:r>
+            <a:r>
+              <a:rPr lang="en-US" dirty="0" smtClean="0"/>
+              <a:t>)</a:t>
             </a:r>
           </a:p>
           <a:p>
             <a:pPr lvl="1"/>
             <a:r>
-              <a:rPr lang="en-US" dirty="0"/>
-              <a:t>Contains a lot of options for user input</a:t>
+              <a:rPr lang="en-US" dirty="0" smtClean="0"/>
+              <a:t>Record its </a:t>
+            </a:r>
+            <a:r>
+              <a:rPr lang="en-US" dirty="0" smtClean="0"/>
+              <a:t>created </a:t>
+            </a:r>
+            <a:r>
+              <a:rPr lang="en-US" dirty="0" smtClean="0"/>
+              <a:t>music</a:t>
             </a:r>
           </a:p>
           <a:p>
             <a:pPr lvl="1"/>
             <a:r>
-              <a:rPr lang="en-US" dirty="0"/>
-              <a:t>Very advanced</a:t>
-            </a:r>
-          </a:p>
-          <a:p>
-            <a:r>
-              <a:rPr lang="en-US" dirty="0"/>
-              <a:t>Cons:</a:t>
-            </a:r>
-          </a:p>
-          <a:p>
-            <a:pPr lvl="1"/>
-            <a:r>
-              <a:rPr lang="en-US" dirty="0"/>
-              <a:t>Not free</a:t>
-            </a:r>
-          </a:p>
-          <a:p>
-            <a:pPr lvl="1"/>
-            <a:r>
-              <a:rPr lang="en-US" dirty="0"/>
-              <a:t>Out dated - no support</a:t>
-            </a:r>
-          </a:p>
-          <a:p>
-            <a:endParaRPr lang="en-US" dirty="0"/>
-          </a:p>
-        </p:txBody>
-      </p:sp>
-      <p:pic>
-        <p:nvPicPr>
-          <p:cNvPr id="4" name="Picture 2" descr="×ª××¦××ª ×ª××× × ×¢×××¨ âªmusic pixelâ¬â">
-            <a:extLst>
-              <a:ext uri="{FF2B5EF4-FFF2-40B4-BE49-F238E27FC236}">
-                <a16:creationId xmlns:a16="http://schemas.microsoft.com/office/drawing/2014/main" id="{3580F6C7-1C19-4A57-8C0F-3A17CB1173FE}"/>
-              </a:ext>
-            </a:extLst>
-          </p:cNvPr>
-          <p:cNvPicPr>
-            <a:picLocks noChangeAspect="1" noChangeArrowheads="1"/>
-          </p:cNvPicPr>
-          <p:nvPr/>
-        </p:nvPicPr>
-        <p:blipFill>
-          <a:blip r:embed="rId4" cstate="hqprint">
-            <a:extLst>
-              <a:ext uri="{28A0092B-C50C-407E-A947-70E740481C1C}">
-                <a14:useLocalDpi xmlns:a14="http://schemas.microsoft.com/office/drawing/2010/main" val="0"/>
-              </a:ext>
-            </a:extLst>
-          </a:blip>
-          <a:srcRect/>
-          <a:stretch>
-            <a:fillRect/>
-          </a:stretch>
-        </p:blipFill>
-        <p:spPr bwMode="auto">
-          <a:xfrm>
-            <a:off x="11288324" y="5128341"/>
-            <a:ext cx="663044" cy="1043859"/>
-          </a:xfrm>
-          <a:prstGeom prst="rect">
-            <a:avLst/>
-          </a:prstGeom>
-          <a:noFill/>
-          <a:extLst>
-            <a:ext uri="{909E8E84-426E-40DD-AFC4-6F175D3DCCD1}">
-              <a14:hiddenFill xmlns:a14="http://schemas.microsoft.com/office/drawing/2010/main">
-                <a:solidFill>
-                  <a:srgbClr val="FFFFFF"/>
-                </a:solidFill>
-              </a14:hiddenFill>
-            </a:ext>
-          </a:extLst>
-        </p:spPr>
-      </p:pic>
+              <a:rPr lang="en-US" dirty="0" smtClean="0"/>
+              <a:t>Create music based on multiple images </a:t>
+            </a:r>
+            <a:endParaRPr lang="en-US" dirty="0" smtClean="0"/>
+          </a:p>
+          <a:p>
+            <a:pPr marL="0" indent="0">
+              <a:buNone/>
+            </a:pPr>
+            <a:endParaRPr lang="he-IL" dirty="0"/>
+          </a:p>
+        </p:txBody>
+      </p:sp>
     </p:spTree>
     <p:extLst>
       <p:ext uri="{BB962C8B-B14F-4D97-AF65-F5344CB8AC3E}">
-        <p14:creationId xmlns:p14="http://schemas.microsoft.com/office/powerpoint/2010/main" val="2901248084"/>
+        <p14:creationId xmlns:p14="http://schemas.microsoft.com/office/powerpoint/2010/main" val="2785115466"/>
       </p:ext>
     </p:extLst>
   </p:cSld>
@@ -5160,306 +5862,7 @@
 </p:sld>
 </file>
 
-<file path=ppt/slides/slide3.xml><?xml version="1.0" encoding="utf-8"?>
-<p:sld xmlns:a="http://schemas.openxmlformats.org/drawingml/2006/main" xmlns:r="http://schemas.openxmlformats.org/officeDocument/2006/relationships" xmlns:p="http://schemas.openxmlformats.org/presentationml/2006/main">
-  <p:cSld>
-    <p:spTree>
-      <p:nvGrpSpPr>
-        <p:cNvPr id="1" name=""/>
-        <p:cNvGrpSpPr/>
-        <p:nvPr/>
-      </p:nvGrpSpPr>
-      <p:grpSpPr>
-        <a:xfrm>
-          <a:off x="0" y="0"/>
-          <a:ext cx="0" cy="0"/>
-          <a:chOff x="0" y="0"/>
-          <a:chExt cx="0" cy="0"/>
-        </a:xfrm>
-      </p:grpSpPr>
-      <p:sp>
-        <p:nvSpPr>
-          <p:cNvPr id="5" name="Title 1">
-            <a:extLst>
-              <a:ext uri="{FF2B5EF4-FFF2-40B4-BE49-F238E27FC236}">
-                <a16:creationId xmlns:a16="http://schemas.microsoft.com/office/drawing/2014/main" id="{21CFD2F0-6B15-4A12-8AA1-B11FF81A7B46}"/>
-              </a:ext>
-            </a:extLst>
-          </p:cNvPr>
-          <p:cNvSpPr>
-            <a:spLocks noGrp="1"/>
-          </p:cNvSpPr>
-          <p:nvPr>
-            <p:ph type="title"/>
-          </p:nvPr>
-        </p:nvSpPr>
-        <p:spPr>
-          <a:xfrm>
-            <a:off x="1069848" y="484632"/>
-            <a:ext cx="10058400" cy="1609344"/>
-          </a:xfrm>
-        </p:spPr>
-        <p:txBody>
-          <a:bodyPr/>
-          <a:lstStyle/>
-          <a:p>
-            <a:r>
-              <a:rPr lang="en-US" dirty="0"/>
-              <a:t>Related Work - RGB Music Lab</a:t>
-            </a:r>
-          </a:p>
-        </p:txBody>
-      </p:sp>
-      <p:pic>
-        <p:nvPicPr>
-          <p:cNvPr id="1028" name="Picture 4" descr="http://www.kenjikojima.com/rgbmusic/img/RGBMusicLab.jpg">
-            <a:extLst>
-              <a:ext uri="{FF2B5EF4-FFF2-40B4-BE49-F238E27FC236}">
-                <a16:creationId xmlns:a16="http://schemas.microsoft.com/office/drawing/2014/main" id="{D889E65C-0EAE-4D84-A76C-9525DA8388B9}"/>
-              </a:ext>
-            </a:extLst>
-          </p:cNvPr>
-          <p:cNvPicPr>
-            <a:picLocks noChangeAspect="1" noChangeArrowheads="1"/>
-          </p:cNvPicPr>
-          <p:nvPr/>
-        </p:nvPicPr>
-        <p:blipFill>
-          <a:blip r:embed="rId2">
-            <a:extLst>
-              <a:ext uri="{28A0092B-C50C-407E-A947-70E740481C1C}">
-                <a14:useLocalDpi xmlns:a14="http://schemas.microsoft.com/office/drawing/2010/main" val="0"/>
-              </a:ext>
-            </a:extLst>
-          </a:blip>
-          <a:srcRect/>
-          <a:stretch>
-            <a:fillRect/>
-          </a:stretch>
-        </p:blipFill>
-        <p:spPr bwMode="auto">
-          <a:xfrm>
-            <a:off x="2075949" y="1849855"/>
-            <a:ext cx="6859504" cy="4694949"/>
-          </a:xfrm>
-          <a:prstGeom prst="rect">
-            <a:avLst/>
-          </a:prstGeom>
-          <a:noFill/>
-          <a:extLst>
-            <a:ext uri="{909E8E84-426E-40DD-AFC4-6F175D3DCCD1}">
-              <a14:hiddenFill xmlns:a14="http://schemas.microsoft.com/office/drawing/2010/main">
-                <a:solidFill>
-                  <a:srgbClr val="FFFFFF"/>
-                </a:solidFill>
-              </a14:hiddenFill>
-            </a:ext>
-          </a:extLst>
-        </p:spPr>
-      </p:pic>
-      <p:pic>
-        <p:nvPicPr>
-          <p:cNvPr id="6" name="Picture 2" descr="×ª××¦××ª ×ª××× × ×¢×××¨ âªmusic pixelâ¬â">
-            <a:extLst>
-              <a:ext uri="{FF2B5EF4-FFF2-40B4-BE49-F238E27FC236}">
-                <a16:creationId xmlns:a16="http://schemas.microsoft.com/office/drawing/2014/main" id="{EC7F31A7-E3C3-4E42-9B79-D554A8E64CBD}"/>
-              </a:ext>
-            </a:extLst>
-          </p:cNvPr>
-          <p:cNvPicPr>
-            <a:picLocks noChangeAspect="1" noChangeArrowheads="1"/>
-          </p:cNvPicPr>
-          <p:nvPr/>
-        </p:nvPicPr>
-        <p:blipFill>
-          <a:blip r:embed="rId3" cstate="hqprint">
-            <a:extLst>
-              <a:ext uri="{28A0092B-C50C-407E-A947-70E740481C1C}">
-                <a14:useLocalDpi xmlns:a14="http://schemas.microsoft.com/office/drawing/2010/main" val="0"/>
-              </a:ext>
-            </a:extLst>
-          </a:blip>
-          <a:srcRect/>
-          <a:stretch>
-            <a:fillRect/>
-          </a:stretch>
-        </p:blipFill>
-        <p:spPr bwMode="auto">
-          <a:xfrm>
-            <a:off x="11288324" y="5128341"/>
-            <a:ext cx="663044" cy="1043859"/>
-          </a:xfrm>
-          <a:prstGeom prst="rect">
-            <a:avLst/>
-          </a:prstGeom>
-          <a:noFill/>
-          <a:extLst>
-            <a:ext uri="{909E8E84-426E-40DD-AFC4-6F175D3DCCD1}">
-              <a14:hiddenFill xmlns:a14="http://schemas.microsoft.com/office/drawing/2010/main">
-                <a:solidFill>
-                  <a:srgbClr val="FFFFFF"/>
-                </a:solidFill>
-              </a14:hiddenFill>
-            </a:ext>
-          </a:extLst>
-        </p:spPr>
-      </p:pic>
-    </p:spTree>
-    <p:extLst>
-      <p:ext uri="{BB962C8B-B14F-4D97-AF65-F5344CB8AC3E}">
-        <p14:creationId xmlns:p14="http://schemas.microsoft.com/office/powerpoint/2010/main" val="1857921384"/>
-      </p:ext>
-    </p:extLst>
-  </p:cSld>
-  <p:clrMapOvr>
-    <a:masterClrMapping/>
-  </p:clrMapOvr>
-</p:sld>
-</file>
-
-<file path=ppt/slides/slide4.xml><?xml version="1.0" encoding="utf-8"?>
-<p:sld xmlns:a="http://schemas.openxmlformats.org/drawingml/2006/main" xmlns:r="http://schemas.openxmlformats.org/officeDocument/2006/relationships" xmlns:p="http://schemas.openxmlformats.org/presentationml/2006/main">
-  <p:cSld>
-    <p:spTree>
-      <p:nvGrpSpPr>
-        <p:cNvPr id="1" name=""/>
-        <p:cNvGrpSpPr/>
-        <p:nvPr/>
-      </p:nvGrpSpPr>
-      <p:grpSpPr>
-        <a:xfrm>
-          <a:off x="0" y="0"/>
-          <a:ext cx="0" cy="0"/>
-          <a:chOff x="0" y="0"/>
-          <a:chExt cx="0" cy="0"/>
-        </a:xfrm>
-      </p:grpSpPr>
-      <p:sp>
-        <p:nvSpPr>
-          <p:cNvPr id="2" name="Title 1"/>
-          <p:cNvSpPr>
-            <a:spLocks noGrp="1"/>
-          </p:cNvSpPr>
-          <p:nvPr>
-            <p:ph type="title"/>
-          </p:nvPr>
-        </p:nvSpPr>
-        <p:spPr/>
-        <p:txBody>
-          <a:bodyPr/>
-          <a:lstStyle/>
-          <a:p>
-            <a:r>
-              <a:rPr lang="en-US" dirty="0"/>
-              <a:t>PROS over other products </a:t>
-            </a:r>
-            <a:endParaRPr lang="he-IL" dirty="0"/>
-          </a:p>
-        </p:txBody>
-      </p:sp>
-      <p:sp>
-        <p:nvSpPr>
-          <p:cNvPr id="3" name="Content Placeholder 2"/>
-          <p:cNvSpPr>
-            <a:spLocks noGrp="1"/>
-          </p:cNvSpPr>
-          <p:nvPr>
-            <p:ph idx="1"/>
-          </p:nvPr>
-        </p:nvSpPr>
-        <p:spPr>
-          <a:xfrm>
-            <a:off x="1069848" y="2121408"/>
-            <a:ext cx="8940426" cy="4050792"/>
-          </a:xfrm>
-        </p:spPr>
-        <p:txBody>
-          <a:bodyPr>
-            <a:normAutofit/>
-          </a:bodyPr>
-          <a:lstStyle/>
-          <a:p>
-            <a:r>
-              <a:rPr lang="en-US" sz="2800" dirty="0"/>
-              <a:t>Our program let the user control which parts from the image will affect the final work.</a:t>
-            </a:r>
-          </a:p>
-          <a:p>
-            <a:r>
-              <a:rPr lang="en-US" sz="2800" dirty="0"/>
-              <a:t> The user can use multiple images for creating one work.</a:t>
-            </a:r>
-          </a:p>
-          <a:p>
-            <a:r>
-              <a:rPr lang="en-US" sz="2800" dirty="0"/>
-              <a:t> Different purpose</a:t>
-            </a:r>
-            <a:endParaRPr lang="he-IL" sz="2800" dirty="0"/>
-          </a:p>
-        </p:txBody>
-      </p:sp>
-      <p:pic>
-        <p:nvPicPr>
-          <p:cNvPr id="4" name="Picture 2" descr="×ª××¦××ª ×ª××× × ×¢×××¨ âªmusic pixelâ¬â">
-            <a:extLst>
-              <a:ext uri="{FF2B5EF4-FFF2-40B4-BE49-F238E27FC236}">
-                <a16:creationId xmlns:a16="http://schemas.microsoft.com/office/drawing/2014/main" id="{036D1730-067B-4734-98A9-BB1287F13B9C}"/>
-              </a:ext>
-            </a:extLst>
-          </p:cNvPr>
-          <p:cNvPicPr>
-            <a:picLocks noChangeAspect="1" noChangeArrowheads="1"/>
-          </p:cNvPicPr>
-          <p:nvPr/>
-        </p:nvPicPr>
-        <p:blipFill>
-          <a:blip r:embed="rId3" cstate="hqprint">
-            <a:extLst>
-              <a:ext uri="{28A0092B-C50C-407E-A947-70E740481C1C}">
-                <a14:useLocalDpi xmlns:a14="http://schemas.microsoft.com/office/drawing/2010/main" val="0"/>
-              </a:ext>
-            </a:extLst>
-          </a:blip>
-          <a:srcRect/>
-          <a:stretch>
-            <a:fillRect/>
-          </a:stretch>
-        </p:blipFill>
-        <p:spPr bwMode="auto">
-          <a:xfrm>
-            <a:off x="11288324" y="5128341"/>
-            <a:ext cx="663044" cy="1043859"/>
-          </a:xfrm>
-          <a:prstGeom prst="rect">
-            <a:avLst/>
-          </a:prstGeom>
-          <a:noFill/>
-          <a:extLst>
-            <a:ext uri="{909E8E84-426E-40DD-AFC4-6F175D3DCCD1}">
-              <a14:hiddenFill xmlns:a14="http://schemas.microsoft.com/office/drawing/2010/main">
-                <a:solidFill>
-                  <a:srgbClr val="FFFFFF"/>
-                </a:solidFill>
-              </a14:hiddenFill>
-            </a:ext>
-          </a:extLst>
-        </p:spPr>
-      </p:pic>
-    </p:spTree>
-    <p:extLst>
-      <p:ext uri="{BB962C8B-B14F-4D97-AF65-F5344CB8AC3E}">
-        <p14:creationId xmlns:p14="http://schemas.microsoft.com/office/powerpoint/2010/main" val="3544669634"/>
-      </p:ext>
-    </p:extLst>
-  </p:cSld>
-  <p:clrMapOvr>
-    <a:masterClrMapping/>
-  </p:clrMapOvr>
-</p:sld>
-</file>
-
-<file path=ppt/slides/slide5.xml><?xml version="1.0" encoding="utf-8"?>
+<file path=ppt/slides/slide11.xml><?xml version="1.0" encoding="utf-8"?>
 <p:sld xmlns:a="http://schemas.openxmlformats.org/drawingml/2006/main" xmlns:r="http://schemas.openxmlformats.org/officeDocument/2006/relationships" xmlns:p="http://schemas.openxmlformats.org/presentationml/2006/main">
   <p:cSld>
     <p:spTree>
@@ -6217,7 +6620,7 @@
           <p:nvPr/>
         </p:nvPicPr>
         <p:blipFill>
-          <a:blip r:embed="rId11" cstate="hqprint">
+          <a:blip r:embed="rId12" cstate="hqprint">
             <a:extLst>
               <a:ext uri="{28A0092B-C50C-407E-A947-70E740481C1C}">
                 <a14:useLocalDpi xmlns:a14="http://schemas.microsoft.com/office/drawing/2010/main" val="0"/>
@@ -6264,7 +6667,7 @@
           <p:nvPr/>
         </p:nvPicPr>
         <p:blipFill>
-          <a:blip r:embed="rId12">
+          <a:blip r:embed="rId13">
             <a:extLst>
               <a:ext uri="{28A0092B-C50C-407E-A947-70E740481C1C}">
                 <a14:useLocalDpi xmlns:a14="http://schemas.microsoft.com/office/drawing/2010/main" val="0"/>
@@ -6277,7 +6680,7 @@
         </p:blipFill>
         <p:spPr>
           <a:xfrm>
-            <a:off x="4445509" y="2401805"/>
+            <a:off x="4479370" y="2482183"/>
             <a:ext cx="2932357" cy="2196940"/>
           </a:xfrm>
           <a:prstGeom prst="rect">
@@ -6300,7 +6703,7 @@
           <p:nvPr/>
         </p:nvPicPr>
         <p:blipFill>
-          <a:blip r:embed="rId13">
+          <a:blip r:embed="rId14">
             <a:extLst>
               <a:ext uri="{28A0092B-C50C-407E-A947-70E740481C1C}">
                 <a14:useLocalDpi xmlns:a14="http://schemas.microsoft.com/office/drawing/2010/main" val="0"/>
@@ -6336,7 +6739,7 @@
           <p:nvPr/>
         </p:nvPicPr>
         <p:blipFill>
-          <a:blip r:embed="rId14">
+          <a:blip r:embed="rId15" cstate="hqprint">
             <a:extLst>
               <a:ext uri="{28A0092B-C50C-407E-A947-70E740481C1C}">
                 <a14:useLocalDpi xmlns:a14="http://schemas.microsoft.com/office/drawing/2010/main" val="0"/>
@@ -7989,7 +8392,7 @@
           <p:nvPr/>
         </p:nvPicPr>
         <p:blipFill>
-          <a:blip r:embed="rId15">
+          <a:blip r:embed="rId16" cstate="hqprint">
             <a:extLst>
               <a:ext uri="{28A0092B-C50C-407E-A947-70E740481C1C}">
                 <a14:useLocalDpi xmlns:a14="http://schemas.microsoft.com/office/drawing/2010/main" val="0"/>
@@ -8085,10 +8488,1668 @@
           </a:p>
         </p:txBody>
       </p:sp>
+      <p:pic>
+        <p:nvPicPr>
+          <p:cNvPr id="3" name="Picture 2"/>
+          <p:cNvPicPr>
+            <a:picLocks noChangeAspect="1"/>
+          </p:cNvPicPr>
+          <p:nvPr/>
+        </p:nvPicPr>
+        <p:blipFill>
+          <a:blip r:embed="rId17"/>
+          <a:stretch>
+            <a:fillRect/>
+          </a:stretch>
+        </p:blipFill>
+        <p:spPr>
+          <a:xfrm>
+            <a:off x="1572294" y="2281229"/>
+            <a:ext cx="8541426" cy="3998772"/>
+          </a:xfrm>
+          <a:prstGeom prst="rect">
+            <a:avLst/>
+          </a:prstGeom>
+        </p:spPr>
+      </p:pic>
     </p:spTree>
     <p:extLst>
       <p:ext uri="{BB962C8B-B14F-4D97-AF65-F5344CB8AC3E}">
-        <p14:creationId xmlns:p14="http://schemas.microsoft.com/office/powerpoint/2010/main" val="4019736552"/>
+        <p14:creationId xmlns:p14="http://schemas.microsoft.com/office/powerpoint/2010/main" val="4156896110"/>
+      </p:ext>
+    </p:extLst>
+  </p:cSld>
+  <p:clrMapOvr>
+    <a:masterClrMapping/>
+  </p:clrMapOvr>
+</p:sld>
+</file>
+
+<file path=ppt/slides/slide12.xml><?xml version="1.0" encoding="utf-8"?>
+<p:sld xmlns:a="http://schemas.openxmlformats.org/drawingml/2006/main" xmlns:r="http://schemas.openxmlformats.org/officeDocument/2006/relationships" xmlns:p="http://schemas.openxmlformats.org/presentationml/2006/main">
+  <p:cSld>
+    <p:spTree>
+      <p:nvGrpSpPr>
+        <p:cNvPr id="1" name=""/>
+        <p:cNvGrpSpPr/>
+        <p:nvPr/>
+      </p:nvGrpSpPr>
+      <p:grpSpPr>
+        <a:xfrm>
+          <a:off x="0" y="0"/>
+          <a:ext cx="0" cy="0"/>
+          <a:chOff x="0" y="0"/>
+          <a:chExt cx="0" cy="0"/>
+        </a:xfrm>
+      </p:grpSpPr>
+      <p:sp>
+        <p:nvSpPr>
+          <p:cNvPr id="2" name="Title 1"/>
+          <p:cNvSpPr>
+            <a:spLocks noGrp="1"/>
+          </p:cNvSpPr>
+          <p:nvPr>
+            <p:ph type="title"/>
+          </p:nvPr>
+        </p:nvSpPr>
+        <p:spPr/>
+        <p:txBody>
+          <a:bodyPr/>
+          <a:lstStyle/>
+          <a:p>
+            <a:r>
+              <a:rPr lang="en-US" smtClean="0"/>
+              <a:t>Project timeline</a:t>
+            </a:r>
+            <a:endParaRPr lang="he-IL" dirty="0"/>
+          </a:p>
+        </p:txBody>
+      </p:sp>
+      <p:sp>
+        <p:nvSpPr>
+          <p:cNvPr id="3" name="Content Placeholder 2"/>
+          <p:cNvSpPr>
+            <a:spLocks noGrp="1"/>
+          </p:cNvSpPr>
+          <p:nvPr>
+            <p:ph idx="1"/>
+          </p:nvPr>
+        </p:nvSpPr>
+        <p:spPr/>
+        <p:txBody>
+          <a:bodyPr/>
+          <a:lstStyle/>
+          <a:p>
+            <a:r>
+              <a:rPr lang="en-US" dirty="0" smtClean="0"/>
+              <a:t>Phase 1:</a:t>
+            </a:r>
+          </a:p>
+          <a:p>
+            <a:pPr lvl="1"/>
+            <a:r>
+              <a:rPr lang="en-US" dirty="0" smtClean="0"/>
+              <a:t>Implement an engine that creates a sound based on the RGB of the current pixel (according to mouse location)</a:t>
+            </a:r>
+          </a:p>
+          <a:p>
+            <a:r>
+              <a:rPr lang="en-US" dirty="0" smtClean="0"/>
+              <a:t>Phase 2:</a:t>
+            </a:r>
+          </a:p>
+          <a:p>
+            <a:pPr lvl="1"/>
+            <a:r>
+              <a:rPr lang="en-US" dirty="0" smtClean="0"/>
+              <a:t>Add UI and logic for user input: Sliders, selection of instrument, etc. </a:t>
+            </a:r>
+          </a:p>
+          <a:p>
+            <a:pPr lvl="1"/>
+            <a:r>
+              <a:rPr lang="en-US" dirty="0" smtClean="0"/>
+              <a:t>Record the music created </a:t>
+            </a:r>
+          </a:p>
+          <a:p>
+            <a:r>
+              <a:rPr lang="en-US" dirty="0" smtClean="0"/>
+              <a:t>Phase 3:</a:t>
+            </a:r>
+          </a:p>
+          <a:p>
+            <a:pPr lvl="1"/>
+            <a:r>
+              <a:rPr lang="en-US" dirty="0" smtClean="0"/>
+              <a:t>Add support for creating a music using multiple pictures </a:t>
+            </a:r>
+          </a:p>
+          <a:p>
+            <a:pPr lvl="1"/>
+            <a:endParaRPr lang="he-IL" dirty="0"/>
+          </a:p>
+        </p:txBody>
+      </p:sp>
+    </p:spTree>
+    <p:extLst>
+      <p:ext uri="{BB962C8B-B14F-4D97-AF65-F5344CB8AC3E}">
+        <p14:creationId xmlns:p14="http://schemas.microsoft.com/office/powerpoint/2010/main" val="174399316"/>
+      </p:ext>
+    </p:extLst>
+  </p:cSld>
+  <p:clrMapOvr>
+    <a:masterClrMapping/>
+  </p:clrMapOvr>
+</p:sld>
+</file>
+
+<file path=ppt/slides/slide13.xml><?xml version="1.0" encoding="utf-8"?>
+<p:sld xmlns:a="http://schemas.openxmlformats.org/drawingml/2006/main" xmlns:r="http://schemas.openxmlformats.org/officeDocument/2006/relationships" xmlns:p="http://schemas.openxmlformats.org/presentationml/2006/main">
+  <p:cSld>
+    <p:spTree>
+      <p:nvGrpSpPr>
+        <p:cNvPr id="1" name=""/>
+        <p:cNvGrpSpPr/>
+        <p:nvPr/>
+      </p:nvGrpSpPr>
+      <p:grpSpPr>
+        <a:xfrm>
+          <a:off x="0" y="0"/>
+          <a:ext cx="0" cy="0"/>
+          <a:chOff x="0" y="0"/>
+          <a:chExt cx="0" cy="0"/>
+        </a:xfrm>
+      </p:grpSpPr>
+      <p:sp>
+        <p:nvSpPr>
+          <p:cNvPr id="2" name="Title 1"/>
+          <p:cNvSpPr>
+            <a:spLocks noGrp="1"/>
+          </p:cNvSpPr>
+          <p:nvPr>
+            <p:ph type="title"/>
+          </p:nvPr>
+        </p:nvSpPr>
+        <p:spPr/>
+        <p:txBody>
+          <a:bodyPr/>
+          <a:lstStyle/>
+          <a:p>
+            <a:r>
+              <a:rPr lang="en-US" dirty="0" smtClean="0"/>
+              <a:t>Bibliography #1 </a:t>
+            </a:r>
+            <a:endParaRPr lang="he-IL" dirty="0"/>
+          </a:p>
+        </p:txBody>
+      </p:sp>
+      <p:sp>
+        <p:nvSpPr>
+          <p:cNvPr id="3" name="Content Placeholder 2"/>
+          <p:cNvSpPr>
+            <a:spLocks noGrp="1"/>
+          </p:cNvSpPr>
+          <p:nvPr>
+            <p:ph idx="1"/>
+          </p:nvPr>
+        </p:nvSpPr>
+        <p:spPr/>
+        <p:txBody>
+          <a:bodyPr>
+            <a:normAutofit/>
+          </a:bodyPr>
+          <a:lstStyle/>
+          <a:p>
+            <a:endParaRPr lang="en-US" dirty="0" smtClean="0"/>
+          </a:p>
+          <a:p>
+            <a:r>
+              <a:rPr lang="en-US" dirty="0" smtClean="0"/>
+              <a:t>We </a:t>
+            </a:r>
+            <a:r>
+              <a:rPr lang="en-US" dirty="0"/>
+              <a:t>were inspired by the video presented in class of “Geo shred preview”</a:t>
+            </a:r>
+          </a:p>
+          <a:p>
+            <a:pPr marL="0" indent="0">
+              <a:buNone/>
+            </a:pPr>
+            <a:r>
+              <a:rPr lang="en-US" dirty="0">
+                <a:hlinkClick r:id="rId3"/>
+              </a:rPr>
+              <a:t>https://www.youtube.com/watch?v=CDLA8B8BkbQ</a:t>
+            </a:r>
+            <a:r>
+              <a:rPr lang="en-US" dirty="0"/>
+              <a:t> </a:t>
+            </a:r>
+          </a:p>
+          <a:p>
+            <a:pPr marL="0" indent="0">
+              <a:buNone/>
+            </a:pPr>
+            <a:r>
+              <a:rPr lang="en-US" dirty="0"/>
+              <a:t>Were you can see a musician play using a touch </a:t>
+            </a:r>
+            <a:r>
+              <a:rPr lang="en-US" dirty="0" smtClean="0"/>
+              <a:t>screen</a:t>
+            </a:r>
+          </a:p>
+          <a:p>
+            <a:r>
+              <a:rPr lang="en-US" dirty="0" err="1" smtClean="0"/>
+              <a:t>Vuzik</a:t>
+            </a:r>
+            <a:r>
+              <a:rPr lang="en-US" dirty="0"/>
+              <a:t> </a:t>
+            </a:r>
+            <a:r>
+              <a:rPr lang="en-US" dirty="0" smtClean="0"/>
+              <a:t>–A </a:t>
+            </a:r>
+            <a:r>
+              <a:rPr lang="en-US" dirty="0"/>
+              <a:t>PAINTING GRAPHIC SCORE INTERFACE FOR</a:t>
+            </a:r>
+          </a:p>
+          <a:p>
+            <a:pPr marL="0" indent="0">
+              <a:buNone/>
+            </a:pPr>
+            <a:r>
+              <a:rPr lang="en-US" dirty="0"/>
+              <a:t>COMPOSING AND CONTROL OF SOUND GENERATION</a:t>
+            </a:r>
+            <a:endParaRPr lang="en-US" dirty="0" smtClean="0"/>
+          </a:p>
+          <a:p>
+            <a:pPr marL="0" indent="0">
+              <a:buNone/>
+            </a:pPr>
+            <a:r>
+              <a:rPr lang="en-US" dirty="0" smtClean="0"/>
+              <a:t>Video: </a:t>
+            </a:r>
+            <a:r>
+              <a:rPr lang="en-US" dirty="0">
+                <a:hlinkClick r:id="rId4"/>
+              </a:rPr>
+              <a:t>https://</a:t>
+            </a:r>
+            <a:r>
+              <a:rPr lang="en-US" dirty="0" smtClean="0">
+                <a:hlinkClick r:id="rId4"/>
+              </a:rPr>
+              <a:t>www.youtube.com/watch?v=Oq7c43mZYdY</a:t>
+            </a:r>
+            <a:r>
+              <a:rPr lang="en-US" dirty="0" smtClean="0"/>
+              <a:t> </a:t>
+            </a:r>
+          </a:p>
+          <a:p>
+            <a:pPr marL="0" indent="0">
+              <a:buNone/>
+            </a:pPr>
+            <a:r>
+              <a:rPr lang="en-US" dirty="0" err="1" smtClean="0"/>
+              <a:t>Paper:</a:t>
+            </a:r>
+            <a:r>
+              <a:rPr lang="en-US" dirty="0" err="1" smtClean="0">
+                <a:hlinkClick r:id="rId5"/>
+              </a:rPr>
+              <a:t>https</a:t>
+            </a:r>
+            <a:r>
+              <a:rPr lang="en-US" dirty="0">
+                <a:hlinkClick r:id="rId5"/>
+              </a:rPr>
+              <a:t>://quod.lib.umich.edu/cache//</a:t>
+            </a:r>
+            <a:r>
+              <a:rPr lang="en-US" dirty="0" smtClean="0">
+                <a:hlinkClick r:id="rId5"/>
+              </a:rPr>
+              <a:t>b/b/p/bbp2372.2012.108/bbp2372.2012.108.pdf#page=4;zoom=75</a:t>
+            </a:r>
+            <a:endParaRPr lang="he-IL" dirty="0" smtClean="0"/>
+          </a:p>
+          <a:p>
+            <a:pPr marL="0" indent="0">
+              <a:buNone/>
+            </a:pPr>
+            <a:endParaRPr lang="he-IL" dirty="0"/>
+          </a:p>
+        </p:txBody>
+      </p:sp>
+    </p:spTree>
+    <p:extLst>
+      <p:ext uri="{BB962C8B-B14F-4D97-AF65-F5344CB8AC3E}">
+        <p14:creationId xmlns:p14="http://schemas.microsoft.com/office/powerpoint/2010/main" val="1051116822"/>
+      </p:ext>
+    </p:extLst>
+  </p:cSld>
+  <p:clrMapOvr>
+    <a:masterClrMapping/>
+  </p:clrMapOvr>
+</p:sld>
+</file>
+
+<file path=ppt/slides/slide14.xml><?xml version="1.0" encoding="utf-8"?>
+<p:sld xmlns:a="http://schemas.openxmlformats.org/drawingml/2006/main" xmlns:r="http://schemas.openxmlformats.org/officeDocument/2006/relationships" xmlns:p="http://schemas.openxmlformats.org/presentationml/2006/main">
+  <p:cSld>
+    <p:spTree>
+      <p:nvGrpSpPr>
+        <p:cNvPr id="1" name=""/>
+        <p:cNvGrpSpPr/>
+        <p:nvPr/>
+      </p:nvGrpSpPr>
+      <p:grpSpPr>
+        <a:xfrm>
+          <a:off x="0" y="0"/>
+          <a:ext cx="0" cy="0"/>
+          <a:chOff x="0" y="0"/>
+          <a:chExt cx="0" cy="0"/>
+        </a:xfrm>
+      </p:grpSpPr>
+      <p:sp>
+        <p:nvSpPr>
+          <p:cNvPr id="2" name="Title 1"/>
+          <p:cNvSpPr>
+            <a:spLocks noGrp="1"/>
+          </p:cNvSpPr>
+          <p:nvPr>
+            <p:ph type="title"/>
+          </p:nvPr>
+        </p:nvSpPr>
+        <p:spPr/>
+        <p:txBody>
+          <a:bodyPr/>
+          <a:lstStyle/>
+          <a:p>
+            <a:r>
+              <a:rPr lang="en-US" dirty="0" smtClean="0"/>
+              <a:t>Bibliography #2 </a:t>
+            </a:r>
+            <a:endParaRPr lang="he-IL" dirty="0"/>
+          </a:p>
+        </p:txBody>
+      </p:sp>
+      <p:sp>
+        <p:nvSpPr>
+          <p:cNvPr id="3" name="Content Placeholder 2"/>
+          <p:cNvSpPr>
+            <a:spLocks noGrp="1"/>
+          </p:cNvSpPr>
+          <p:nvPr>
+            <p:ph idx="1"/>
+          </p:nvPr>
+        </p:nvSpPr>
+        <p:spPr/>
+        <p:txBody>
+          <a:bodyPr>
+            <a:normAutofit/>
+          </a:bodyPr>
+          <a:lstStyle/>
+          <a:p>
+            <a:endParaRPr lang="en-US" dirty="0" smtClean="0"/>
+          </a:p>
+          <a:p>
+            <a:r>
+              <a:rPr lang="en-US" dirty="0" smtClean="0"/>
+              <a:t>Musical Sonification of Super High Frequency </a:t>
+            </a:r>
+            <a:r>
+              <a:rPr lang="en-US" dirty="0"/>
+              <a:t>Lighting </a:t>
+            </a:r>
+            <a:r>
+              <a:rPr lang="en-US" dirty="0" smtClean="0"/>
+              <a:t>–  Paper:</a:t>
+            </a:r>
+          </a:p>
+          <a:p>
+            <a:pPr marL="0" indent="0">
+              <a:buNone/>
+            </a:pPr>
+            <a:r>
+              <a:rPr lang="en-US" dirty="0" smtClean="0">
+                <a:hlinkClick r:id="rId3"/>
+              </a:rPr>
+              <a:t>https</a:t>
+            </a:r>
+            <a:r>
+              <a:rPr lang="en-US" dirty="0">
+                <a:hlinkClick r:id="rId3"/>
+              </a:rPr>
+              <a:t>://quod.lib.umich.edu/cache//</a:t>
+            </a:r>
+            <a:r>
+              <a:rPr lang="en-US" dirty="0" smtClean="0">
+                <a:hlinkClick r:id="rId3"/>
+              </a:rPr>
+              <a:t>b/b/p/bbp2372.2017.039/bbp2372.2017.039.pdf#page=1;zoom=75</a:t>
+            </a:r>
+            <a:endParaRPr lang="en-US" dirty="0" smtClean="0"/>
+          </a:p>
+          <a:p>
+            <a:r>
+              <a:rPr lang="en-US" dirty="0" smtClean="0"/>
+              <a:t>See music: A tool for music visualization – Paper: </a:t>
+            </a:r>
+          </a:p>
+          <a:p>
+            <a:pPr marL="0" lvl="1" indent="0">
+              <a:spcBef>
+                <a:spcPts val="1200"/>
+              </a:spcBef>
+              <a:buNone/>
+            </a:pPr>
+            <a:r>
+              <a:rPr lang="en-US" sz="2000" dirty="0" smtClean="0">
+                <a:hlinkClick r:id="rId4"/>
+              </a:rPr>
+              <a:t>https</a:t>
+            </a:r>
+            <a:r>
+              <a:rPr lang="en-US" sz="2000" dirty="0">
+                <a:hlinkClick r:id="rId4"/>
+              </a:rPr>
+              <a:t>://quod.lib.umich.edu/cache//b/b/p/bbp2372.1993.114/bbp2372.1993.114.pdf#page=1;zoom=75</a:t>
+            </a:r>
+            <a:endParaRPr lang="en-US" sz="2000" dirty="0"/>
+          </a:p>
+          <a:p>
+            <a:pPr marL="0" indent="0">
+              <a:buNone/>
+            </a:pPr>
+            <a:r>
+              <a:rPr lang="en-US" dirty="0"/>
+              <a:t>Video: </a:t>
+            </a:r>
+            <a:r>
+              <a:rPr lang="en-US" dirty="0">
+                <a:hlinkClick r:id="rId5"/>
+              </a:rPr>
+              <a:t>https://</a:t>
+            </a:r>
+            <a:r>
+              <a:rPr lang="en-US" dirty="0" smtClean="0">
+                <a:hlinkClick r:id="rId5"/>
+              </a:rPr>
+              <a:t>www.youtube.com/watch?v=qNhwDzInBjo</a:t>
+            </a:r>
+            <a:endParaRPr lang="en-US" dirty="0" smtClean="0"/>
+          </a:p>
+          <a:p>
+            <a:pPr marL="0" indent="0">
+              <a:buNone/>
+            </a:pPr>
+            <a:endParaRPr lang="en-US" dirty="0" smtClean="0"/>
+          </a:p>
+        </p:txBody>
+      </p:sp>
+    </p:spTree>
+    <p:extLst>
+      <p:ext uri="{BB962C8B-B14F-4D97-AF65-F5344CB8AC3E}">
+        <p14:creationId xmlns:p14="http://schemas.microsoft.com/office/powerpoint/2010/main" val="2686498360"/>
+      </p:ext>
+    </p:extLst>
+  </p:cSld>
+  <p:clrMapOvr>
+    <a:masterClrMapping/>
+  </p:clrMapOvr>
+</p:sld>
+</file>
+
+<file path=ppt/slides/slide2.xml><?xml version="1.0" encoding="utf-8"?>
+<p:sld xmlns:a="http://schemas.openxmlformats.org/drawingml/2006/main" xmlns:r="http://schemas.openxmlformats.org/officeDocument/2006/relationships" xmlns:p="http://schemas.openxmlformats.org/presentationml/2006/main">
+  <p:cSld>
+    <p:spTree>
+      <p:nvGrpSpPr>
+        <p:cNvPr id="1" name=""/>
+        <p:cNvGrpSpPr/>
+        <p:nvPr/>
+      </p:nvGrpSpPr>
+      <p:grpSpPr>
+        <a:xfrm>
+          <a:off x="0" y="0"/>
+          <a:ext cx="0" cy="0"/>
+          <a:chOff x="0" y="0"/>
+          <a:chExt cx="0" cy="0"/>
+        </a:xfrm>
+      </p:grpSpPr>
+      <p:sp>
+        <p:nvSpPr>
+          <p:cNvPr id="4" name="TextBox 3">
+            <a:extLst>
+              <a:ext uri="{FF2B5EF4-FFF2-40B4-BE49-F238E27FC236}">
+                <a16:creationId xmlns:a16="http://schemas.microsoft.com/office/drawing/2014/main" id="{EA82BB0B-F4FE-4E3A-950F-688B5F349888}"/>
+              </a:ext>
+            </a:extLst>
+          </p:cNvPr>
+          <p:cNvSpPr txBox="1"/>
+          <p:nvPr/>
+        </p:nvSpPr>
+        <p:spPr>
+          <a:xfrm>
+            <a:off x="970383" y="1559386"/>
+            <a:ext cx="10105053" cy="1200329"/>
+          </a:xfrm>
+          <a:prstGeom prst="rect">
+            <a:avLst/>
+          </a:prstGeom>
+          <a:noFill/>
+        </p:spPr>
+        <p:txBody>
+          <a:bodyPr wrap="square" rtlCol="0">
+            <a:spAutoFit/>
+          </a:bodyPr>
+          <a:lstStyle/>
+          <a:p>
+            <a:pPr algn="ctr"/>
+            <a:r>
+              <a:rPr lang="en-US" sz="7200" cap="all" dirty="0">
+                <a:blipFill>
+                  <a:blip r:embed="rId2">
+                    <a:extLst>
+                      <a:ext uri="{28A0092B-C50C-407E-A947-70E740481C1C}">
+                        <a14:useLocalDpi xmlns:a14="http://schemas.microsoft.com/office/drawing/2010/main" val="0"/>
+                      </a:ext>
+                    </a:extLst>
+                  </a:blip>
+                  <a:tile tx="6350" ty="-127000" sx="65000" sy="64000" flip="none" algn="tl"/>
+                </a:blipFill>
+                <a:latin typeface="+mj-lt"/>
+                <a:ea typeface="+mj-ea"/>
+                <a:cs typeface="+mj-cs"/>
+              </a:rPr>
+              <a:t>Basic Idea</a:t>
+            </a:r>
+          </a:p>
+        </p:txBody>
+      </p:sp>
+      <p:sp>
+        <p:nvSpPr>
+          <p:cNvPr id="5" name="TextBox 4">
+            <a:extLst>
+              <a:ext uri="{FF2B5EF4-FFF2-40B4-BE49-F238E27FC236}">
+                <a16:creationId xmlns:a16="http://schemas.microsoft.com/office/drawing/2014/main" id="{7024FD29-95EA-46C4-8545-505173B21007}"/>
+              </a:ext>
+            </a:extLst>
+          </p:cNvPr>
+          <p:cNvSpPr txBox="1"/>
+          <p:nvPr/>
+        </p:nvSpPr>
+        <p:spPr>
+          <a:xfrm>
+            <a:off x="1343606" y="2667382"/>
+            <a:ext cx="9358605" cy="1384995"/>
+          </a:xfrm>
+          <a:prstGeom prst="rect">
+            <a:avLst/>
+          </a:prstGeom>
+          <a:noFill/>
+        </p:spPr>
+        <p:txBody>
+          <a:bodyPr wrap="square" rtlCol="0">
+            <a:spAutoFit/>
+          </a:bodyPr>
+          <a:lstStyle/>
+          <a:p>
+            <a:pPr algn="ctr"/>
+            <a:r>
+              <a:rPr lang="en-US" sz="2800" dirty="0"/>
+              <a:t>Let the user “hear” an image</a:t>
+            </a:r>
+          </a:p>
+          <a:p>
+            <a:pPr algn="ctr"/>
+            <a:r>
+              <a:rPr lang="en-US" sz="2800" dirty="0"/>
+              <a:t>OR</a:t>
+            </a:r>
+          </a:p>
+          <a:p>
+            <a:pPr algn="ctr"/>
+            <a:r>
+              <a:rPr lang="en-US" sz="2800" dirty="0"/>
+              <a:t>Create music from an image</a:t>
+            </a:r>
+          </a:p>
+        </p:txBody>
+      </p:sp>
+      <p:pic>
+        <p:nvPicPr>
+          <p:cNvPr id="1026" name="Picture 2" descr="×ª××¦××ª ×ª××× × ×¢×××¨ âªmusic pixelâ¬â">
+            <a:extLst>
+              <a:ext uri="{FF2B5EF4-FFF2-40B4-BE49-F238E27FC236}">
+                <a16:creationId xmlns:a16="http://schemas.microsoft.com/office/drawing/2014/main" id="{6E043A9D-8C6E-412B-9610-EA3C9C02E538}"/>
+              </a:ext>
+            </a:extLst>
+          </p:cNvPr>
+          <p:cNvPicPr>
+            <a:picLocks noChangeAspect="1" noChangeArrowheads="1"/>
+          </p:cNvPicPr>
+          <p:nvPr/>
+        </p:nvPicPr>
+        <p:blipFill>
+          <a:blip r:embed="rId3" cstate="hqprint">
+            <a:extLst>
+              <a:ext uri="{28A0092B-C50C-407E-A947-70E740481C1C}">
+                <a14:useLocalDpi xmlns:a14="http://schemas.microsoft.com/office/drawing/2010/main" val="0"/>
+              </a:ext>
+            </a:extLst>
+          </a:blip>
+          <a:srcRect/>
+          <a:stretch>
+            <a:fillRect/>
+          </a:stretch>
+        </p:blipFill>
+        <p:spPr bwMode="auto">
+          <a:xfrm>
+            <a:off x="0" y="3938271"/>
+            <a:ext cx="1574469" cy="2478755"/>
+          </a:xfrm>
+          <a:prstGeom prst="rect">
+            <a:avLst/>
+          </a:prstGeom>
+          <a:noFill/>
+          <a:extLst>
+            <a:ext uri="{909E8E84-426E-40DD-AFC4-6F175D3DCCD1}">
+              <a14:hiddenFill xmlns:a14="http://schemas.microsoft.com/office/drawing/2010/main">
+                <a:solidFill>
+                  <a:srgbClr val="FFFFFF"/>
+                </a:solidFill>
+              </a14:hiddenFill>
+            </a:ext>
+          </a:extLst>
+        </p:spPr>
+      </p:pic>
+    </p:spTree>
+    <p:extLst>
+      <p:ext uri="{BB962C8B-B14F-4D97-AF65-F5344CB8AC3E}">
+        <p14:creationId xmlns:p14="http://schemas.microsoft.com/office/powerpoint/2010/main" val="4020522809"/>
+      </p:ext>
+    </p:extLst>
+  </p:cSld>
+  <p:clrMapOvr>
+    <a:masterClrMapping/>
+  </p:clrMapOvr>
+</p:sld>
+</file>
+
+<file path=ppt/slides/slide3.xml><?xml version="1.0" encoding="utf-8"?>
+<p:sld xmlns:a="http://schemas.openxmlformats.org/drawingml/2006/main" xmlns:r="http://schemas.openxmlformats.org/officeDocument/2006/relationships" xmlns:p="http://schemas.openxmlformats.org/presentationml/2006/main">
+  <p:cSld>
+    <p:spTree>
+      <p:nvGrpSpPr>
+        <p:cNvPr id="1" name=""/>
+        <p:cNvGrpSpPr/>
+        <p:nvPr/>
+      </p:nvGrpSpPr>
+      <p:grpSpPr>
+        <a:xfrm>
+          <a:off x="0" y="0"/>
+          <a:ext cx="0" cy="0"/>
+          <a:chOff x="0" y="0"/>
+          <a:chExt cx="0" cy="0"/>
+        </a:xfrm>
+      </p:grpSpPr>
+      <p:sp>
+        <p:nvSpPr>
+          <p:cNvPr id="2" name="Title 1">
+            <a:extLst>
+              <a:ext uri="{FF2B5EF4-FFF2-40B4-BE49-F238E27FC236}">
+                <a16:creationId xmlns:a16="http://schemas.microsoft.com/office/drawing/2014/main" id="{49A14EDF-60EC-4ADD-BDED-53DD249324D2}"/>
+              </a:ext>
+            </a:extLst>
+          </p:cNvPr>
+          <p:cNvSpPr>
+            <a:spLocks noGrp="1"/>
+          </p:cNvSpPr>
+          <p:nvPr>
+            <p:ph type="title"/>
+          </p:nvPr>
+        </p:nvSpPr>
+        <p:spPr/>
+        <p:txBody>
+          <a:bodyPr/>
+          <a:lstStyle/>
+          <a:p>
+            <a:r>
+              <a:rPr lang="en-US" dirty="0"/>
+              <a:t>Related Work - RGB Music Lab</a:t>
+            </a:r>
+          </a:p>
+        </p:txBody>
+      </p:sp>
+      <p:sp>
+        <p:nvSpPr>
+          <p:cNvPr id="3" name="Content Placeholder 2">
+            <a:extLst>
+              <a:ext uri="{FF2B5EF4-FFF2-40B4-BE49-F238E27FC236}">
+                <a16:creationId xmlns:a16="http://schemas.microsoft.com/office/drawing/2014/main" id="{951EFB61-8E51-4B75-B6AB-6D8F6CA4978A}"/>
+              </a:ext>
+            </a:extLst>
+          </p:cNvPr>
+          <p:cNvSpPr>
+            <a:spLocks noGrp="1"/>
+          </p:cNvSpPr>
+          <p:nvPr>
+            <p:ph idx="1"/>
+          </p:nvPr>
+        </p:nvSpPr>
+        <p:spPr/>
+        <p:txBody>
+          <a:bodyPr/>
+          <a:lstStyle/>
+          <a:p>
+            <a:r>
+              <a:rPr lang="en-US" dirty="0"/>
+              <a:t>Created by Kenji Kojima, a Japanese visual artist.</a:t>
+            </a:r>
+          </a:p>
+          <a:p>
+            <a:r>
+              <a:rPr lang="en-US" dirty="0">
+                <a:hlinkClick r:id="rId3"/>
+              </a:rPr>
+              <a:t>http://www.kenjikojima.com/rgbmusic</a:t>
+            </a:r>
+            <a:endParaRPr lang="en-US" dirty="0"/>
+          </a:p>
+          <a:p>
+            <a:r>
+              <a:rPr lang="en-US" dirty="0"/>
+              <a:t>Create a music from an image</a:t>
+            </a:r>
+          </a:p>
+          <a:p>
+            <a:pPr lvl="1"/>
+            <a:r>
+              <a:rPr lang="en-US" dirty="0"/>
+              <a:t>Reads RGB value of pixels from the top left to the bottom right of an image, then composes an music</a:t>
+            </a:r>
+          </a:p>
+          <a:p>
+            <a:r>
+              <a:rPr lang="en-US" dirty="0"/>
+              <a:t>Pros:</a:t>
+            </a:r>
+          </a:p>
+          <a:p>
+            <a:pPr lvl="1"/>
+            <a:r>
+              <a:rPr lang="en-US" dirty="0"/>
+              <a:t>Contains a lot of options for user input</a:t>
+            </a:r>
+          </a:p>
+          <a:p>
+            <a:pPr lvl="1"/>
+            <a:r>
+              <a:rPr lang="en-US" dirty="0"/>
+              <a:t>Very advanced</a:t>
+            </a:r>
+          </a:p>
+          <a:p>
+            <a:r>
+              <a:rPr lang="en-US" dirty="0"/>
+              <a:t>Cons:</a:t>
+            </a:r>
+          </a:p>
+          <a:p>
+            <a:pPr lvl="1"/>
+            <a:r>
+              <a:rPr lang="en-US" dirty="0"/>
+              <a:t>Not free</a:t>
+            </a:r>
+          </a:p>
+          <a:p>
+            <a:pPr lvl="1"/>
+            <a:r>
+              <a:rPr lang="en-US" dirty="0"/>
+              <a:t>Out dated - no support</a:t>
+            </a:r>
+          </a:p>
+          <a:p>
+            <a:endParaRPr lang="en-US" dirty="0"/>
+          </a:p>
+        </p:txBody>
+      </p:sp>
+      <p:pic>
+        <p:nvPicPr>
+          <p:cNvPr id="4" name="Picture 2" descr="×ª××¦××ª ×ª××× × ×¢×××¨ âªmusic pixelâ¬â">
+            <a:extLst>
+              <a:ext uri="{FF2B5EF4-FFF2-40B4-BE49-F238E27FC236}">
+                <a16:creationId xmlns:a16="http://schemas.microsoft.com/office/drawing/2014/main" id="{3580F6C7-1C19-4A57-8C0F-3A17CB1173FE}"/>
+              </a:ext>
+            </a:extLst>
+          </p:cNvPr>
+          <p:cNvPicPr>
+            <a:picLocks noChangeAspect="1" noChangeArrowheads="1"/>
+          </p:cNvPicPr>
+          <p:nvPr/>
+        </p:nvPicPr>
+        <p:blipFill>
+          <a:blip r:embed="rId4" cstate="hqprint">
+            <a:extLst>
+              <a:ext uri="{28A0092B-C50C-407E-A947-70E740481C1C}">
+                <a14:useLocalDpi xmlns:a14="http://schemas.microsoft.com/office/drawing/2010/main" val="0"/>
+              </a:ext>
+            </a:extLst>
+          </a:blip>
+          <a:srcRect/>
+          <a:stretch>
+            <a:fillRect/>
+          </a:stretch>
+        </p:blipFill>
+        <p:spPr bwMode="auto">
+          <a:xfrm>
+            <a:off x="11288324" y="5128341"/>
+            <a:ext cx="663044" cy="1043859"/>
+          </a:xfrm>
+          <a:prstGeom prst="rect">
+            <a:avLst/>
+          </a:prstGeom>
+          <a:noFill/>
+          <a:extLst>
+            <a:ext uri="{909E8E84-426E-40DD-AFC4-6F175D3DCCD1}">
+              <a14:hiddenFill xmlns:a14="http://schemas.microsoft.com/office/drawing/2010/main">
+                <a:solidFill>
+                  <a:srgbClr val="FFFFFF"/>
+                </a:solidFill>
+              </a14:hiddenFill>
+            </a:ext>
+          </a:extLst>
+        </p:spPr>
+      </p:pic>
+    </p:spTree>
+    <p:extLst>
+      <p:ext uri="{BB962C8B-B14F-4D97-AF65-F5344CB8AC3E}">
+        <p14:creationId xmlns:p14="http://schemas.microsoft.com/office/powerpoint/2010/main" val="139653830"/>
+      </p:ext>
+    </p:extLst>
+  </p:cSld>
+  <p:clrMapOvr>
+    <a:masterClrMapping/>
+  </p:clrMapOvr>
+</p:sld>
+</file>
+
+<file path=ppt/slides/slide4.xml><?xml version="1.0" encoding="utf-8"?>
+<p:sld xmlns:a="http://schemas.openxmlformats.org/drawingml/2006/main" xmlns:r="http://schemas.openxmlformats.org/officeDocument/2006/relationships" xmlns:p="http://schemas.openxmlformats.org/presentationml/2006/main">
+  <p:cSld>
+    <p:spTree>
+      <p:nvGrpSpPr>
+        <p:cNvPr id="1" name=""/>
+        <p:cNvGrpSpPr/>
+        <p:nvPr/>
+      </p:nvGrpSpPr>
+      <p:grpSpPr>
+        <a:xfrm>
+          <a:off x="0" y="0"/>
+          <a:ext cx="0" cy="0"/>
+          <a:chOff x="0" y="0"/>
+          <a:chExt cx="0" cy="0"/>
+        </a:xfrm>
+      </p:grpSpPr>
+      <p:sp>
+        <p:nvSpPr>
+          <p:cNvPr id="5" name="Title 1">
+            <a:extLst>
+              <a:ext uri="{FF2B5EF4-FFF2-40B4-BE49-F238E27FC236}">
+                <a16:creationId xmlns:a16="http://schemas.microsoft.com/office/drawing/2014/main" id="{21CFD2F0-6B15-4A12-8AA1-B11FF81A7B46}"/>
+              </a:ext>
+            </a:extLst>
+          </p:cNvPr>
+          <p:cNvSpPr>
+            <a:spLocks noGrp="1"/>
+          </p:cNvSpPr>
+          <p:nvPr>
+            <p:ph type="title"/>
+          </p:nvPr>
+        </p:nvSpPr>
+        <p:spPr>
+          <a:xfrm>
+            <a:off x="1069848" y="484632"/>
+            <a:ext cx="10058400" cy="1609344"/>
+          </a:xfrm>
+        </p:spPr>
+        <p:txBody>
+          <a:bodyPr/>
+          <a:lstStyle/>
+          <a:p>
+            <a:r>
+              <a:rPr lang="en-US" dirty="0"/>
+              <a:t>Related Work - RGB Music Lab</a:t>
+            </a:r>
+          </a:p>
+        </p:txBody>
+      </p:sp>
+      <p:pic>
+        <p:nvPicPr>
+          <p:cNvPr id="1028" name="Picture 4" descr="http://www.kenjikojima.com/rgbmusic/img/RGBMusicLab.jpg">
+            <a:extLst>
+              <a:ext uri="{FF2B5EF4-FFF2-40B4-BE49-F238E27FC236}">
+                <a16:creationId xmlns:a16="http://schemas.microsoft.com/office/drawing/2014/main" id="{D889E65C-0EAE-4D84-A76C-9525DA8388B9}"/>
+              </a:ext>
+            </a:extLst>
+          </p:cNvPr>
+          <p:cNvPicPr>
+            <a:picLocks noChangeAspect="1" noChangeArrowheads="1"/>
+          </p:cNvPicPr>
+          <p:nvPr/>
+        </p:nvPicPr>
+        <p:blipFill>
+          <a:blip r:embed="rId2">
+            <a:extLst>
+              <a:ext uri="{28A0092B-C50C-407E-A947-70E740481C1C}">
+                <a14:useLocalDpi xmlns:a14="http://schemas.microsoft.com/office/drawing/2010/main" val="0"/>
+              </a:ext>
+            </a:extLst>
+          </a:blip>
+          <a:srcRect/>
+          <a:stretch>
+            <a:fillRect/>
+          </a:stretch>
+        </p:blipFill>
+        <p:spPr bwMode="auto">
+          <a:xfrm>
+            <a:off x="2075949" y="1849855"/>
+            <a:ext cx="6859504" cy="4694949"/>
+          </a:xfrm>
+          <a:prstGeom prst="rect">
+            <a:avLst/>
+          </a:prstGeom>
+          <a:noFill/>
+          <a:extLst>
+            <a:ext uri="{909E8E84-426E-40DD-AFC4-6F175D3DCCD1}">
+              <a14:hiddenFill xmlns:a14="http://schemas.microsoft.com/office/drawing/2010/main">
+                <a:solidFill>
+                  <a:srgbClr val="FFFFFF"/>
+                </a:solidFill>
+              </a14:hiddenFill>
+            </a:ext>
+          </a:extLst>
+        </p:spPr>
+      </p:pic>
+      <p:pic>
+        <p:nvPicPr>
+          <p:cNvPr id="6" name="Picture 2" descr="×ª××¦××ª ×ª××× × ×¢×××¨ âªmusic pixelâ¬â">
+            <a:extLst>
+              <a:ext uri="{FF2B5EF4-FFF2-40B4-BE49-F238E27FC236}">
+                <a16:creationId xmlns:a16="http://schemas.microsoft.com/office/drawing/2014/main" id="{EC7F31A7-E3C3-4E42-9B79-D554A8E64CBD}"/>
+              </a:ext>
+            </a:extLst>
+          </p:cNvPr>
+          <p:cNvPicPr>
+            <a:picLocks noChangeAspect="1" noChangeArrowheads="1"/>
+          </p:cNvPicPr>
+          <p:nvPr/>
+        </p:nvPicPr>
+        <p:blipFill>
+          <a:blip r:embed="rId3" cstate="hqprint">
+            <a:extLst>
+              <a:ext uri="{28A0092B-C50C-407E-A947-70E740481C1C}">
+                <a14:useLocalDpi xmlns:a14="http://schemas.microsoft.com/office/drawing/2010/main" val="0"/>
+              </a:ext>
+            </a:extLst>
+          </a:blip>
+          <a:srcRect/>
+          <a:stretch>
+            <a:fillRect/>
+          </a:stretch>
+        </p:blipFill>
+        <p:spPr bwMode="auto">
+          <a:xfrm>
+            <a:off x="11288324" y="5128341"/>
+            <a:ext cx="663044" cy="1043859"/>
+          </a:xfrm>
+          <a:prstGeom prst="rect">
+            <a:avLst/>
+          </a:prstGeom>
+          <a:noFill/>
+          <a:extLst>
+            <a:ext uri="{909E8E84-426E-40DD-AFC4-6F175D3DCCD1}">
+              <a14:hiddenFill xmlns:a14="http://schemas.microsoft.com/office/drawing/2010/main">
+                <a:solidFill>
+                  <a:srgbClr val="FFFFFF"/>
+                </a:solidFill>
+              </a14:hiddenFill>
+            </a:ext>
+          </a:extLst>
+        </p:spPr>
+      </p:pic>
+    </p:spTree>
+    <p:extLst>
+      <p:ext uri="{BB962C8B-B14F-4D97-AF65-F5344CB8AC3E}">
+        <p14:creationId xmlns:p14="http://schemas.microsoft.com/office/powerpoint/2010/main" val="1963932940"/>
+      </p:ext>
+    </p:extLst>
+  </p:cSld>
+  <p:clrMapOvr>
+    <a:masterClrMapping/>
+  </p:clrMapOvr>
+</p:sld>
+</file>
+
+<file path=ppt/slides/slide5.xml><?xml version="1.0" encoding="utf-8"?>
+<p:sld xmlns:a="http://schemas.openxmlformats.org/drawingml/2006/main" xmlns:r="http://schemas.openxmlformats.org/officeDocument/2006/relationships" xmlns:p="http://schemas.openxmlformats.org/presentationml/2006/main">
+  <p:cSld>
+    <p:spTree>
+      <p:nvGrpSpPr>
+        <p:cNvPr id="1" name=""/>
+        <p:cNvGrpSpPr/>
+        <p:nvPr/>
+      </p:nvGrpSpPr>
+      <p:grpSpPr>
+        <a:xfrm>
+          <a:off x="0" y="0"/>
+          <a:ext cx="0" cy="0"/>
+          <a:chOff x="0" y="0"/>
+          <a:chExt cx="0" cy="0"/>
+        </a:xfrm>
+      </p:grpSpPr>
+      <p:sp>
+        <p:nvSpPr>
+          <p:cNvPr id="2" name="Title 1"/>
+          <p:cNvSpPr>
+            <a:spLocks noGrp="1"/>
+          </p:cNvSpPr>
+          <p:nvPr>
+            <p:ph type="title"/>
+          </p:nvPr>
+        </p:nvSpPr>
+        <p:spPr/>
+        <p:txBody>
+          <a:bodyPr/>
+          <a:lstStyle/>
+          <a:p>
+            <a:endParaRPr lang="he-IL"/>
+          </a:p>
+        </p:txBody>
+      </p:sp>
+      <p:sp>
+        <p:nvSpPr>
+          <p:cNvPr id="3" name="Content Placeholder 2"/>
+          <p:cNvSpPr>
+            <a:spLocks noGrp="1"/>
+          </p:cNvSpPr>
+          <p:nvPr>
+            <p:ph idx="1"/>
+          </p:nvPr>
+        </p:nvSpPr>
+        <p:spPr/>
+        <p:txBody>
+          <a:bodyPr/>
+          <a:lstStyle/>
+          <a:p>
+            <a:r>
+              <a:rPr lang="he-IL" dirty="0" smtClean="0"/>
+              <a:t>זהבית – להוסיף את ה</a:t>
+            </a:r>
+            <a:endParaRPr lang="he-IL" dirty="0"/>
+          </a:p>
+          <a:p>
+            <a:r>
+              <a:rPr lang="en-US" dirty="0" err="1" smtClean="0"/>
+              <a:t>vuzik</a:t>
+            </a:r>
+            <a:endParaRPr lang="he-IL" dirty="0"/>
+          </a:p>
+        </p:txBody>
+      </p:sp>
+    </p:spTree>
+    <p:extLst>
+      <p:ext uri="{BB962C8B-B14F-4D97-AF65-F5344CB8AC3E}">
+        <p14:creationId xmlns:p14="http://schemas.microsoft.com/office/powerpoint/2010/main" val="3263142642"/>
+      </p:ext>
+    </p:extLst>
+  </p:cSld>
+  <p:clrMapOvr>
+    <a:masterClrMapping/>
+  </p:clrMapOvr>
+</p:sld>
+</file>
+
+<file path=ppt/slides/slide6.xml><?xml version="1.0" encoding="utf-8"?>
+<p:sld xmlns:a="http://schemas.openxmlformats.org/drawingml/2006/main" xmlns:r="http://schemas.openxmlformats.org/officeDocument/2006/relationships" xmlns:p="http://schemas.openxmlformats.org/presentationml/2006/main">
+  <p:cSld>
+    <p:spTree>
+      <p:nvGrpSpPr>
+        <p:cNvPr id="1" name=""/>
+        <p:cNvGrpSpPr/>
+        <p:nvPr/>
+      </p:nvGrpSpPr>
+      <p:grpSpPr>
+        <a:xfrm>
+          <a:off x="0" y="0"/>
+          <a:ext cx="0" cy="0"/>
+          <a:chOff x="0" y="0"/>
+          <a:chExt cx="0" cy="0"/>
+        </a:xfrm>
+      </p:grpSpPr>
+      <p:sp>
+        <p:nvSpPr>
+          <p:cNvPr id="2" name="Title 1"/>
+          <p:cNvSpPr>
+            <a:spLocks noGrp="1"/>
+          </p:cNvSpPr>
+          <p:nvPr>
+            <p:ph type="title"/>
+          </p:nvPr>
+        </p:nvSpPr>
+        <p:spPr/>
+        <p:txBody>
+          <a:bodyPr/>
+          <a:lstStyle/>
+          <a:p>
+            <a:r>
+              <a:rPr lang="en-US" dirty="0"/>
+              <a:t>PROS over other products </a:t>
+            </a:r>
+            <a:endParaRPr lang="he-IL" dirty="0"/>
+          </a:p>
+        </p:txBody>
+      </p:sp>
+      <p:sp>
+        <p:nvSpPr>
+          <p:cNvPr id="3" name="Content Placeholder 2"/>
+          <p:cNvSpPr>
+            <a:spLocks noGrp="1"/>
+          </p:cNvSpPr>
+          <p:nvPr>
+            <p:ph idx="1"/>
+          </p:nvPr>
+        </p:nvSpPr>
+        <p:spPr>
+          <a:xfrm>
+            <a:off x="1069848" y="2121408"/>
+            <a:ext cx="8940426" cy="4050792"/>
+          </a:xfrm>
+        </p:spPr>
+        <p:txBody>
+          <a:bodyPr>
+            <a:normAutofit/>
+          </a:bodyPr>
+          <a:lstStyle/>
+          <a:p>
+            <a:r>
+              <a:rPr lang="en-US" sz="2800" dirty="0"/>
+              <a:t>Our program let the user control which parts from the image will affect the final work.</a:t>
+            </a:r>
+          </a:p>
+          <a:p>
+            <a:r>
+              <a:rPr lang="en-US" sz="2800" dirty="0"/>
+              <a:t> The user can use multiple images for creating one work.</a:t>
+            </a:r>
+          </a:p>
+          <a:p>
+            <a:r>
+              <a:rPr lang="en-US" sz="2800" dirty="0"/>
+              <a:t> Different purpose</a:t>
+            </a:r>
+            <a:endParaRPr lang="he-IL" sz="2800" dirty="0"/>
+          </a:p>
+        </p:txBody>
+      </p:sp>
+      <p:pic>
+        <p:nvPicPr>
+          <p:cNvPr id="4" name="Picture 2" descr="×ª××¦××ª ×ª××× × ×¢×××¨ âªmusic pixelâ¬â">
+            <a:extLst>
+              <a:ext uri="{FF2B5EF4-FFF2-40B4-BE49-F238E27FC236}">
+                <a16:creationId xmlns:a16="http://schemas.microsoft.com/office/drawing/2014/main" id="{036D1730-067B-4734-98A9-BB1287F13B9C}"/>
+              </a:ext>
+            </a:extLst>
+          </p:cNvPr>
+          <p:cNvPicPr>
+            <a:picLocks noChangeAspect="1" noChangeArrowheads="1"/>
+          </p:cNvPicPr>
+          <p:nvPr/>
+        </p:nvPicPr>
+        <p:blipFill>
+          <a:blip r:embed="rId3" cstate="hqprint">
+            <a:extLst>
+              <a:ext uri="{28A0092B-C50C-407E-A947-70E740481C1C}">
+                <a14:useLocalDpi xmlns:a14="http://schemas.microsoft.com/office/drawing/2010/main" val="0"/>
+              </a:ext>
+            </a:extLst>
+          </a:blip>
+          <a:srcRect/>
+          <a:stretch>
+            <a:fillRect/>
+          </a:stretch>
+        </p:blipFill>
+        <p:spPr bwMode="auto">
+          <a:xfrm>
+            <a:off x="11288324" y="5128341"/>
+            <a:ext cx="663044" cy="1043859"/>
+          </a:xfrm>
+          <a:prstGeom prst="rect">
+            <a:avLst/>
+          </a:prstGeom>
+          <a:noFill/>
+          <a:extLst>
+            <a:ext uri="{909E8E84-426E-40DD-AFC4-6F175D3DCCD1}">
+              <a14:hiddenFill xmlns:a14="http://schemas.microsoft.com/office/drawing/2010/main">
+                <a:solidFill>
+                  <a:srgbClr val="FFFFFF"/>
+                </a:solidFill>
+              </a14:hiddenFill>
+            </a:ext>
+          </a:extLst>
+        </p:spPr>
+      </p:pic>
+    </p:spTree>
+    <p:extLst>
+      <p:ext uri="{BB962C8B-B14F-4D97-AF65-F5344CB8AC3E}">
+        <p14:creationId xmlns:p14="http://schemas.microsoft.com/office/powerpoint/2010/main" val="2650767775"/>
+      </p:ext>
+    </p:extLst>
+  </p:cSld>
+  <p:clrMapOvr>
+    <a:masterClrMapping/>
+  </p:clrMapOvr>
+</p:sld>
+</file>
+
+<file path=ppt/slides/slide7.xml><?xml version="1.0" encoding="utf-8"?>
+<p:sld xmlns:a="http://schemas.openxmlformats.org/drawingml/2006/main" xmlns:r="http://schemas.openxmlformats.org/officeDocument/2006/relationships" xmlns:p="http://schemas.openxmlformats.org/presentationml/2006/main">
+  <p:cSld>
+    <p:spTree>
+      <p:nvGrpSpPr>
+        <p:cNvPr id="1" name=""/>
+        <p:cNvGrpSpPr/>
+        <p:nvPr/>
+      </p:nvGrpSpPr>
+      <p:grpSpPr>
+        <a:xfrm>
+          <a:off x="0" y="0"/>
+          <a:ext cx="0" cy="0"/>
+          <a:chOff x="0" y="0"/>
+          <a:chExt cx="0" cy="0"/>
+        </a:xfrm>
+      </p:grpSpPr>
+      <p:sp>
+        <p:nvSpPr>
+          <p:cNvPr id="2" name="Title 1"/>
+          <p:cNvSpPr>
+            <a:spLocks noGrp="1"/>
+          </p:cNvSpPr>
+          <p:nvPr>
+            <p:ph type="title"/>
+          </p:nvPr>
+        </p:nvSpPr>
+        <p:spPr/>
+        <p:txBody>
+          <a:bodyPr/>
+          <a:lstStyle/>
+          <a:p>
+            <a:r>
+              <a:rPr lang="en-US" dirty="0" smtClean="0"/>
+              <a:t>The project </a:t>
+            </a:r>
+            <a:endParaRPr lang="he-IL" dirty="0"/>
+          </a:p>
+        </p:txBody>
+      </p:sp>
+      <p:sp>
+        <p:nvSpPr>
+          <p:cNvPr id="3" name="Content Placeholder 2"/>
+          <p:cNvSpPr>
+            <a:spLocks noGrp="1"/>
+          </p:cNvSpPr>
+          <p:nvPr>
+            <p:ph idx="1"/>
+          </p:nvPr>
+        </p:nvSpPr>
+        <p:spPr/>
+        <p:txBody>
+          <a:bodyPr/>
+          <a:lstStyle/>
+          <a:p>
+            <a:pPr marL="0" indent="0">
+              <a:buNone/>
+            </a:pPr>
+            <a:r>
+              <a:rPr lang="en-US" dirty="0" smtClean="0"/>
+              <a:t>RGB Music is a software interface for creating music from an image through moving the mouse along the image. </a:t>
+            </a:r>
+          </a:p>
+          <a:p>
+            <a:pPr marL="0" indent="0">
+              <a:buNone/>
+            </a:pPr>
+            <a:r>
+              <a:rPr lang="en-US" dirty="0" smtClean="0"/>
+              <a:t>In this project we aim to map between visual elements to sound elements. For example:</a:t>
+            </a:r>
+          </a:p>
+          <a:p>
+            <a:r>
+              <a:rPr lang="en-US" dirty="0" smtClean="0"/>
+              <a:t>Map from the RGB value of a chosen pixel to </a:t>
+            </a:r>
+            <a:r>
+              <a:rPr lang="en-US" dirty="0"/>
+              <a:t>unique instrument </a:t>
+            </a:r>
+            <a:r>
+              <a:rPr lang="en-US" dirty="0" smtClean="0"/>
+              <a:t>timbre</a:t>
+            </a:r>
+          </a:p>
+          <a:p>
+            <a:r>
+              <a:rPr lang="en-US" dirty="0" smtClean="0"/>
+              <a:t>Map from a set of pixels (</a:t>
+            </a:r>
+            <a:r>
+              <a:rPr lang="en-US" dirty="0" err="1" smtClean="0"/>
+              <a:t>i.e</a:t>
+            </a:r>
+            <a:r>
+              <a:rPr lang="en-US" dirty="0" smtClean="0"/>
+              <a:t> the surrounding pixels of the chosen pixel) to pitch or time duration</a:t>
+            </a:r>
+          </a:p>
+          <a:p>
+            <a:pPr marL="0" indent="0">
+              <a:buNone/>
+            </a:pPr>
+            <a:endParaRPr lang="en-US" dirty="0" smtClean="0"/>
+          </a:p>
+          <a:p>
+            <a:pPr marL="0" indent="0">
+              <a:buNone/>
+            </a:pPr>
+            <a:endParaRPr lang="en-US" dirty="0" smtClean="0"/>
+          </a:p>
+        </p:txBody>
+      </p:sp>
+    </p:spTree>
+    <p:extLst>
+      <p:ext uri="{BB962C8B-B14F-4D97-AF65-F5344CB8AC3E}">
+        <p14:creationId xmlns:p14="http://schemas.microsoft.com/office/powerpoint/2010/main" val="3145902105"/>
+      </p:ext>
+    </p:extLst>
+  </p:cSld>
+  <p:clrMapOvr>
+    <a:masterClrMapping/>
+  </p:clrMapOvr>
+</p:sld>
+</file>
+
+<file path=ppt/slides/slide8.xml><?xml version="1.0" encoding="utf-8"?>
+<p:sld xmlns:a="http://schemas.openxmlformats.org/drawingml/2006/main" xmlns:r="http://schemas.openxmlformats.org/officeDocument/2006/relationships" xmlns:p="http://schemas.openxmlformats.org/presentationml/2006/main">
+  <p:cSld>
+    <p:spTree>
+      <p:nvGrpSpPr>
+        <p:cNvPr id="1" name=""/>
+        <p:cNvGrpSpPr/>
+        <p:nvPr/>
+      </p:nvGrpSpPr>
+      <p:grpSpPr>
+        <a:xfrm>
+          <a:off x="0" y="0"/>
+          <a:ext cx="0" cy="0"/>
+          <a:chOff x="0" y="0"/>
+          <a:chExt cx="0" cy="0"/>
+        </a:xfrm>
+      </p:grpSpPr>
+      <p:sp>
+        <p:nvSpPr>
+          <p:cNvPr id="2" name="Title 1"/>
+          <p:cNvSpPr>
+            <a:spLocks noGrp="1"/>
+          </p:cNvSpPr>
+          <p:nvPr>
+            <p:ph type="title"/>
+          </p:nvPr>
+        </p:nvSpPr>
+        <p:spPr/>
+        <p:txBody>
+          <a:bodyPr/>
+          <a:lstStyle/>
+          <a:p>
+            <a:r>
+              <a:rPr lang="en-US" dirty="0" smtClean="0"/>
+              <a:t>Implementation notes &amp; use case</a:t>
+            </a:r>
+            <a:endParaRPr lang="he-IL" dirty="0"/>
+          </a:p>
+        </p:txBody>
+      </p:sp>
+      <p:sp>
+        <p:nvSpPr>
+          <p:cNvPr id="3" name="Content Placeholder 2"/>
+          <p:cNvSpPr>
+            <a:spLocks noGrp="1"/>
+          </p:cNvSpPr>
+          <p:nvPr>
+            <p:ph idx="1"/>
+          </p:nvPr>
+        </p:nvSpPr>
+        <p:spPr/>
+        <p:txBody>
+          <a:bodyPr/>
+          <a:lstStyle/>
+          <a:p>
+            <a:pPr marL="0" indent="0">
+              <a:buNone/>
+            </a:pPr>
+            <a:r>
+              <a:rPr lang="en-US" dirty="0" smtClean="0"/>
+              <a:t>The project will be implemented in Python using the following libraries:</a:t>
+            </a:r>
+          </a:p>
+          <a:p>
+            <a:r>
+              <a:rPr lang="en-US" dirty="0" err="1" smtClean="0"/>
+              <a:t>Tkinter</a:t>
+            </a:r>
+            <a:r>
+              <a:rPr lang="en-US" dirty="0" smtClean="0"/>
+              <a:t> – UI </a:t>
+            </a:r>
+          </a:p>
+          <a:p>
+            <a:r>
+              <a:rPr lang="en-US" dirty="0" err="1" smtClean="0"/>
+              <a:t>Pyo</a:t>
+            </a:r>
+            <a:r>
+              <a:rPr lang="en-US" dirty="0" smtClean="0"/>
+              <a:t> </a:t>
+            </a:r>
+            <a:r>
+              <a:rPr lang="en-US" dirty="0"/>
+              <a:t>- </a:t>
+            </a:r>
+            <a:r>
+              <a:rPr lang="en-US" dirty="0" smtClean="0"/>
+              <a:t>Digital </a:t>
+            </a:r>
+            <a:r>
+              <a:rPr lang="en-US" dirty="0"/>
+              <a:t>signal </a:t>
+            </a:r>
+            <a:r>
+              <a:rPr lang="en-US" dirty="0" smtClean="0"/>
+              <a:t>processing</a:t>
+            </a:r>
+          </a:p>
+          <a:p>
+            <a:r>
+              <a:rPr lang="en-US" dirty="0" err="1" smtClean="0"/>
+              <a:t>Pil</a:t>
+            </a:r>
+            <a:r>
+              <a:rPr lang="en-US" dirty="0" smtClean="0"/>
+              <a:t> - Image processing</a:t>
+            </a:r>
+          </a:p>
+          <a:p>
+            <a:pPr marL="0" indent="0">
+              <a:buNone/>
+            </a:pPr>
+            <a:r>
+              <a:rPr lang="en-US" dirty="0" smtClean="0"/>
+              <a:t>The main use case is very basic – just load the image and move the mouse along the image to create music </a:t>
+            </a:r>
+            <a:endParaRPr lang="he-IL" dirty="0"/>
+          </a:p>
+        </p:txBody>
+      </p:sp>
+      <p:pic>
+        <p:nvPicPr>
+          <p:cNvPr id="4" name="Picture 3"/>
+          <p:cNvPicPr>
+            <a:picLocks noChangeAspect="1"/>
+          </p:cNvPicPr>
+          <p:nvPr/>
+        </p:nvPicPr>
+        <p:blipFill>
+          <a:blip r:embed="rId3">
+            <a:extLst>
+              <a:ext uri="{28A0092B-C50C-407E-A947-70E740481C1C}">
+                <a14:useLocalDpi xmlns:a14="http://schemas.microsoft.com/office/drawing/2010/main" val="0"/>
+              </a:ext>
+            </a:extLst>
+          </a:blip>
+          <a:stretch>
+            <a:fillRect/>
+          </a:stretch>
+        </p:blipFill>
+        <p:spPr>
+          <a:xfrm>
+            <a:off x="1848530" y="4593771"/>
+            <a:ext cx="7273630" cy="1219199"/>
+          </a:xfrm>
+          <a:prstGeom prst="rect">
+            <a:avLst/>
+          </a:prstGeom>
+        </p:spPr>
+      </p:pic>
+    </p:spTree>
+    <p:extLst>
+      <p:ext uri="{BB962C8B-B14F-4D97-AF65-F5344CB8AC3E}">
+        <p14:creationId xmlns:p14="http://schemas.microsoft.com/office/powerpoint/2010/main" val="158362669"/>
+      </p:ext>
+    </p:extLst>
+  </p:cSld>
+  <p:clrMapOvr>
+    <a:masterClrMapping/>
+  </p:clrMapOvr>
+</p:sld>
+</file>
+
+<file path=ppt/slides/slide9.xml><?xml version="1.0" encoding="utf-8"?>
+<p:sld xmlns:a="http://schemas.openxmlformats.org/drawingml/2006/main" xmlns:r="http://schemas.openxmlformats.org/officeDocument/2006/relationships" xmlns:p="http://schemas.openxmlformats.org/presentationml/2006/main">
+  <p:cSld>
+    <p:spTree>
+      <p:nvGrpSpPr>
+        <p:cNvPr id="1" name=""/>
+        <p:cNvGrpSpPr/>
+        <p:nvPr/>
+      </p:nvGrpSpPr>
+      <p:grpSpPr>
+        <a:xfrm>
+          <a:off x="0" y="0"/>
+          <a:ext cx="0" cy="0"/>
+          <a:chOff x="0" y="0"/>
+          <a:chExt cx="0" cy="0"/>
+        </a:xfrm>
+      </p:grpSpPr>
+      <p:sp>
+        <p:nvSpPr>
+          <p:cNvPr id="2" name="Title 1"/>
+          <p:cNvSpPr>
+            <a:spLocks noGrp="1"/>
+          </p:cNvSpPr>
+          <p:nvPr>
+            <p:ph type="title"/>
+          </p:nvPr>
+        </p:nvSpPr>
+        <p:spPr/>
+        <p:txBody>
+          <a:bodyPr/>
+          <a:lstStyle/>
+          <a:p>
+            <a:r>
+              <a:rPr lang="en-US" dirty="0" smtClean="0"/>
+              <a:t>Technical and musical summary #1 </a:t>
+            </a:r>
+            <a:endParaRPr lang="he-IL" dirty="0"/>
+          </a:p>
+        </p:txBody>
+      </p:sp>
+      <p:sp>
+        <p:nvSpPr>
+          <p:cNvPr id="3" name="Content Placeholder 2"/>
+          <p:cNvSpPr>
+            <a:spLocks noGrp="1"/>
+          </p:cNvSpPr>
+          <p:nvPr>
+            <p:ph idx="1"/>
+          </p:nvPr>
+        </p:nvSpPr>
+        <p:spPr/>
+        <p:txBody>
+          <a:bodyPr/>
+          <a:lstStyle/>
+          <a:p>
+            <a:r>
+              <a:rPr lang="en-US" dirty="0" smtClean="0"/>
+              <a:t>System description</a:t>
+            </a:r>
+          </a:p>
+          <a:p>
+            <a:pPr marL="0" indent="0">
+              <a:buNone/>
+            </a:pPr>
+            <a:endParaRPr lang="he-IL" dirty="0"/>
+          </a:p>
+        </p:txBody>
+      </p:sp>
+      <p:pic>
+        <p:nvPicPr>
+          <p:cNvPr id="5" name="Picture 4"/>
+          <p:cNvPicPr>
+            <a:picLocks noChangeAspect="1"/>
+          </p:cNvPicPr>
+          <p:nvPr/>
+        </p:nvPicPr>
+        <p:blipFill>
+          <a:blip r:embed="rId3"/>
+          <a:stretch>
+            <a:fillRect/>
+          </a:stretch>
+        </p:blipFill>
+        <p:spPr>
+          <a:xfrm>
+            <a:off x="1420585" y="2520657"/>
+            <a:ext cx="8167007" cy="4337343"/>
+          </a:xfrm>
+          <a:prstGeom prst="rect">
+            <a:avLst/>
+          </a:prstGeom>
+        </p:spPr>
+      </p:pic>
+    </p:spTree>
+    <p:extLst>
+      <p:ext uri="{BB962C8B-B14F-4D97-AF65-F5344CB8AC3E}">
+        <p14:creationId xmlns:p14="http://schemas.microsoft.com/office/powerpoint/2010/main" val="1173866477"/>
       </p:ext>
     </p:extLst>
   </p:cSld>
@@ -8628,39 +10689,33 @@
 </Control>
 </file>
 
-<file path=customXml/item10.xml><?xml version="1.0" encoding="utf-8"?>
+<file path=customXml/item2.xml><?xml version="1.0" encoding="utf-8"?>
 <Control xmlns="http://schemas.microsoft.com/VisualStudio/2011/storyboarding/control">
-  <Id Name="System.Storyboarding.Common.Button" Revision="1" Stencil="System.Storyboarding.Common" StencilVersion="0.1"/>
+  <Id Name="System.Storyboarding.WindowsDesktop.MenuBar" Revision="1" Stencil="System.Storyboarding.WindowsDesktop" StencilVersion="0.1"/>
 </Control>
 </file>
 
-<file path=customXml/item2.xml><?xml version="1.0" encoding="utf-8"?>
+<file path=customXml/item3.xml><?xml version="1.0" encoding="utf-8"?>
 <Control xmlns="http://schemas.microsoft.com/VisualStudio/2011/storyboarding/control">
   <Id Name="System.Storyboarding.Media.PositionControl" Revision="1" Stencil="System.Storyboarding.Media" StencilVersion="0.1"/>
 </Control>
 </file>
 
-<file path=customXml/item3.xml><?xml version="1.0" encoding="utf-8"?>
+<file path=customXml/item4.xml><?xml version="1.0" encoding="utf-8"?>
 <Control xmlns="http://schemas.microsoft.com/VisualStudio/2011/storyboarding/control">
   <Id Name="System.Storyboarding.WindowsDesktop.FileMenu" Revision="1" Stencil="System.Storyboarding.WindowsDesktop" StencilVersion="0.1"/>
 </Control>
 </file>
 
-<file path=customXml/item4.xml><?xml version="1.0" encoding="utf-8"?>
-<Control xmlns="http://schemas.microsoft.com/VisualStudio/2011/storyboarding/control">
-  <Id Name="System.Storyboarding.WindowsDesktop.MenuBar" Revision="1" Stencil="System.Storyboarding.WindowsDesktop" StencilVersion="0.1"/>
-</Control>
-</file>
-
 <file path=customXml/item5.xml><?xml version="1.0" encoding="utf-8"?>
 <Control xmlns="http://schemas.microsoft.com/VisualStudio/2011/storyboarding/control">
-  <Id Name="2af01176-85ee-4929-8d41-a331980c979e" RevisionId="be170569-95d9-41cc-85ac-d2bbd0fbf029" Stencil="172d6d98-e5c9-42e9-a209-79f7a94bbd38" StencilRevisionId="00000000-0000-0000-0000-000000000000" StencilVersion="0.0"/>
+  <Id Name="System.Storyboarding.WindowsApps.WindowsAppsComboBox" Revision="1" Stencil="System.Storyboarding.WindowsApps" StencilVersion="0.1"/>
 </Control>
 </file>
 
 <file path=customXml/item6.xml><?xml version="1.0" encoding="utf-8"?>
 <Control xmlns="http://schemas.microsoft.com/VisualStudio/2011/storyboarding/control">
-  <Id Name="System.Storyboarding.WindowsApps.WindowsAppsComboBox" Revision="1" Stencil="System.Storyboarding.WindowsApps" StencilVersion="0.1"/>
+  <Id Name="2af01176-85ee-4929-8d41-a331980c979e" RevisionId="be170569-95d9-41cc-85ac-d2bbd0fbf029" Stencil="172d6d98-e5c9-42e9-a209-79f7a94bbd38" StencilRevisionId="00000000-0000-0000-0000-000000000000" StencilVersion="0.0"/>
 </Control>
 </file>
 
@@ -8672,7 +10727,7 @@
 
 <file path=customXml/item8.xml><?xml version="1.0" encoding="utf-8"?>
 <Control xmlns="http://schemas.microsoft.com/VisualStudio/2011/storyboarding/control">
-  <Id Name="System.Storyboarding.Media.PlayControls" Revision="1" Stencil="System.Storyboarding.Media" StencilVersion="0.1"/>
+  <Id Name="System.Storyboarding.Common.Button" Revision="1" Stencil="System.Storyboarding.Common" StencilVersion="0.1"/>
 </Control>
 </file>
 
@@ -8690,15 +10745,15 @@
 </ds:datastoreItem>
 </file>
 
-<file path=customXml/itemProps10.xml><?xml version="1.0" encoding="utf-8"?>
-<ds:datastoreItem xmlns:ds="http://schemas.openxmlformats.org/officeDocument/2006/customXml" ds:itemID="{7DAE3BE4-E70D-4EC8-B1B0-025C686D4E8B}">
+<file path=customXml/itemProps2.xml><?xml version="1.0" encoding="utf-8"?>
+<ds:datastoreItem xmlns:ds="http://schemas.openxmlformats.org/officeDocument/2006/customXml" ds:itemID="{745B0F45-DD12-4898-907B-B42806A386D4}">
   <ds:schemaRefs>
     <ds:schemaRef ds:uri="http://schemas.microsoft.com/VisualStudio/2011/storyboarding/control"/>
   </ds:schemaRefs>
 </ds:datastoreItem>
 </file>
 
-<file path=customXml/itemProps2.xml><?xml version="1.0" encoding="utf-8"?>
+<file path=customXml/itemProps3.xml><?xml version="1.0" encoding="utf-8"?>
 <ds:datastoreItem xmlns:ds="http://schemas.openxmlformats.org/officeDocument/2006/customXml" ds:itemID="{CCE8FDCA-BCE1-4F92-85E3-F157F9680E4B}">
   <ds:schemaRefs>
     <ds:schemaRef ds:uri="http://schemas.microsoft.com/VisualStudio/2011/storyboarding/control"/>
@@ -8706,7 +10761,7 @@
 </ds:datastoreItem>
 </file>
 
-<file path=customXml/itemProps3.xml><?xml version="1.0" encoding="utf-8"?>
+<file path=customXml/itemProps4.xml><?xml version="1.0" encoding="utf-8"?>
 <ds:datastoreItem xmlns:ds="http://schemas.openxmlformats.org/officeDocument/2006/customXml" ds:itemID="{92FDC7DD-9509-4D67-A928-89B67BCA0762}">
   <ds:schemaRefs>
     <ds:schemaRef ds:uri="http://schemas.microsoft.com/VisualStudio/2011/storyboarding/control"/>
@@ -8714,16 +10769,8 @@
 </ds:datastoreItem>
 </file>
 
-<file path=customXml/itemProps4.xml><?xml version="1.0" encoding="utf-8"?>
-<ds:datastoreItem xmlns:ds="http://schemas.openxmlformats.org/officeDocument/2006/customXml" ds:itemID="{745B0F45-DD12-4898-907B-B42806A386D4}">
-  <ds:schemaRefs>
-    <ds:schemaRef ds:uri="http://schemas.microsoft.com/VisualStudio/2011/storyboarding/control"/>
-  </ds:schemaRefs>
-</ds:datastoreItem>
-</file>
-
 <file path=customXml/itemProps5.xml><?xml version="1.0" encoding="utf-8"?>
-<ds:datastoreItem xmlns:ds="http://schemas.openxmlformats.org/officeDocument/2006/customXml" ds:itemID="{AF0A1625-DDA8-4A57-9128-70B7F3EF17BA}">
+<ds:datastoreItem xmlns:ds="http://schemas.openxmlformats.org/officeDocument/2006/customXml" ds:itemID="{4023B281-42FC-48B4-9CD9-B146A36C7031}">
   <ds:schemaRefs>
     <ds:schemaRef ds:uri="http://schemas.microsoft.com/VisualStudio/2011/storyboarding/control"/>
   </ds:schemaRefs>
@@ -8731,7 +10778,7 @@
 </file>
 
 <file path=customXml/itemProps6.xml><?xml version="1.0" encoding="utf-8"?>
-<ds:datastoreItem xmlns:ds="http://schemas.openxmlformats.org/officeDocument/2006/customXml" ds:itemID="{4023B281-42FC-48B4-9CD9-B146A36C7031}">
+<ds:datastoreItem xmlns:ds="http://schemas.openxmlformats.org/officeDocument/2006/customXml" ds:itemID="{AF0A1625-DDA8-4A57-9128-70B7F3EF17BA}">
   <ds:schemaRefs>
     <ds:schemaRef ds:uri="http://schemas.microsoft.com/VisualStudio/2011/storyboarding/control"/>
   </ds:schemaRefs>
@@ -8747,7 +10794,7 @@
 </file>
 
 <file path=customXml/itemProps8.xml><?xml version="1.0" encoding="utf-8"?>
-<ds:datastoreItem xmlns:ds="http://schemas.openxmlformats.org/officeDocument/2006/customXml" ds:itemID="{4F54986E-4D22-44CD-9EBC-CE10EA30188D}">
+<ds:datastoreItem xmlns:ds="http://schemas.openxmlformats.org/officeDocument/2006/customXml" ds:itemID="{838C5889-261F-4384-9AFA-0B02A900D564}">
   <ds:schemaRefs>
     <ds:schemaRef ds:uri="http://schemas.microsoft.com/VisualStudio/2011/storyboarding/control"/>
   </ds:schemaRefs>
@@ -8755,7 +10802,7 @@
 </file>
 
 <file path=customXml/itemProps9.xml><?xml version="1.0" encoding="utf-8"?>
-<ds:datastoreItem xmlns:ds="http://schemas.openxmlformats.org/officeDocument/2006/customXml" ds:itemID="{838C5889-261F-4384-9AFA-0B02A900D564}">
+<ds:datastoreItem xmlns:ds="http://schemas.openxmlformats.org/officeDocument/2006/customXml" ds:itemID="{7DAE3BE4-E70D-4EC8-B1B0-025C686D4E8B}">
   <ds:schemaRefs>
     <ds:schemaRef ds:uri="http://schemas.microsoft.com/VisualStudio/2011/storyboarding/control"/>
   </ds:schemaRefs>
